--- a/doc/video-12-data-analysis.pptx
+++ b/doc/video-12-data-analysis.pptx
@@ -569,10 +569,60 @@
           <a:bodyPr/>
           <a:lstStyle/>
           <a:p>
-            <a:pPr lvl="1"/>
-            <a:r>
-              <a:rPr/>
-              <a:t>Example</a:t>
+            <a:pPr lvl="0" marL="0" indent="0">
+              <a:buNone/>
+            </a:pPr>
+            <a:r>
+              <a:rPr/>
+              <a:t>Here</a:t>
+            </a:r>
+            <a:r>
+              <a:rPr/>
+              <a:t> </a:t>
+            </a:r>
+            <a:r>
+              <a:rPr/>
+              <a:t>are</a:t>
+            </a:r>
+            <a:r>
+              <a:rPr/>
+              <a:t> </a:t>
+            </a:r>
+            <a:r>
+              <a:rPr/>
+              <a:t>the</a:t>
+            </a:r>
+            <a:r>
+              <a:rPr/>
+              <a:t> </a:t>
+            </a:r>
+            <a:r>
+              <a:rPr/>
+              <a:t>objectives</a:t>
+            </a:r>
+            <a:r>
+              <a:rPr/>
+              <a:t> </a:t>
+            </a:r>
+            <a:r>
+              <a:rPr/>
+              <a:t>for</a:t>
+            </a:r>
+            <a:r>
+              <a:rPr/>
+              <a:t> </a:t>
+            </a:r>
+            <a:r>
+              <a:rPr/>
+              <a:t>this</a:t>
+            </a:r>
+            <a:r>
+              <a:rPr/>
+              <a:t> </a:t>
+            </a:r>
+            <a:r>
+              <a:rPr/>
+              <a:t>week.</a:t>
             </a:r>
           </a:p>
         </p:txBody>
@@ -594,7 +644,1931 @@
           <a:p>
             <a:fld id="{18BDFEC3-8487-43E8-A154-7C12CBC1FFF2}" type="slidenum">
               <a:rPr lang="en-US"/>
-              <a:t>8</a:t>
+              <a:t>2</a:t>
+            </a:fld>
+            <a:endParaRPr lang="en-US"/>
+          </a:p>
+        </p:txBody>
+      </p:sp>
+    </p:spTree>
+  </p:cSld>
+</p:notes>
+</file>
+
+<file path=ppt/notesSlides/notesSlide10.xml><?xml version="1.0" encoding="utf-8"?>
+<p:notes xmlns:a="http://schemas.openxmlformats.org/drawingml/2006/main" xmlns:r="http://schemas.openxmlformats.org/officeDocument/2006/relationships" xmlns:p="http://schemas.openxmlformats.org/presentationml/2006/main">
+  <p:cSld>
+    <p:spTree>
+      <p:nvGrpSpPr>
+        <p:cNvPr id="1" name=""/>
+        <p:cNvGrpSpPr/>
+        <p:nvPr/>
+      </p:nvGrpSpPr>
+      <p:grpSpPr>
+        <a:xfrm>
+          <a:off x="0" y="0"/>
+          <a:ext cx="0" cy="0"/>
+          <a:chOff x="0" y="0"/>
+          <a:chExt cx="0" cy="0"/>
+        </a:xfrm>
+      </p:grpSpPr>
+      <p:sp>
+        <p:nvSpPr>
+          <p:cNvPr id="2" name="Slide Image Placeholder 1"/>
+          <p:cNvSpPr>
+            <a:spLocks noGrp="1" noRot="1" noChangeAspect="1"/>
+          </p:cNvSpPr>
+          <p:nvPr>
+            <p:ph type="sldImg"/>
+          </p:nvPr>
+        </p:nvSpPr>
+        <p:spPr/>
+      </p:sp>
+      <p:sp>
+        <p:nvSpPr>
+          <p:cNvPr id="3" name="Notes Placeholder 2"/>
+          <p:cNvSpPr>
+            <a:spLocks noGrp="1"/>
+          </p:cNvSpPr>
+          <p:nvPr>
+            <p:ph type="body" idx="1"/>
+          </p:nvPr>
+        </p:nvSpPr>
+        <p:spPr/>
+        <p:txBody>
+          <a:bodyPr/>
+          <a:lstStyle/>
+          <a:p>
+            <a:pPr lvl="0" marL="0" indent="0">
+              <a:buNone/>
+            </a:pPr>
+            <a:r>
+              <a:rPr/>
+              <a:t>This</a:t>
+            </a:r>
+            <a:r>
+              <a:rPr/>
+              <a:t> </a:t>
+            </a:r>
+            <a:r>
+              <a:rPr/>
+              <a:t>is</a:t>
+            </a:r>
+            <a:r>
+              <a:rPr/>
+              <a:t> </a:t>
+            </a:r>
+            <a:r>
+              <a:rPr/>
+              <a:t>a</a:t>
+            </a:r>
+            <a:r>
+              <a:rPr/>
+              <a:t> </a:t>
+            </a:r>
+            <a:r>
+              <a:rPr/>
+              <a:t>table</a:t>
+            </a:r>
+            <a:r>
+              <a:rPr/>
+              <a:t> </a:t>
+            </a:r>
+            <a:r>
+              <a:rPr/>
+              <a:t>of</a:t>
+            </a:r>
+            <a:r>
+              <a:rPr/>
+              <a:t> </a:t>
+            </a:r>
+            <a:r>
+              <a:rPr/>
+              <a:t>possible</a:t>
+            </a:r>
+            <a:r>
+              <a:rPr/>
+              <a:t> </a:t>
+            </a:r>
+            <a:r>
+              <a:rPr/>
+              <a:t>outcomes</a:t>
+            </a:r>
+            <a:r>
+              <a:rPr/>
+              <a:t> </a:t>
+            </a:r>
+            <a:r>
+              <a:rPr/>
+              <a:t>H0</a:t>
+            </a:r>
+            <a:r>
+              <a:rPr/>
+              <a:t> </a:t>
+            </a:r>
+            <a:r>
+              <a:rPr/>
+              <a:t>true,</a:t>
+            </a:r>
+            <a:r>
+              <a:rPr/>
+              <a:t> </a:t>
+            </a:r>
+            <a:r>
+              <a:rPr/>
+              <a:t>H0</a:t>
+            </a:r>
+            <a:r>
+              <a:rPr/>
+              <a:t> </a:t>
+            </a:r>
+            <a:r>
+              <a:rPr/>
+              <a:t>false</a:t>
+            </a:r>
+            <a:r>
+              <a:rPr/>
+              <a:t> </a:t>
+            </a:r>
+            <a:r>
+              <a:rPr/>
+              <a:t>versus</a:t>
+            </a:r>
+            <a:r>
+              <a:rPr/>
+              <a:t> </a:t>
+            </a:r>
+            <a:r>
+              <a:rPr/>
+              <a:t>reject</a:t>
+            </a:r>
+            <a:r>
+              <a:rPr/>
+              <a:t> </a:t>
+            </a:r>
+            <a:r>
+              <a:rPr/>
+              <a:t>H0,</a:t>
+            </a:r>
+            <a:r>
+              <a:rPr/>
+              <a:t> </a:t>
+            </a:r>
+            <a:r>
+              <a:rPr/>
+              <a:t>accept</a:t>
+            </a:r>
+            <a:r>
+              <a:rPr/>
+              <a:t> </a:t>
+            </a:r>
+            <a:r>
+              <a:rPr/>
+              <a:t>H0.</a:t>
+            </a:r>
+          </a:p>
+          <a:p>
+            <a:pPr lvl="0" marL="0" indent="0">
+              <a:buNone/>
+            </a:pPr>
+          </a:p>
+          <a:p>
+            <a:pPr lvl="0" marL="0" indent="0">
+              <a:buNone/>
+            </a:pPr>
+            <a:r>
+              <a:rPr/>
+              <a:t>Define</a:t>
+            </a:r>
+            <a:r>
+              <a:rPr/>
+              <a:t> </a:t>
+            </a:r>
+            <a:r>
+              <a:rPr/>
+              <a:t>power</a:t>
+            </a:r>
+            <a:r>
+              <a:rPr/>
+              <a:t> </a:t>
+            </a:r>
+            <a:r>
+              <a:rPr/>
+              <a:t>as</a:t>
+            </a:r>
+            <a:r>
+              <a:rPr/>
+              <a:t> </a:t>
+            </a:r>
+            <a:r>
+              <a:rPr/>
+              <a:t>the</a:t>
+            </a:r>
+            <a:r>
+              <a:rPr/>
+              <a:t> </a:t>
+            </a:r>
+            <a:r>
+              <a:rPr/>
+              <a:t>probability</a:t>
+            </a:r>
+            <a:r>
+              <a:rPr/>
+              <a:t> </a:t>
+            </a:r>
+            <a:r>
+              <a:rPr/>
+              <a:t>of</a:t>
+            </a:r>
+            <a:r>
+              <a:rPr/>
+              <a:t> </a:t>
+            </a:r>
+            <a:r>
+              <a:rPr/>
+              <a:t>rejecting</a:t>
+            </a:r>
+            <a:r>
+              <a:rPr/>
+              <a:t> </a:t>
+            </a:r>
+            <a:r>
+              <a:rPr/>
+              <a:t>the</a:t>
+            </a:r>
+            <a:r>
+              <a:rPr/>
+              <a:t> </a:t>
+            </a:r>
+            <a:r>
+              <a:rPr/>
+              <a:t>null</a:t>
+            </a:r>
+            <a:r>
+              <a:rPr/>
+              <a:t> </a:t>
+            </a:r>
+            <a:r>
+              <a:rPr/>
+              <a:t>hypotheis</a:t>
+            </a:r>
+            <a:r>
+              <a:rPr/>
+              <a:t> </a:t>
+            </a:r>
+            <a:r>
+              <a:rPr/>
+              <a:t>when</a:t>
+            </a:r>
+            <a:r>
+              <a:rPr/>
+              <a:t> </a:t>
+            </a:r>
+            <a:r>
+              <a:rPr/>
+              <a:t>the</a:t>
+            </a:r>
+            <a:r>
+              <a:rPr/>
+              <a:t> </a:t>
+            </a:r>
+            <a:r>
+              <a:rPr/>
+              <a:t>alternative</a:t>
+            </a:r>
+            <a:r>
+              <a:rPr/>
+              <a:t> </a:t>
+            </a:r>
+            <a:r>
+              <a:rPr/>
+              <a:t>hypothesis</a:t>
+            </a:r>
+            <a:r>
+              <a:rPr/>
+              <a:t> </a:t>
+            </a:r>
+            <a:r>
+              <a:rPr/>
+              <a:t>is</a:t>
+            </a:r>
+            <a:r>
+              <a:rPr/>
+              <a:t> </a:t>
+            </a:r>
+            <a:r>
+              <a:rPr/>
+              <a:t>true.</a:t>
+            </a:r>
+            <a:r>
+              <a:rPr/>
+              <a:t> </a:t>
+            </a:r>
+            <a:r>
+              <a:rPr/>
+              <a:t>[[Since</a:t>
+            </a:r>
+            <a:r>
+              <a:rPr/>
+              <a:t> </a:t>
+            </a:r>
+            <a:r>
+              <a:rPr/>
+              <a:t>the</a:t>
+            </a:r>
+            <a:r>
+              <a:rPr/>
+              <a:t> </a:t>
+            </a:r>
+            <a:r>
+              <a:rPr/>
+              <a:t>]]</a:t>
+            </a:r>
+          </a:p>
+        </p:txBody>
+      </p:sp>
+      <p:sp>
+        <p:nvSpPr>
+          <p:cNvPr id="4" name="Slide Number Placeholder 3"/>
+          <p:cNvSpPr>
+            <a:spLocks noGrp="1"/>
+          </p:cNvSpPr>
+          <p:nvPr>
+            <p:ph type="sldNum" sz="quarter" idx="10"/>
+          </p:nvPr>
+        </p:nvSpPr>
+        <p:spPr/>
+        <p:txBody>
+          <a:bodyPr/>
+          <a:lstStyle/>
+          <a:p>
+            <a:fld id="{18BDFEC3-8487-43E8-A154-7C12CBC1FFF2}" type="slidenum">
+              <a:rPr lang="en-US"/>
+              <a:t>11</a:t>
+            </a:fld>
+            <a:endParaRPr lang="en-US"/>
+          </a:p>
+        </p:txBody>
+      </p:sp>
+    </p:spTree>
+  </p:cSld>
+</p:notes>
+</file>
+
+<file path=ppt/notesSlides/notesSlide11.xml><?xml version="1.0" encoding="utf-8"?>
+<p:notes xmlns:a="http://schemas.openxmlformats.org/drawingml/2006/main" xmlns:r="http://schemas.openxmlformats.org/officeDocument/2006/relationships" xmlns:p="http://schemas.openxmlformats.org/presentationml/2006/main">
+  <p:cSld>
+    <p:spTree>
+      <p:nvGrpSpPr>
+        <p:cNvPr id="1" name=""/>
+        <p:cNvGrpSpPr/>
+        <p:nvPr/>
+      </p:nvGrpSpPr>
+      <p:grpSpPr>
+        <a:xfrm>
+          <a:off x="0" y="0"/>
+          <a:ext cx="0" cy="0"/>
+          <a:chOff x="0" y="0"/>
+          <a:chExt cx="0" cy="0"/>
+        </a:xfrm>
+      </p:grpSpPr>
+      <p:sp>
+        <p:nvSpPr>
+          <p:cNvPr id="2" name="Slide Image Placeholder 1"/>
+          <p:cNvSpPr>
+            <a:spLocks noGrp="1" noRot="1" noChangeAspect="1"/>
+          </p:cNvSpPr>
+          <p:nvPr>
+            <p:ph type="sldImg"/>
+          </p:nvPr>
+        </p:nvSpPr>
+        <p:spPr/>
+      </p:sp>
+      <p:sp>
+        <p:nvSpPr>
+          <p:cNvPr id="3" name="Notes Placeholder 2"/>
+          <p:cNvSpPr>
+            <a:spLocks noGrp="1"/>
+          </p:cNvSpPr>
+          <p:nvPr>
+            <p:ph type="body" idx="1"/>
+          </p:nvPr>
+        </p:nvSpPr>
+        <p:spPr/>
+        <p:txBody>
+          <a:bodyPr/>
+          <a:lstStyle/>
+          <a:p>
+            <a:pPr lvl="1"/>
+            <a:r>
+              <a:rPr/>
+              <a:t>Statistical</a:t>
+            </a:r>
+            <a:r>
+              <a:rPr/>
+              <a:t> </a:t>
+            </a:r>
+            <a:r>
+              <a:rPr/>
+              <a:t>testing</a:t>
+            </a:r>
+            <a:r>
+              <a:rPr/>
+              <a:t> </a:t>
+            </a:r>
+            <a:r>
+              <a:rPr/>
+              <a:t>–</a:t>
+            </a:r>
+            <a:r>
+              <a:rPr/>
+              <a:t> </a:t>
+            </a:r>
+            <a:r>
+              <a:rPr/>
+              <a:t>possible</a:t>
+            </a:r>
+            <a:r>
+              <a:rPr/>
+              <a:t> </a:t>
+            </a:r>
+            <a:r>
+              <a:rPr/>
+              <a:t>outcomes</a:t>
+            </a:r>
+          </a:p>
+          <a:p>
+            <a:pPr lvl="0" marL="0" indent="0">
+              <a:buNone/>
+            </a:pPr>
+          </a:p>
+          <a:p>
+            <a:pPr lvl="0" marL="0" indent="0">
+              <a:buNone/>
+            </a:pPr>
+            <a:r>
+              <a:rPr/>
+              <a:t>Figure</a:t>
+            </a:r>
+            <a:r>
+              <a:rPr/>
+              <a:t> </a:t>
+            </a:r>
+            <a:r>
+              <a:rPr/>
+              <a:t>16.2</a:t>
+            </a:r>
+            <a:r>
+              <a:rPr/>
+              <a:t> </a:t>
+            </a:r>
+            <a:r>
+              <a:rPr/>
+              <a:t>provides</a:t>
+            </a:r>
+            <a:r>
+              <a:rPr/>
+              <a:t> </a:t>
+            </a:r>
+            <a:r>
+              <a:rPr/>
+              <a:t>a</a:t>
+            </a:r>
+            <a:r>
+              <a:rPr/>
+              <a:t> </a:t>
+            </a:r>
+            <a:r>
+              <a:rPr/>
+              <a:t>different</a:t>
+            </a:r>
+            <a:r>
+              <a:rPr/>
+              <a:t> </a:t>
+            </a:r>
+            <a:r>
+              <a:rPr/>
+              <a:t>way</a:t>
+            </a:r>
+            <a:r>
+              <a:rPr/>
+              <a:t> </a:t>
+            </a:r>
+            <a:r>
+              <a:rPr/>
+              <a:t>of</a:t>
+            </a:r>
+            <a:r>
+              <a:rPr/>
+              <a:t> </a:t>
+            </a:r>
+            <a:r>
+              <a:rPr/>
+              <a:t>displaying</a:t>
+            </a:r>
+            <a:r>
+              <a:rPr/>
+              <a:t> </a:t>
+            </a:r>
+            <a:r>
+              <a:rPr/>
+              <a:t>Type</a:t>
+            </a:r>
+            <a:r>
+              <a:rPr/>
+              <a:t> </a:t>
+            </a:r>
+            <a:r>
+              <a:rPr/>
+              <a:t>I</a:t>
+            </a:r>
+            <a:r>
+              <a:rPr/>
+              <a:t> </a:t>
+            </a:r>
+            <a:r>
+              <a:rPr/>
+              <a:t>and</a:t>
+            </a:r>
+            <a:r>
+              <a:rPr/>
+              <a:t> </a:t>
+            </a:r>
+            <a:r>
+              <a:rPr/>
+              <a:t>Type</a:t>
+            </a:r>
+            <a:r>
+              <a:rPr/>
+              <a:t> </a:t>
+            </a:r>
+            <a:r>
+              <a:rPr/>
+              <a:t>II</a:t>
+            </a:r>
+            <a:r>
+              <a:rPr/>
+              <a:t> </a:t>
+            </a:r>
+            <a:r>
+              <a:rPr/>
+              <a:t>errors</a:t>
+            </a:r>
+            <a:r>
+              <a:rPr/>
+              <a:t> </a:t>
+            </a:r>
+            <a:r>
+              <a:rPr/>
+              <a:t>in</a:t>
+            </a:r>
+            <a:r>
+              <a:rPr/>
+              <a:t> </a:t>
+            </a:r>
+            <a:r>
+              <a:rPr/>
+              <a:t>a</a:t>
+            </a:r>
+            <a:r>
+              <a:rPr/>
+              <a:t> </a:t>
+            </a:r>
+            <a:r>
+              <a:rPr/>
+              <a:t>two</a:t>
+            </a:r>
+            <a:r>
+              <a:rPr/>
+              <a:t> </a:t>
+            </a:r>
+            <a:r>
+              <a:rPr/>
+              <a:t>by</a:t>
+            </a:r>
+            <a:r>
+              <a:rPr/>
+              <a:t> </a:t>
+            </a:r>
+            <a:r>
+              <a:rPr/>
+              <a:t>two</a:t>
+            </a:r>
+            <a:r>
+              <a:rPr/>
+              <a:t> </a:t>
+            </a:r>
+            <a:r>
+              <a:rPr/>
+              <a:t>table.</a:t>
+            </a:r>
+          </a:p>
+        </p:txBody>
+      </p:sp>
+      <p:sp>
+        <p:nvSpPr>
+          <p:cNvPr id="4" name="Slide Number Placeholder 3"/>
+          <p:cNvSpPr>
+            <a:spLocks noGrp="1"/>
+          </p:cNvSpPr>
+          <p:nvPr>
+            <p:ph type="sldNum" sz="quarter" idx="10"/>
+          </p:nvPr>
+        </p:nvSpPr>
+        <p:spPr/>
+        <p:txBody>
+          <a:bodyPr/>
+          <a:lstStyle/>
+          <a:p>
+            <a:fld id="{18BDFEC3-8487-43E8-A154-7C12CBC1FFF2}" type="slidenum">
+              <a:rPr lang="en-US"/>
+              <a:t>12</a:t>
+            </a:fld>
+            <a:endParaRPr lang="en-US"/>
+          </a:p>
+        </p:txBody>
+      </p:sp>
+    </p:spTree>
+  </p:cSld>
+</p:notes>
+</file>
+
+<file path=ppt/notesSlides/notesSlide12.xml><?xml version="1.0" encoding="utf-8"?>
+<p:notes xmlns:a="http://schemas.openxmlformats.org/drawingml/2006/main" xmlns:r="http://schemas.openxmlformats.org/officeDocument/2006/relationships" xmlns:p="http://schemas.openxmlformats.org/presentationml/2006/main">
+  <p:cSld>
+    <p:spTree>
+      <p:nvGrpSpPr>
+        <p:cNvPr id="1" name=""/>
+        <p:cNvGrpSpPr/>
+        <p:nvPr/>
+      </p:nvGrpSpPr>
+      <p:grpSpPr>
+        <a:xfrm>
+          <a:off x="0" y="0"/>
+          <a:ext cx="0" cy="0"/>
+          <a:chOff x="0" y="0"/>
+          <a:chExt cx="0" cy="0"/>
+        </a:xfrm>
+      </p:grpSpPr>
+      <p:sp>
+        <p:nvSpPr>
+          <p:cNvPr id="2" name="Slide Image Placeholder 1"/>
+          <p:cNvSpPr>
+            <a:spLocks noGrp="1" noRot="1" noChangeAspect="1"/>
+          </p:cNvSpPr>
+          <p:nvPr>
+            <p:ph type="sldImg"/>
+          </p:nvPr>
+        </p:nvSpPr>
+        <p:spPr/>
+      </p:sp>
+      <p:sp>
+        <p:nvSpPr>
+          <p:cNvPr id="3" name="Notes Placeholder 2"/>
+          <p:cNvSpPr>
+            <a:spLocks noGrp="1"/>
+          </p:cNvSpPr>
+          <p:nvPr>
+            <p:ph type="body" idx="1"/>
+          </p:nvPr>
+        </p:nvSpPr>
+        <p:spPr/>
+        <p:txBody>
+          <a:bodyPr/>
+          <a:lstStyle/>
+          <a:p>
+            <a:pPr lvl="1"/>
+            <a:r>
+              <a:rPr/>
+              <a:t>Statistical</a:t>
+            </a:r>
+            <a:r>
+              <a:rPr/>
+              <a:t> </a:t>
+            </a:r>
+            <a:r>
+              <a:rPr/>
+              <a:t>testing</a:t>
+            </a:r>
+            <a:r>
+              <a:rPr/>
+              <a:t> </a:t>
+            </a:r>
+            <a:r>
+              <a:rPr/>
+              <a:t>–</a:t>
+            </a:r>
+            <a:r>
+              <a:rPr/>
+              <a:t> </a:t>
+            </a:r>
+            <a:r>
+              <a:rPr/>
+              <a:t>possible</a:t>
+            </a:r>
+            <a:r>
+              <a:rPr/>
+              <a:t> </a:t>
+            </a:r>
+            <a:r>
+              <a:rPr/>
+              <a:t>outcomes</a:t>
+            </a:r>
+          </a:p>
+          <a:p>
+            <a:pPr lvl="0" marL="0" indent="0">
+              <a:buNone/>
+            </a:pPr>
+          </a:p>
+          <a:p>
+            <a:pPr lvl="0" marL="0" indent="0">
+              <a:buNone/>
+            </a:pPr>
+            <a:r>
+              <a:rPr/>
+              <a:t>Two</a:t>
+            </a:r>
+            <a:r>
+              <a:rPr/>
+              <a:t> </a:t>
+            </a:r>
+            <a:r>
+              <a:rPr/>
+              <a:t>normal</a:t>
+            </a:r>
+            <a:r>
+              <a:rPr/>
+              <a:t> </a:t>
+            </a:r>
+            <a:r>
+              <a:rPr/>
+              <a:t>distributions</a:t>
+            </a:r>
+            <a:r>
+              <a:rPr/>
+              <a:t> </a:t>
+            </a:r>
+            <a:r>
+              <a:rPr/>
+              <a:t>and</a:t>
+            </a:r>
+            <a:r>
+              <a:rPr/>
+              <a:t> </a:t>
+            </a:r>
+            <a:r>
+              <a:rPr/>
+              <a:t>bell</a:t>
+            </a:r>
+            <a:r>
+              <a:rPr/>
+              <a:t> </a:t>
+            </a:r>
+            <a:r>
+              <a:rPr/>
+              <a:t>shaped</a:t>
+            </a:r>
+            <a:r>
+              <a:rPr/>
+              <a:t> </a:t>
+            </a:r>
+            <a:r>
+              <a:rPr/>
+              <a:t>curves.</a:t>
+            </a:r>
+          </a:p>
+          <a:p>
+            <a:pPr lvl="0" marL="0" indent="0">
+              <a:buNone/>
+            </a:pPr>
+          </a:p>
+          <a:p>
+            <a:pPr lvl="0" marL="0" indent="0">
+              <a:buNone/>
+            </a:pPr>
+            <a:r>
+              <a:rPr/>
+              <a:t>Figure</a:t>
+            </a:r>
+            <a:r>
+              <a:rPr/>
+              <a:t> </a:t>
+            </a:r>
+            <a:r>
+              <a:rPr/>
+              <a:t>16.3</a:t>
+            </a:r>
+            <a:r>
+              <a:rPr/>
+              <a:t> </a:t>
+            </a:r>
+            <a:r>
+              <a:rPr/>
+              <a:t>from</a:t>
+            </a:r>
+            <a:r>
+              <a:rPr/>
+              <a:t> </a:t>
+            </a:r>
+            <a:r>
+              <a:rPr/>
+              <a:t>your</a:t>
+            </a:r>
+            <a:r>
+              <a:rPr/>
+              <a:t> </a:t>
+            </a:r>
+            <a:r>
+              <a:rPr/>
+              <a:t>book.</a:t>
+            </a:r>
+            <a:r>
+              <a:rPr/>
+              <a:t> </a:t>
+            </a:r>
+            <a:r>
+              <a:rPr/>
+              <a:t>Directional</a:t>
+            </a:r>
+            <a:r>
+              <a:rPr/>
+              <a:t> </a:t>
+            </a:r>
+            <a:r>
+              <a:rPr/>
+              <a:t>negative</a:t>
+            </a:r>
+            <a:r>
+              <a:rPr/>
+              <a:t> </a:t>
+            </a:r>
+            <a:r>
+              <a:rPr/>
+              <a:t>hypothesis.</a:t>
+            </a:r>
+            <a:r>
+              <a:rPr/>
+              <a:t> </a:t>
+            </a:r>
+            <a:r>
+              <a:rPr/>
+              <a:t>Example</a:t>
+            </a:r>
+            <a:r>
+              <a:rPr/>
+              <a:t> </a:t>
+            </a:r>
+            <a:r>
+              <a:rPr/>
+              <a:t>an</a:t>
+            </a:r>
+            <a:r>
+              <a:rPr/>
+              <a:t> </a:t>
+            </a:r>
+            <a:r>
+              <a:rPr/>
+              <a:t>intervention</a:t>
+            </a:r>
+            <a:r>
+              <a:rPr/>
+              <a:t> </a:t>
+            </a:r>
+            <a:r>
+              <a:rPr/>
+              <a:t>that</a:t>
+            </a:r>
+            <a:r>
+              <a:rPr/>
+              <a:t> </a:t>
+            </a:r>
+            <a:r>
+              <a:rPr/>
+              <a:t>results</a:t>
+            </a:r>
+            <a:r>
+              <a:rPr/>
+              <a:t> </a:t>
+            </a:r>
+            <a:r>
+              <a:rPr/>
+              <a:t>in</a:t>
+            </a:r>
+            <a:r>
+              <a:rPr/>
+              <a:t> </a:t>
+            </a:r>
+            <a:r>
+              <a:rPr/>
+              <a:t>a</a:t>
+            </a:r>
+            <a:r>
+              <a:rPr/>
+              <a:t> </a:t>
+            </a:r>
+            <a:r>
+              <a:rPr/>
+              <a:t>reduction</a:t>
+            </a:r>
+            <a:r>
+              <a:rPr/>
+              <a:t> </a:t>
+            </a:r>
+            <a:r>
+              <a:rPr/>
+              <a:t>in</a:t>
+            </a:r>
+            <a:r>
+              <a:rPr/>
+              <a:t> </a:t>
+            </a:r>
+            <a:r>
+              <a:rPr/>
+              <a:t>symptoms/pain.</a:t>
+            </a:r>
+          </a:p>
+        </p:txBody>
+      </p:sp>
+      <p:sp>
+        <p:nvSpPr>
+          <p:cNvPr id="4" name="Slide Number Placeholder 3"/>
+          <p:cNvSpPr>
+            <a:spLocks noGrp="1"/>
+          </p:cNvSpPr>
+          <p:nvPr>
+            <p:ph type="sldNum" sz="quarter" idx="10"/>
+          </p:nvPr>
+        </p:nvSpPr>
+        <p:spPr/>
+        <p:txBody>
+          <a:bodyPr/>
+          <a:lstStyle/>
+          <a:p>
+            <a:fld id="{18BDFEC3-8487-43E8-A154-7C12CBC1FFF2}" type="slidenum">
+              <a:rPr lang="en-US"/>
+              <a:t>13</a:t>
+            </a:fld>
+            <a:endParaRPr lang="en-US"/>
+          </a:p>
+        </p:txBody>
+      </p:sp>
+    </p:spTree>
+  </p:cSld>
+</p:notes>
+</file>
+
+<file path=ppt/notesSlides/notesSlide13.xml><?xml version="1.0" encoding="utf-8"?>
+<p:notes xmlns:a="http://schemas.openxmlformats.org/drawingml/2006/main" xmlns:r="http://schemas.openxmlformats.org/officeDocument/2006/relationships" xmlns:p="http://schemas.openxmlformats.org/presentationml/2006/main">
+  <p:cSld>
+    <p:spTree>
+      <p:nvGrpSpPr>
+        <p:cNvPr id="1" name=""/>
+        <p:cNvGrpSpPr/>
+        <p:nvPr/>
+      </p:nvGrpSpPr>
+      <p:grpSpPr>
+        <a:xfrm>
+          <a:off x="0" y="0"/>
+          <a:ext cx="0" cy="0"/>
+          <a:chOff x="0" y="0"/>
+          <a:chExt cx="0" cy="0"/>
+        </a:xfrm>
+      </p:grpSpPr>
+      <p:sp>
+        <p:nvSpPr>
+          <p:cNvPr id="2" name="Slide Image Placeholder 1"/>
+          <p:cNvSpPr>
+            <a:spLocks noGrp="1" noRot="1" noChangeAspect="1"/>
+          </p:cNvSpPr>
+          <p:nvPr>
+            <p:ph type="sldImg"/>
+          </p:nvPr>
+        </p:nvSpPr>
+        <p:spPr/>
+      </p:sp>
+      <p:sp>
+        <p:nvSpPr>
+          <p:cNvPr id="3" name="Notes Placeholder 2"/>
+          <p:cNvSpPr>
+            <a:spLocks noGrp="1"/>
+          </p:cNvSpPr>
+          <p:nvPr>
+            <p:ph type="body" idx="1"/>
+          </p:nvPr>
+        </p:nvSpPr>
+        <p:spPr/>
+        <p:txBody>
+          <a:bodyPr/>
+          <a:lstStyle/>
+          <a:p>
+            <a:pPr lvl="0" marL="0" indent="0">
+              <a:buNone/>
+            </a:pPr>
+            <a:r>
+              <a:rPr/>
+              <a:t>[[This</a:t>
+            </a:r>
+            <a:r>
+              <a:rPr/>
+              <a:t> </a:t>
+            </a:r>
+            <a:r>
+              <a:rPr/>
+              <a:t>is</a:t>
+            </a:r>
+            <a:r>
+              <a:rPr/>
+              <a:t> </a:t>
+            </a:r>
+            <a:r>
+              <a:rPr/>
+              <a:t>a</a:t>
+            </a:r>
+            <a:r>
+              <a:rPr/>
+              <a:t> </a:t>
+            </a:r>
+            <a:r>
+              <a:rPr/>
+              <a:t>rehash</a:t>
+            </a:r>
+            <a:r>
+              <a:rPr/>
+              <a:t> </a:t>
+            </a:r>
+            <a:r>
+              <a:rPr/>
+              <a:t>of</a:t>
+            </a:r>
+            <a:r>
+              <a:rPr/>
+              <a:t> </a:t>
+            </a:r>
+            <a:r>
+              <a:rPr/>
+              <a:t>Figure</a:t>
+            </a:r>
+            <a:r>
+              <a:rPr/>
+              <a:t> </a:t>
+            </a:r>
+            <a:r>
+              <a:rPr/>
+              <a:t>16.3.]]</a:t>
+            </a:r>
+          </a:p>
+        </p:txBody>
+      </p:sp>
+      <p:sp>
+        <p:nvSpPr>
+          <p:cNvPr id="4" name="Slide Number Placeholder 3"/>
+          <p:cNvSpPr>
+            <a:spLocks noGrp="1"/>
+          </p:cNvSpPr>
+          <p:nvPr>
+            <p:ph type="sldNum" sz="quarter" idx="10"/>
+          </p:nvPr>
+        </p:nvSpPr>
+        <p:spPr/>
+        <p:txBody>
+          <a:bodyPr/>
+          <a:lstStyle/>
+          <a:p>
+            <a:fld id="{18BDFEC3-8487-43E8-A154-7C12CBC1FFF2}" type="slidenum">
+              <a:rPr lang="en-US"/>
+              <a:t>14</a:t>
+            </a:fld>
+            <a:endParaRPr lang="en-US"/>
+          </a:p>
+        </p:txBody>
+      </p:sp>
+    </p:spTree>
+  </p:cSld>
+</p:notes>
+</file>
+
+<file path=ppt/notesSlides/notesSlide14.xml><?xml version="1.0" encoding="utf-8"?>
+<p:notes xmlns:a="http://schemas.openxmlformats.org/drawingml/2006/main" xmlns:r="http://schemas.openxmlformats.org/officeDocument/2006/relationships" xmlns:p="http://schemas.openxmlformats.org/presentationml/2006/main">
+  <p:cSld>
+    <p:spTree>
+      <p:nvGrpSpPr>
+        <p:cNvPr id="1" name=""/>
+        <p:cNvGrpSpPr/>
+        <p:nvPr/>
+      </p:nvGrpSpPr>
+      <p:grpSpPr>
+        <a:xfrm>
+          <a:off x="0" y="0"/>
+          <a:ext cx="0" cy="0"/>
+          <a:chOff x="0" y="0"/>
+          <a:chExt cx="0" cy="0"/>
+        </a:xfrm>
+      </p:grpSpPr>
+      <p:sp>
+        <p:nvSpPr>
+          <p:cNvPr id="2" name="Slide Image Placeholder 1"/>
+          <p:cNvSpPr>
+            <a:spLocks noGrp="1" noRot="1" noChangeAspect="1"/>
+          </p:cNvSpPr>
+          <p:nvPr>
+            <p:ph type="sldImg"/>
+          </p:nvPr>
+        </p:nvSpPr>
+        <p:spPr/>
+      </p:sp>
+      <p:sp>
+        <p:nvSpPr>
+          <p:cNvPr id="3" name="Notes Placeholder 2"/>
+          <p:cNvSpPr>
+            <a:spLocks noGrp="1"/>
+          </p:cNvSpPr>
+          <p:nvPr>
+            <p:ph type="body" idx="1"/>
+          </p:nvPr>
+        </p:nvSpPr>
+        <p:spPr/>
+        <p:txBody>
+          <a:bodyPr/>
+          <a:lstStyle/>
+          <a:p>
+            <a:pPr lvl="1"/>
+            <a:r>
+              <a:rPr/>
+              <a:t>Statistical</a:t>
+            </a:r>
+            <a:r>
+              <a:rPr/>
+              <a:t> </a:t>
+            </a:r>
+            <a:r>
+              <a:rPr/>
+              <a:t>testing</a:t>
+            </a:r>
+          </a:p>
+          <a:p>
+            <a:pPr lvl="0" marL="0" indent="0">
+              <a:buNone/>
+            </a:pPr>
+          </a:p>
+          <a:p>
+            <a:pPr lvl="2"/>
+            <a:r>
+              <a:rPr/>
+              <a:t>Fig</a:t>
+            </a:r>
+            <a:r>
+              <a:rPr/>
+              <a:t> </a:t>
+            </a:r>
+            <a:r>
+              <a:rPr/>
+              <a:t>16.4</a:t>
+            </a:r>
+            <a:r>
+              <a:rPr/>
+              <a:t> </a:t>
+            </a:r>
+            <a:r>
+              <a:rPr/>
+              <a:t>–</a:t>
+            </a:r>
+            <a:r>
+              <a:rPr/>
+              <a:t> </a:t>
+            </a:r>
+            <a:r>
+              <a:rPr/>
+              <a:t>Non-directional</a:t>
+            </a:r>
+          </a:p>
+        </p:txBody>
+      </p:sp>
+      <p:sp>
+        <p:nvSpPr>
+          <p:cNvPr id="4" name="Slide Number Placeholder 3"/>
+          <p:cNvSpPr>
+            <a:spLocks noGrp="1"/>
+          </p:cNvSpPr>
+          <p:nvPr>
+            <p:ph type="sldNum" sz="quarter" idx="10"/>
+          </p:nvPr>
+        </p:nvSpPr>
+        <p:spPr/>
+        <p:txBody>
+          <a:bodyPr/>
+          <a:lstStyle/>
+          <a:p>
+            <a:fld id="{18BDFEC3-8487-43E8-A154-7C12CBC1FFF2}" type="slidenum">
+              <a:rPr lang="en-US"/>
+              <a:t>15</a:t>
+            </a:fld>
+            <a:endParaRPr lang="en-US"/>
+          </a:p>
+        </p:txBody>
+      </p:sp>
+    </p:spTree>
+  </p:cSld>
+</p:notes>
+</file>
+
+<file path=ppt/notesSlides/notesSlide15.xml><?xml version="1.0" encoding="utf-8"?>
+<p:notes xmlns:a="http://schemas.openxmlformats.org/drawingml/2006/main" xmlns:r="http://schemas.openxmlformats.org/officeDocument/2006/relationships" xmlns:p="http://schemas.openxmlformats.org/presentationml/2006/main">
+  <p:cSld>
+    <p:spTree>
+      <p:nvGrpSpPr>
+        <p:cNvPr id="1" name=""/>
+        <p:cNvGrpSpPr/>
+        <p:nvPr/>
+      </p:nvGrpSpPr>
+      <p:grpSpPr>
+        <a:xfrm>
+          <a:off x="0" y="0"/>
+          <a:ext cx="0" cy="0"/>
+          <a:chOff x="0" y="0"/>
+          <a:chExt cx="0" cy="0"/>
+        </a:xfrm>
+      </p:grpSpPr>
+      <p:sp>
+        <p:nvSpPr>
+          <p:cNvPr id="2" name="Slide Image Placeholder 1"/>
+          <p:cNvSpPr>
+            <a:spLocks noGrp="1" noRot="1" noChangeAspect="1"/>
+          </p:cNvSpPr>
+          <p:nvPr>
+            <p:ph type="sldImg"/>
+          </p:nvPr>
+        </p:nvSpPr>
+        <p:spPr/>
+      </p:sp>
+      <p:sp>
+        <p:nvSpPr>
+          <p:cNvPr id="3" name="Notes Placeholder 2"/>
+          <p:cNvSpPr>
+            <a:spLocks noGrp="1"/>
+          </p:cNvSpPr>
+          <p:nvPr>
+            <p:ph type="body" idx="1"/>
+          </p:nvPr>
+        </p:nvSpPr>
+        <p:spPr/>
+        <p:txBody>
+          <a:bodyPr/>
+          <a:lstStyle/>
+          <a:p>
+            <a:pPr lvl="1"/>
+            <a:r>
+              <a:rPr/>
+              <a:t>Power</a:t>
+            </a:r>
+            <a:r>
+              <a:rPr/>
+              <a:t> </a:t>
+            </a:r>
+            <a:r>
+              <a:rPr/>
+              <a:t>of</a:t>
+            </a:r>
+            <a:r>
+              <a:rPr/>
+              <a:t> </a:t>
+            </a:r>
+            <a:r>
+              <a:rPr/>
+              <a:t>a</a:t>
+            </a:r>
+            <a:r>
+              <a:rPr/>
+              <a:t> </a:t>
+            </a:r>
+            <a:r>
+              <a:rPr/>
+              <a:t>study</a:t>
+            </a:r>
+            <a:r>
+              <a:rPr/>
+              <a:t> </a:t>
+            </a:r>
+            <a:r>
+              <a:rPr/>
+              <a:t>–</a:t>
+            </a:r>
+            <a:r>
+              <a:rPr/>
+              <a:t> </a:t>
+            </a:r>
+            <a:r>
+              <a:rPr/>
+              <a:t>probability</a:t>
+            </a:r>
+            <a:r>
+              <a:rPr/>
+              <a:t> </a:t>
+            </a:r>
+            <a:r>
+              <a:rPr/>
+              <a:t>of</a:t>
+            </a:r>
+            <a:r>
+              <a:rPr/>
+              <a:t> </a:t>
+            </a:r>
+            <a:r>
+              <a:rPr/>
+              <a:t>rejecting</a:t>
+            </a:r>
+            <a:r>
+              <a:rPr/>
+              <a:t> </a:t>
+            </a:r>
+            <a:r>
+              <a:rPr/>
+              <a:t>a</a:t>
+            </a:r>
+            <a:r>
+              <a:rPr/>
+              <a:t> </a:t>
+            </a:r>
+            <a:r>
+              <a:rPr/>
+              <a:t>false</a:t>
+            </a:r>
+            <a:r>
+              <a:rPr/>
+              <a:t> </a:t>
+            </a:r>
+            <a:r>
+              <a:rPr/>
+              <a:t>null</a:t>
+            </a:r>
+            <a:r>
+              <a:rPr/>
+              <a:t> </a:t>
+            </a:r>
+            <a:r>
+              <a:rPr/>
+              <a:t>hypothesis</a:t>
+            </a:r>
+          </a:p>
+        </p:txBody>
+      </p:sp>
+      <p:sp>
+        <p:nvSpPr>
+          <p:cNvPr id="4" name="Slide Number Placeholder 3"/>
+          <p:cNvSpPr>
+            <a:spLocks noGrp="1"/>
+          </p:cNvSpPr>
+          <p:nvPr>
+            <p:ph type="sldNum" sz="quarter" idx="10"/>
+          </p:nvPr>
+        </p:nvSpPr>
+        <p:spPr/>
+        <p:txBody>
+          <a:bodyPr/>
+          <a:lstStyle/>
+          <a:p>
+            <a:fld id="{18BDFEC3-8487-43E8-A154-7C12CBC1FFF2}" type="slidenum">
+              <a:rPr lang="en-US"/>
+              <a:t>22</a:t>
+            </a:fld>
+            <a:endParaRPr lang="en-US"/>
+          </a:p>
+        </p:txBody>
+      </p:sp>
+    </p:spTree>
+  </p:cSld>
+</p:notes>
+</file>
+
+<file path=ppt/notesSlides/notesSlide16.xml><?xml version="1.0" encoding="utf-8"?>
+<p:notes xmlns:a="http://schemas.openxmlformats.org/drawingml/2006/main" xmlns:r="http://schemas.openxmlformats.org/officeDocument/2006/relationships" xmlns:p="http://schemas.openxmlformats.org/presentationml/2006/main">
+  <p:cSld>
+    <p:spTree>
+      <p:nvGrpSpPr>
+        <p:cNvPr id="1" name=""/>
+        <p:cNvGrpSpPr/>
+        <p:nvPr/>
+      </p:nvGrpSpPr>
+      <p:grpSpPr>
+        <a:xfrm>
+          <a:off x="0" y="0"/>
+          <a:ext cx="0" cy="0"/>
+          <a:chOff x="0" y="0"/>
+          <a:chExt cx="0" cy="0"/>
+        </a:xfrm>
+      </p:grpSpPr>
+      <p:sp>
+        <p:nvSpPr>
+          <p:cNvPr id="2" name="Slide Image Placeholder 1"/>
+          <p:cNvSpPr>
+            <a:spLocks noGrp="1" noRot="1" noChangeAspect="1"/>
+          </p:cNvSpPr>
+          <p:nvPr>
+            <p:ph type="sldImg"/>
+          </p:nvPr>
+        </p:nvSpPr>
+        <p:spPr/>
+      </p:sp>
+      <p:sp>
+        <p:nvSpPr>
+          <p:cNvPr id="3" name="Notes Placeholder 2"/>
+          <p:cNvSpPr>
+            <a:spLocks noGrp="1"/>
+          </p:cNvSpPr>
+          <p:nvPr>
+            <p:ph type="body" idx="1"/>
+          </p:nvPr>
+        </p:nvSpPr>
+        <p:spPr/>
+        <p:txBody>
+          <a:bodyPr/>
+          <a:lstStyle/>
+          <a:p>
+            <a:pPr lvl="1"/>
+            <a:r>
+              <a:rPr/>
+              <a:t>Determining</a:t>
+            </a:r>
+            <a:r>
+              <a:rPr/>
+              <a:t> </a:t>
+            </a:r>
+            <a:r>
+              <a:rPr/>
+              <a:t>power</a:t>
+            </a:r>
+            <a:r>
+              <a:rPr/>
+              <a:t> </a:t>
+            </a:r>
+            <a:r>
+              <a:rPr/>
+              <a:t>(Fig</a:t>
+            </a:r>
+            <a:r>
+              <a:rPr/>
+              <a:t> </a:t>
+            </a:r>
+            <a:r>
+              <a:rPr/>
+              <a:t>16.1)</a:t>
+            </a:r>
+          </a:p>
+        </p:txBody>
+      </p:sp>
+      <p:sp>
+        <p:nvSpPr>
+          <p:cNvPr id="4" name="Slide Number Placeholder 3"/>
+          <p:cNvSpPr>
+            <a:spLocks noGrp="1"/>
+          </p:cNvSpPr>
+          <p:nvPr>
+            <p:ph type="sldNum" sz="quarter" idx="10"/>
+          </p:nvPr>
+        </p:nvSpPr>
+        <p:spPr/>
+        <p:txBody>
+          <a:bodyPr/>
+          <a:lstStyle/>
+          <a:p>
+            <a:fld id="{18BDFEC3-8487-43E8-A154-7C12CBC1FFF2}" type="slidenum">
+              <a:rPr lang="en-US"/>
+              <a:t>25</a:t>
+            </a:fld>
+            <a:endParaRPr lang="en-US"/>
+          </a:p>
+        </p:txBody>
+      </p:sp>
+    </p:spTree>
+  </p:cSld>
+</p:notes>
+</file>
+
+<file path=ppt/notesSlides/notesSlide17.xml><?xml version="1.0" encoding="utf-8"?>
+<p:notes xmlns:a="http://schemas.openxmlformats.org/drawingml/2006/main" xmlns:r="http://schemas.openxmlformats.org/officeDocument/2006/relationships" xmlns:p="http://schemas.openxmlformats.org/presentationml/2006/main">
+  <p:cSld>
+    <p:spTree>
+      <p:nvGrpSpPr>
+        <p:cNvPr id="1" name=""/>
+        <p:cNvGrpSpPr/>
+        <p:nvPr/>
+      </p:nvGrpSpPr>
+      <p:grpSpPr>
+        <a:xfrm>
+          <a:off x="0" y="0"/>
+          <a:ext cx="0" cy="0"/>
+          <a:chOff x="0" y="0"/>
+          <a:chExt cx="0" cy="0"/>
+        </a:xfrm>
+      </p:grpSpPr>
+      <p:sp>
+        <p:nvSpPr>
+          <p:cNvPr id="2" name="Slide Image Placeholder 1"/>
+          <p:cNvSpPr>
+            <a:spLocks noGrp="1" noRot="1" noChangeAspect="1"/>
+          </p:cNvSpPr>
+          <p:nvPr>
+            <p:ph type="sldImg"/>
+          </p:nvPr>
+        </p:nvSpPr>
+        <p:spPr/>
+      </p:sp>
+      <p:sp>
+        <p:nvSpPr>
+          <p:cNvPr id="3" name="Notes Placeholder 2"/>
+          <p:cNvSpPr>
+            <a:spLocks noGrp="1"/>
+          </p:cNvSpPr>
+          <p:nvPr>
+            <p:ph type="body" idx="1"/>
+          </p:nvPr>
+        </p:nvSpPr>
+        <p:spPr/>
+        <p:txBody>
+          <a:bodyPr/>
+          <a:lstStyle/>
+          <a:p>
+            <a:pPr lvl="1"/>
+            <a:r>
+              <a:rPr/>
+              <a:t>Interpreting</a:t>
+            </a:r>
+            <a:r>
+              <a:rPr/>
+              <a:t> </a:t>
+            </a:r>
+            <a:r>
+              <a:rPr/>
+              <a:t>95%</a:t>
+            </a:r>
+            <a:r>
+              <a:rPr/>
+              <a:t> </a:t>
+            </a:r>
+            <a:r>
+              <a:rPr/>
+              <a:t>CI</a:t>
+            </a:r>
+            <a:r>
+              <a:rPr/>
+              <a:t> </a:t>
+            </a:r>
+            <a:r>
+              <a:rPr/>
+              <a:t>(Fig</a:t>
+            </a:r>
+            <a:r>
+              <a:rPr/>
+              <a:t> </a:t>
+            </a:r>
+            <a:r>
+              <a:rPr/>
+              <a:t>17.1)</a:t>
+            </a:r>
+          </a:p>
+        </p:txBody>
+      </p:sp>
+      <p:sp>
+        <p:nvSpPr>
+          <p:cNvPr id="4" name="Slide Number Placeholder 3"/>
+          <p:cNvSpPr>
+            <a:spLocks noGrp="1"/>
+          </p:cNvSpPr>
+          <p:nvPr>
+            <p:ph type="sldNum" sz="quarter" idx="10"/>
+          </p:nvPr>
+        </p:nvSpPr>
+        <p:spPr/>
+        <p:txBody>
+          <a:bodyPr/>
+          <a:lstStyle/>
+          <a:p>
+            <a:fld id="{18BDFEC3-8487-43E8-A154-7C12CBC1FFF2}" type="slidenum">
+              <a:rPr lang="en-US"/>
+              <a:t>35</a:t>
+            </a:fld>
+            <a:endParaRPr lang="en-US"/>
+          </a:p>
+        </p:txBody>
+      </p:sp>
+    </p:spTree>
+  </p:cSld>
+</p:notes>
+</file>
+
+<file path=ppt/notesSlides/notesSlide18.xml><?xml version="1.0" encoding="utf-8"?>
+<p:notes xmlns:a="http://schemas.openxmlformats.org/drawingml/2006/main" xmlns:r="http://schemas.openxmlformats.org/officeDocument/2006/relationships" xmlns:p="http://schemas.openxmlformats.org/presentationml/2006/main">
+  <p:cSld>
+    <p:spTree>
+      <p:nvGrpSpPr>
+        <p:cNvPr id="1" name=""/>
+        <p:cNvGrpSpPr/>
+        <p:nvPr/>
+      </p:nvGrpSpPr>
+      <p:grpSpPr>
+        <a:xfrm>
+          <a:off x="0" y="0"/>
+          <a:ext cx="0" cy="0"/>
+          <a:chOff x="0" y="0"/>
+          <a:chExt cx="0" cy="0"/>
+        </a:xfrm>
+      </p:grpSpPr>
+      <p:sp>
+        <p:nvSpPr>
+          <p:cNvPr id="2" name="Slide Image Placeholder 1"/>
+          <p:cNvSpPr>
+            <a:spLocks noGrp="1" noRot="1" noChangeAspect="1"/>
+          </p:cNvSpPr>
+          <p:nvPr>
+            <p:ph type="sldImg"/>
+          </p:nvPr>
+        </p:nvSpPr>
+        <p:spPr/>
+      </p:sp>
+      <p:sp>
+        <p:nvSpPr>
+          <p:cNvPr id="3" name="Notes Placeholder 2"/>
+          <p:cNvSpPr>
+            <a:spLocks noGrp="1"/>
+          </p:cNvSpPr>
+          <p:nvPr>
+            <p:ph type="body" idx="1"/>
+          </p:nvPr>
+        </p:nvSpPr>
+        <p:spPr/>
+        <p:txBody>
+          <a:bodyPr/>
+          <a:lstStyle/>
+          <a:p>
+            <a:pPr lvl="1"/>
+            <a:r>
+              <a:rPr/>
+              <a:t>Why</a:t>
+            </a:r>
+            <a:r>
+              <a:rPr/>
+              <a:t> </a:t>
+            </a:r>
+            <a:r>
+              <a:rPr/>
+              <a:t>is</a:t>
+            </a:r>
+            <a:r>
+              <a:rPr/>
+              <a:t> </a:t>
+            </a:r>
+            <a:r>
+              <a:rPr/>
+              <a:t>effect</a:t>
+            </a:r>
+            <a:r>
+              <a:rPr/>
+              <a:t> </a:t>
+            </a:r>
+            <a:r>
+              <a:rPr/>
+              <a:t>size</a:t>
+            </a:r>
+            <a:r>
+              <a:rPr/>
+              <a:t> </a:t>
+            </a:r>
+            <a:r>
+              <a:rPr/>
+              <a:t>at</a:t>
+            </a:r>
+            <a:r>
+              <a:rPr/>
+              <a:t> </a:t>
+            </a:r>
+            <a:r>
+              <a:rPr/>
+              <a:t>least</a:t>
+            </a:r>
+            <a:r>
+              <a:rPr/>
+              <a:t> </a:t>
+            </a:r>
+            <a:r>
+              <a:rPr/>
+              <a:t>as</a:t>
+            </a:r>
+            <a:r>
+              <a:rPr/>
+              <a:t> </a:t>
+            </a:r>
+            <a:r>
+              <a:rPr/>
+              <a:t>important</a:t>
+            </a:r>
+            <a:r>
+              <a:rPr/>
+              <a:t> </a:t>
+            </a:r>
+            <a:r>
+              <a:rPr/>
+              <a:t>as</a:t>
+            </a:r>
+            <a:r>
+              <a:rPr/>
+              <a:t> </a:t>
+            </a:r>
+            <a:r>
+              <a:rPr/>
+              <a:t>significance</a:t>
+            </a:r>
+            <a:r>
+              <a:rPr/>
+              <a:t> </a:t>
+            </a:r>
+            <a:r>
+              <a:rPr/>
+              <a:t>level?</a:t>
+            </a:r>
+          </a:p>
+          <a:p>
+            <a:pPr lvl="0" marL="0" indent="0">
+              <a:buNone/>
+            </a:pPr>
+          </a:p>
+          <a:p>
+            <a:pPr lvl="2"/>
+            <a:r>
+              <a:rPr/>
+              <a:t>Influence</a:t>
+            </a:r>
+            <a:r>
+              <a:rPr/>
+              <a:t> </a:t>
+            </a:r>
+            <a:r>
+              <a:rPr/>
+              <a:t>of</a:t>
+            </a:r>
+            <a:r>
+              <a:rPr/>
+              <a:t> </a:t>
+            </a:r>
+            <a:r>
+              <a:rPr/>
+              <a:t>sample</a:t>
+            </a:r>
+            <a:r>
+              <a:rPr/>
+              <a:t> </a:t>
+            </a:r>
+            <a:r>
+              <a:rPr/>
+              <a:t>size</a:t>
+            </a:r>
+            <a:r>
+              <a:rPr/>
+              <a:t> </a:t>
+            </a:r>
+            <a:r>
+              <a:rPr/>
+              <a:t>on</a:t>
+            </a:r>
+            <a:r>
+              <a:rPr/>
+              <a:t> </a:t>
+            </a:r>
+            <a:r>
+              <a:rPr/>
+              <a:t>results</a:t>
+            </a:r>
+          </a:p>
+        </p:txBody>
+      </p:sp>
+      <p:sp>
+        <p:nvSpPr>
+          <p:cNvPr id="4" name="Slide Number Placeholder 3"/>
+          <p:cNvSpPr>
+            <a:spLocks noGrp="1"/>
+          </p:cNvSpPr>
+          <p:nvPr>
+            <p:ph type="sldNum" sz="quarter" idx="10"/>
+          </p:nvPr>
+        </p:nvSpPr>
+        <p:spPr/>
+        <p:txBody>
+          <a:bodyPr/>
+          <a:lstStyle/>
+          <a:p>
+            <a:fld id="{18BDFEC3-8487-43E8-A154-7C12CBC1FFF2}" type="slidenum">
+              <a:rPr lang="en-US"/>
+              <a:t>37</a:t>
+            </a:fld>
+            <a:endParaRPr lang="en-US"/>
+          </a:p>
+        </p:txBody>
+      </p:sp>
+    </p:spTree>
+  </p:cSld>
+</p:notes>
+</file>
+
+<file path=ppt/notesSlides/notesSlide19.xml><?xml version="1.0" encoding="utf-8"?>
+<p:notes xmlns:a="http://schemas.openxmlformats.org/drawingml/2006/main" xmlns:r="http://schemas.openxmlformats.org/officeDocument/2006/relationships" xmlns:p="http://schemas.openxmlformats.org/presentationml/2006/main">
+  <p:cSld>
+    <p:spTree>
+      <p:nvGrpSpPr>
+        <p:cNvPr id="1" name=""/>
+        <p:cNvGrpSpPr/>
+        <p:nvPr/>
+      </p:nvGrpSpPr>
+      <p:grpSpPr>
+        <a:xfrm>
+          <a:off x="0" y="0"/>
+          <a:ext cx="0" cy="0"/>
+          <a:chOff x="0" y="0"/>
+          <a:chExt cx="0" cy="0"/>
+        </a:xfrm>
+      </p:grpSpPr>
+      <p:sp>
+        <p:nvSpPr>
+          <p:cNvPr id="2" name="Slide Image Placeholder 1"/>
+          <p:cNvSpPr>
+            <a:spLocks noGrp="1" noRot="1" noChangeAspect="1"/>
+          </p:cNvSpPr>
+          <p:nvPr>
+            <p:ph type="sldImg"/>
+          </p:nvPr>
+        </p:nvSpPr>
+        <p:spPr/>
+      </p:sp>
+      <p:sp>
+        <p:nvSpPr>
+          <p:cNvPr id="3" name="Notes Placeholder 2"/>
+          <p:cNvSpPr>
+            <a:spLocks noGrp="1"/>
+          </p:cNvSpPr>
+          <p:nvPr>
+            <p:ph type="body" idx="1"/>
+          </p:nvPr>
+        </p:nvSpPr>
+        <p:spPr/>
+        <p:txBody>
+          <a:bodyPr/>
+          <a:lstStyle/>
+          <a:p>
+            <a:pPr lvl="1"/>
+            <a:r>
+              <a:rPr/>
+              <a:t>Interpretation</a:t>
+            </a:r>
+            <a:r>
+              <a:rPr/>
+              <a:t> </a:t>
+            </a:r>
+            <a:r>
+              <a:rPr/>
+              <a:t>of</a:t>
+            </a:r>
+            <a:r>
+              <a:rPr/>
+              <a:t> </a:t>
+            </a:r>
+            <a:r>
+              <a:rPr/>
+              <a:t>effect</a:t>
+            </a:r>
+            <a:r>
+              <a:rPr/>
+              <a:t> </a:t>
+            </a:r>
+            <a:r>
+              <a:rPr/>
+              <a:t>sizes</a:t>
+            </a:r>
+            <a:r>
+              <a:rPr/>
+              <a:t> </a:t>
+            </a:r>
+            <a:r>
+              <a:rPr/>
+              <a:t>–</a:t>
+            </a:r>
+          </a:p>
+        </p:txBody>
+      </p:sp>
+      <p:sp>
+        <p:nvSpPr>
+          <p:cNvPr id="4" name="Slide Number Placeholder 3"/>
+          <p:cNvSpPr>
+            <a:spLocks noGrp="1"/>
+          </p:cNvSpPr>
+          <p:nvPr>
+            <p:ph type="sldNum" sz="quarter" idx="10"/>
+          </p:nvPr>
+        </p:nvSpPr>
+        <p:spPr/>
+        <p:txBody>
+          <a:bodyPr/>
+          <a:lstStyle/>
+          <a:p>
+            <a:fld id="{18BDFEC3-8487-43E8-A154-7C12CBC1FFF2}" type="slidenum">
+              <a:rPr lang="en-US"/>
+              <a:t>43</a:t>
             </a:fld>
             <a:endParaRPr lang="en-US"/>
           </a:p>
@@ -649,42 +2623,268 @@
           <a:bodyPr/>
           <a:lstStyle/>
           <a:p>
-            <a:pPr lvl="1"/>
-            <a:r>
-              <a:rPr/>
-              <a:t>Statistical</a:t>
-            </a:r>
-            <a:r>
-              <a:rPr/>
-              <a:t> </a:t>
-            </a:r>
-            <a:r>
-              <a:rPr/>
-              <a:t>testing</a:t>
-            </a:r>
-            <a:r>
-              <a:rPr/>
-              <a:t> </a:t>
-            </a:r>
-            <a:r>
-              <a:rPr/>
-              <a:t>–</a:t>
-            </a:r>
-            <a:r>
-              <a:rPr/>
-              <a:t> </a:t>
-            </a:r>
-            <a:r>
-              <a:rPr/>
-              <a:t>possible</a:t>
-            </a:r>
-            <a:r>
-              <a:rPr/>
-              <a:t> </a:t>
-            </a:r>
-            <a:r>
-              <a:rPr/>
-              <a:t>outcomes</a:t>
+            <a:pPr lvl="0" marL="0" indent="0">
+              <a:buNone/>
+            </a:pPr>
+            <a:r>
+              <a:rPr/>
+              <a:t>This</a:t>
+            </a:r>
+            <a:r>
+              <a:rPr/>
+              <a:t> </a:t>
+            </a:r>
+            <a:r>
+              <a:rPr/>
+              <a:t>is</a:t>
+            </a:r>
+            <a:r>
+              <a:rPr/>
+              <a:t> </a:t>
+            </a:r>
+            <a:r>
+              <a:rPr/>
+              <a:t>what</a:t>
+            </a:r>
+            <a:r>
+              <a:rPr/>
+              <a:t> </a:t>
+            </a:r>
+            <a:r>
+              <a:rPr/>
+              <a:t>you</a:t>
+            </a:r>
+            <a:r>
+              <a:rPr/>
+              <a:t> </a:t>
+            </a:r>
+            <a:r>
+              <a:rPr/>
+              <a:t>should</a:t>
+            </a:r>
+            <a:r>
+              <a:rPr/>
+              <a:t> </a:t>
+            </a:r>
+            <a:r>
+              <a:rPr/>
+              <a:t>have</a:t>
+            </a:r>
+            <a:r>
+              <a:rPr/>
+              <a:t> </a:t>
+            </a:r>
+            <a:r>
+              <a:rPr/>
+              <a:t>read</a:t>
+            </a:r>
+            <a:r>
+              <a:rPr/>
+              <a:t> </a:t>
+            </a:r>
+            <a:r>
+              <a:rPr/>
+              <a:t>already.</a:t>
+            </a:r>
+            <a:r>
+              <a:rPr/>
+              <a:t> </a:t>
+            </a:r>
+            <a:r>
+              <a:rPr/>
+              <a:t>If</a:t>
+            </a:r>
+            <a:r>
+              <a:rPr/>
+              <a:t> </a:t>
+            </a:r>
+            <a:r>
+              <a:rPr/>
+              <a:t>you</a:t>
+            </a:r>
+            <a:r>
+              <a:rPr/>
+              <a:t> </a:t>
+            </a:r>
+            <a:r>
+              <a:rPr/>
+              <a:t>haven’t</a:t>
+            </a:r>
+            <a:r>
+              <a:rPr/>
+              <a:t> </a:t>
+            </a:r>
+            <a:r>
+              <a:rPr/>
+              <a:t>done</a:t>
+            </a:r>
+            <a:r>
+              <a:rPr/>
+              <a:t> </a:t>
+            </a:r>
+            <a:r>
+              <a:rPr/>
+              <a:t>the</a:t>
+            </a:r>
+            <a:r>
+              <a:rPr/>
+              <a:t> </a:t>
+            </a:r>
+            <a:r>
+              <a:rPr/>
+              <a:t>reading</a:t>
+            </a:r>
+            <a:r>
+              <a:rPr/>
+              <a:t> </a:t>
+            </a:r>
+            <a:r>
+              <a:rPr/>
+              <a:t>yet,</a:t>
+            </a:r>
+            <a:r>
+              <a:rPr/>
+              <a:t> </a:t>
+            </a:r>
+            <a:r>
+              <a:rPr/>
+              <a:t>pause</a:t>
+            </a:r>
+            <a:r>
+              <a:rPr/>
+              <a:t> </a:t>
+            </a:r>
+            <a:r>
+              <a:rPr/>
+              <a:t>this</a:t>
+            </a:r>
+            <a:r>
+              <a:rPr/>
+              <a:t> </a:t>
+            </a:r>
+            <a:r>
+              <a:rPr/>
+              <a:t>video</a:t>
+            </a:r>
+            <a:r>
+              <a:rPr/>
+              <a:t> </a:t>
+            </a:r>
+            <a:r>
+              <a:rPr/>
+              <a:t>and</a:t>
+            </a:r>
+            <a:r>
+              <a:rPr/>
+              <a:t> </a:t>
+            </a:r>
+            <a:r>
+              <a:rPr/>
+              <a:t>read</a:t>
+            </a:r>
+            <a:r>
+              <a:rPr/>
+              <a:t> </a:t>
+            </a:r>
+            <a:r>
+              <a:rPr/>
+              <a:t>this</a:t>
+            </a:r>
+            <a:r>
+              <a:rPr/>
+              <a:t> </a:t>
+            </a:r>
+            <a:r>
+              <a:rPr/>
+              <a:t>material.</a:t>
+            </a:r>
+            <a:r>
+              <a:rPr/>
+              <a:t> </a:t>
+            </a:r>
+            <a:r>
+              <a:rPr/>
+              <a:t>You’ll</a:t>
+            </a:r>
+            <a:r>
+              <a:rPr/>
+              <a:t> </a:t>
+            </a:r>
+            <a:r>
+              <a:rPr/>
+              <a:t>get</a:t>
+            </a:r>
+            <a:r>
+              <a:rPr/>
+              <a:t> </a:t>
+            </a:r>
+            <a:r>
+              <a:rPr/>
+              <a:t>more</a:t>
+            </a:r>
+            <a:r>
+              <a:rPr/>
+              <a:t> </a:t>
+            </a:r>
+            <a:r>
+              <a:rPr/>
+              <a:t>out</a:t>
+            </a:r>
+            <a:r>
+              <a:rPr/>
+              <a:t> </a:t>
+            </a:r>
+            <a:r>
+              <a:rPr/>
+              <a:t>of</a:t>
+            </a:r>
+            <a:r>
+              <a:rPr/>
+              <a:t> </a:t>
+            </a:r>
+            <a:r>
+              <a:rPr/>
+              <a:t>the</a:t>
+            </a:r>
+            <a:r>
+              <a:rPr/>
+              <a:t> </a:t>
+            </a:r>
+            <a:r>
+              <a:rPr/>
+              <a:t>video</a:t>
+            </a:r>
+            <a:r>
+              <a:rPr/>
+              <a:t> </a:t>
+            </a:r>
+            <a:r>
+              <a:rPr/>
+              <a:t>if</a:t>
+            </a:r>
+            <a:r>
+              <a:rPr/>
+              <a:t> </a:t>
+            </a:r>
+            <a:r>
+              <a:rPr/>
+              <a:t>you</a:t>
+            </a:r>
+            <a:r>
+              <a:rPr/>
+              <a:t> </a:t>
+            </a:r>
+            <a:r>
+              <a:rPr/>
+              <a:t>do</a:t>
+            </a:r>
+            <a:r>
+              <a:rPr/>
+              <a:t> </a:t>
+            </a:r>
+            <a:r>
+              <a:rPr/>
+              <a:t>so.</a:t>
             </a:r>
           </a:p>
         </p:txBody>
@@ -706,7 +2906,215 @@
           <a:p>
             <a:fld id="{18BDFEC3-8487-43E8-A154-7C12CBC1FFF2}" type="slidenum">
               <a:rPr lang="en-US"/>
-              <a:t>12</a:t>
+              <a:t>3</a:t>
+            </a:fld>
+            <a:endParaRPr lang="en-US"/>
+          </a:p>
+        </p:txBody>
+      </p:sp>
+    </p:spTree>
+  </p:cSld>
+</p:notes>
+</file>
+
+<file path=ppt/notesSlides/notesSlide20.xml><?xml version="1.0" encoding="utf-8"?>
+<p:notes xmlns:a="http://schemas.openxmlformats.org/drawingml/2006/main" xmlns:r="http://schemas.openxmlformats.org/officeDocument/2006/relationships" xmlns:p="http://schemas.openxmlformats.org/presentationml/2006/main">
+  <p:cSld>
+    <p:spTree>
+      <p:nvGrpSpPr>
+        <p:cNvPr id="1" name=""/>
+        <p:cNvGrpSpPr/>
+        <p:nvPr/>
+      </p:nvGrpSpPr>
+      <p:grpSpPr>
+        <a:xfrm>
+          <a:off x="0" y="0"/>
+          <a:ext cx="0" cy="0"/>
+          <a:chOff x="0" y="0"/>
+          <a:chExt cx="0" cy="0"/>
+        </a:xfrm>
+      </p:grpSpPr>
+      <p:sp>
+        <p:nvSpPr>
+          <p:cNvPr id="2" name="Slide Image Placeholder 1"/>
+          <p:cNvSpPr>
+            <a:spLocks noGrp="1" noRot="1" noChangeAspect="1"/>
+          </p:cNvSpPr>
+          <p:nvPr>
+            <p:ph type="sldImg"/>
+          </p:nvPr>
+        </p:nvSpPr>
+        <p:spPr/>
+      </p:sp>
+      <p:sp>
+        <p:nvSpPr>
+          <p:cNvPr id="3" name="Notes Placeholder 2"/>
+          <p:cNvSpPr>
+            <a:spLocks noGrp="1"/>
+          </p:cNvSpPr>
+          <p:nvPr>
+            <p:ph type="body" idx="1"/>
+          </p:nvPr>
+        </p:nvSpPr>
+        <p:spPr/>
+        <p:txBody>
+          <a:bodyPr/>
+          <a:lstStyle/>
+          <a:p>
+            <a:pPr lvl="1"/>
+            <a:r>
+              <a:rPr/>
+              <a:t>Simoni</a:t>
+            </a:r>
+            <a:r>
+              <a:rPr/>
+              <a:t> </a:t>
+            </a:r>
+            <a:r>
+              <a:rPr/>
+              <a:t>et</a:t>
+            </a:r>
+            <a:r>
+              <a:rPr/>
+              <a:t> </a:t>
+            </a:r>
+            <a:r>
+              <a:rPr/>
+              <a:t>al.,</a:t>
+            </a:r>
+            <a:r>
+              <a:rPr/>
+              <a:t> </a:t>
+            </a:r>
+            <a:r>
+              <a:rPr/>
+              <a:t>2006</a:t>
+            </a:r>
+          </a:p>
+        </p:txBody>
+      </p:sp>
+      <p:sp>
+        <p:nvSpPr>
+          <p:cNvPr id="4" name="Slide Number Placeholder 3"/>
+          <p:cNvSpPr>
+            <a:spLocks noGrp="1"/>
+          </p:cNvSpPr>
+          <p:nvPr>
+            <p:ph type="sldNum" sz="quarter" idx="10"/>
+          </p:nvPr>
+        </p:nvSpPr>
+        <p:spPr/>
+        <p:txBody>
+          <a:bodyPr/>
+          <a:lstStyle/>
+          <a:p>
+            <a:fld id="{18BDFEC3-8487-43E8-A154-7C12CBC1FFF2}" type="slidenum">
+              <a:rPr lang="en-US"/>
+              <a:t>46</a:t>
+            </a:fld>
+            <a:endParaRPr lang="en-US"/>
+          </a:p>
+        </p:txBody>
+      </p:sp>
+    </p:spTree>
+  </p:cSld>
+</p:notes>
+</file>
+
+<file path=ppt/notesSlides/notesSlide21.xml><?xml version="1.0" encoding="utf-8"?>
+<p:notes xmlns:a="http://schemas.openxmlformats.org/drawingml/2006/main" xmlns:r="http://schemas.openxmlformats.org/officeDocument/2006/relationships" xmlns:p="http://schemas.openxmlformats.org/presentationml/2006/main">
+  <p:cSld>
+    <p:spTree>
+      <p:nvGrpSpPr>
+        <p:cNvPr id="1" name=""/>
+        <p:cNvGrpSpPr/>
+        <p:nvPr/>
+      </p:nvGrpSpPr>
+      <p:grpSpPr>
+        <a:xfrm>
+          <a:off x="0" y="0"/>
+          <a:ext cx="0" cy="0"/>
+          <a:chOff x="0" y="0"/>
+          <a:chExt cx="0" cy="0"/>
+        </a:xfrm>
+      </p:grpSpPr>
+      <p:sp>
+        <p:nvSpPr>
+          <p:cNvPr id="2" name="Slide Image Placeholder 1"/>
+          <p:cNvSpPr>
+            <a:spLocks noGrp="1" noRot="1" noChangeAspect="1"/>
+          </p:cNvSpPr>
+          <p:nvPr>
+            <p:ph type="sldImg"/>
+          </p:nvPr>
+        </p:nvSpPr>
+        <p:spPr/>
+      </p:sp>
+      <p:sp>
+        <p:nvSpPr>
+          <p:cNvPr id="3" name="Notes Placeholder 2"/>
+          <p:cNvSpPr>
+            <a:spLocks noGrp="1"/>
+          </p:cNvSpPr>
+          <p:nvPr>
+            <p:ph type="body" idx="1"/>
+          </p:nvPr>
+        </p:nvSpPr>
+        <p:spPr/>
+        <p:txBody>
+          <a:bodyPr/>
+          <a:lstStyle/>
+          <a:p>
+            <a:pPr lvl="1"/>
+            <a:r>
+              <a:rPr/>
+              <a:t>Simoni</a:t>
+            </a:r>
+            <a:r>
+              <a:rPr/>
+              <a:t> </a:t>
+            </a:r>
+            <a:r>
+              <a:rPr/>
+              <a:t>et</a:t>
+            </a:r>
+            <a:r>
+              <a:rPr/>
+              <a:t> </a:t>
+            </a:r>
+            <a:r>
+              <a:rPr/>
+              <a:t>al.,</a:t>
+            </a:r>
+            <a:r>
+              <a:rPr/>
+              <a:t> </a:t>
+            </a:r>
+            <a:r>
+              <a:rPr/>
+              <a:t>2006</a:t>
+            </a:r>
+          </a:p>
+        </p:txBody>
+      </p:sp>
+      <p:sp>
+        <p:nvSpPr>
+          <p:cNvPr id="4" name="Slide Number Placeholder 3"/>
+          <p:cNvSpPr>
+            <a:spLocks noGrp="1"/>
+          </p:cNvSpPr>
+          <p:nvPr>
+            <p:ph type="sldNum" sz="quarter" idx="10"/>
+          </p:nvPr>
+        </p:nvSpPr>
+        <p:spPr/>
+        <p:txBody>
+          <a:bodyPr/>
+          <a:lstStyle/>
+          <a:p>
+            <a:fld id="{18BDFEC3-8487-43E8-A154-7C12CBC1FFF2}" type="slidenum">
+              <a:rPr lang="en-US"/>
+              <a:t>47</a:t>
             </a:fld>
             <a:endParaRPr lang="en-US"/>
           </a:p>
@@ -761,54 +3169,710 @@
           <a:bodyPr/>
           <a:lstStyle/>
           <a:p>
-            <a:pPr lvl="1"/>
-            <a:r>
-              <a:rPr/>
-              <a:t>Statistical</a:t>
-            </a:r>
-            <a:r>
-              <a:rPr/>
-              <a:t> </a:t>
-            </a:r>
-            <a:r>
-              <a:rPr/>
-              <a:t>testing</a:t>
-            </a:r>
-          </a:p>
-          <a:p>
             <a:pPr lvl="0" marL="0" indent="0">
               <a:buNone/>
             </a:pPr>
-          </a:p>
-          <a:p>
-            <a:pPr lvl="2"/>
-            <a:r>
-              <a:rPr/>
-              <a:t>Fig</a:t>
-            </a:r>
-            <a:r>
-              <a:rPr/>
-              <a:t> </a:t>
-            </a:r>
-            <a:r>
-              <a:rPr/>
-              <a:t>16.4</a:t>
-            </a:r>
-            <a:r>
-              <a:rPr/>
-              <a:t> </a:t>
-            </a:r>
-            <a:r>
-              <a:rPr/>
-              <a:t>–</a:t>
-            </a:r>
-            <a:r>
-              <a:rPr/>
-              <a:t> </a:t>
-            </a:r>
-            <a:r>
-              <a:rPr/>
-              <a:t>Non-directional</a:t>
+            <a:r>
+              <a:rPr/>
+              <a:t>We</a:t>
+            </a:r>
+            <a:r>
+              <a:rPr/>
+              <a:t> </a:t>
+            </a:r>
+            <a:r>
+              <a:rPr/>
+              <a:t>are</a:t>
+            </a:r>
+            <a:r>
+              <a:rPr/>
+              <a:t> </a:t>
+            </a:r>
+            <a:r>
+              <a:rPr/>
+              <a:t>talking</a:t>
+            </a:r>
+            <a:r>
+              <a:rPr/>
+              <a:t> </a:t>
+            </a:r>
+            <a:r>
+              <a:rPr/>
+              <a:t>about</a:t>
+            </a:r>
+            <a:r>
+              <a:rPr/>
+              <a:t> </a:t>
+            </a:r>
+            <a:r>
+              <a:rPr/>
+              <a:t>data</a:t>
+            </a:r>
+            <a:r>
+              <a:rPr/>
+              <a:t> </a:t>
+            </a:r>
+            <a:r>
+              <a:rPr/>
+              <a:t>analysis</a:t>
+            </a:r>
+            <a:r>
+              <a:rPr/>
+              <a:t> </a:t>
+            </a:r>
+            <a:r>
+              <a:rPr/>
+              <a:t>and</a:t>
+            </a:r>
+            <a:r>
+              <a:rPr/>
+              <a:t> </a:t>
+            </a:r>
+            <a:r>
+              <a:rPr/>
+              <a:t>interpretation.</a:t>
+            </a:r>
+            <a:r>
+              <a:rPr/>
+              <a:t> </a:t>
+            </a:r>
+            <a:r>
+              <a:rPr/>
+              <a:t>Planning.</a:t>
+            </a:r>
+            <a:r>
+              <a:rPr/>
+              <a:t> </a:t>
+            </a:r>
+            <a:r>
+              <a:rPr/>
+              <a:t>Some</a:t>
+            </a:r>
+            <a:r>
+              <a:rPr/>
+              <a:t> </a:t>
+            </a:r>
+            <a:r>
+              <a:rPr/>
+              <a:t>of</a:t>
+            </a:r>
+            <a:r>
+              <a:rPr/>
+              <a:t> </a:t>
+            </a:r>
+            <a:r>
+              <a:rPr/>
+              <a:t>this</a:t>
+            </a:r>
+            <a:r>
+              <a:rPr/>
+              <a:t> </a:t>
+            </a:r>
+            <a:r>
+              <a:rPr/>
+              <a:t>will</a:t>
+            </a:r>
+            <a:r>
+              <a:rPr/>
+              <a:t> </a:t>
+            </a:r>
+            <a:r>
+              <a:rPr/>
+              <a:t>be</a:t>
+            </a:r>
+            <a:r>
+              <a:rPr/>
+              <a:t> </a:t>
+            </a:r>
+            <a:r>
+              <a:rPr/>
+              <a:t>familiar</a:t>
+            </a:r>
+            <a:r>
+              <a:rPr/>
+              <a:t> </a:t>
+            </a:r>
+            <a:r>
+              <a:rPr/>
+              <a:t>to</a:t>
+            </a:r>
+            <a:r>
+              <a:rPr/>
+              <a:t> </a:t>
+            </a:r>
+            <a:r>
+              <a:rPr/>
+              <a:t>you.</a:t>
+            </a:r>
+            <a:r>
+              <a:rPr/>
+              <a:t> </a:t>
+            </a:r>
+            <a:r>
+              <a:rPr/>
+              <a:t>This</a:t>
+            </a:r>
+            <a:r>
+              <a:rPr/>
+              <a:t> </a:t>
+            </a:r>
+            <a:r>
+              <a:rPr/>
+              <a:t>is</a:t>
+            </a:r>
+            <a:r>
+              <a:rPr/>
+              <a:t> </a:t>
+            </a:r>
+            <a:r>
+              <a:rPr/>
+              <a:t>not</a:t>
+            </a:r>
+            <a:r>
+              <a:rPr/>
+              <a:t> </a:t>
+            </a:r>
+            <a:r>
+              <a:rPr/>
+              <a:t>a</a:t>
+            </a:r>
+            <a:r>
+              <a:rPr/>
+              <a:t> </a:t>
+            </a:r>
+            <a:r>
+              <a:rPr/>
+              <a:t>full</a:t>
+            </a:r>
+            <a:r>
+              <a:rPr/>
+              <a:t> </a:t>
+            </a:r>
+            <a:r>
+              <a:rPr/>
+              <a:t>statistical</a:t>
+            </a:r>
+            <a:r>
+              <a:rPr/>
+              <a:t> </a:t>
+            </a:r>
+            <a:r>
+              <a:rPr/>
+              <a:t>coverage</a:t>
+            </a:r>
+            <a:r>
+              <a:rPr/>
+              <a:t> </a:t>
+            </a:r>
+            <a:r>
+              <a:rPr/>
+              <a:t>of</a:t>
+            </a:r>
+            <a:r>
+              <a:rPr/>
+              <a:t> </a:t>
+            </a:r>
+            <a:r>
+              <a:rPr/>
+              <a:t>the</a:t>
+            </a:r>
+            <a:r>
+              <a:rPr/>
+              <a:t> </a:t>
+            </a:r>
+            <a:r>
+              <a:rPr/>
+              <a:t>topic.</a:t>
+            </a:r>
+          </a:p>
+          <a:p>
+            <a:pPr lvl="0" marL="0" indent="0">
+              <a:buNone/>
+            </a:pPr>
+          </a:p>
+          <a:p>
+            <a:pPr lvl="0" marL="0" indent="0">
+              <a:buNone/>
+            </a:pPr>
+            <a:r>
+              <a:rPr/>
+              <a:t>Take</a:t>
+            </a:r>
+            <a:r>
+              <a:rPr/>
+              <a:t> </a:t>
+            </a:r>
+            <a:r>
+              <a:rPr/>
+              <a:t>the</a:t>
+            </a:r>
+            <a:r>
+              <a:rPr/>
+              <a:t> </a:t>
+            </a:r>
+            <a:r>
+              <a:rPr/>
+              <a:t>data</a:t>
+            </a:r>
+            <a:r>
+              <a:rPr/>
+              <a:t> </a:t>
+            </a:r>
+            <a:r>
+              <a:rPr/>
+              <a:t>from</a:t>
+            </a:r>
+            <a:r>
+              <a:rPr/>
+              <a:t> </a:t>
+            </a:r>
+            <a:r>
+              <a:rPr/>
+              <a:t>the</a:t>
+            </a:r>
+            <a:r>
+              <a:rPr/>
+              <a:t> </a:t>
+            </a:r>
+            <a:r>
+              <a:rPr/>
+              <a:t>sample</a:t>
+            </a:r>
+            <a:r>
+              <a:rPr/>
+              <a:t> </a:t>
+            </a:r>
+            <a:r>
+              <a:rPr/>
+              <a:t>and</a:t>
+            </a:r>
+            <a:r>
+              <a:rPr/>
+              <a:t> </a:t>
+            </a:r>
+            <a:r>
+              <a:rPr/>
+              <a:t>make</a:t>
+            </a:r>
+            <a:r>
+              <a:rPr/>
+              <a:t> </a:t>
+            </a:r>
+            <a:r>
+              <a:rPr/>
+              <a:t>inferences</a:t>
+            </a:r>
+            <a:r>
+              <a:rPr/>
+              <a:t> </a:t>
+            </a:r>
+            <a:r>
+              <a:rPr/>
+              <a:t>about</a:t>
+            </a:r>
+            <a:r>
+              <a:rPr/>
+              <a:t> </a:t>
+            </a:r>
+            <a:r>
+              <a:rPr/>
+              <a:t>the</a:t>
+            </a:r>
+            <a:r>
+              <a:rPr/>
+              <a:t> </a:t>
+            </a:r>
+            <a:r>
+              <a:rPr/>
+              <a:t>population.</a:t>
+            </a:r>
+            <a:r>
+              <a:rPr/>
+              <a:t> </a:t>
+            </a:r>
+            <a:r>
+              <a:rPr/>
+              <a:t>The</a:t>
+            </a:r>
+            <a:r>
+              <a:rPr/>
+              <a:t> </a:t>
+            </a:r>
+            <a:r>
+              <a:rPr/>
+              <a:t>sample</a:t>
+            </a:r>
+            <a:r>
+              <a:rPr/>
+              <a:t> </a:t>
+            </a:r>
+            <a:r>
+              <a:rPr/>
+              <a:t>is</a:t>
+            </a:r>
+            <a:r>
+              <a:rPr/>
+              <a:t> </a:t>
+            </a:r>
+            <a:r>
+              <a:rPr/>
+              <a:t>a</a:t>
+            </a:r>
+            <a:r>
+              <a:rPr/>
+              <a:t> </a:t>
+            </a:r>
+            <a:r>
+              <a:rPr/>
+              <a:t>subset.</a:t>
+            </a:r>
+            <a:r>
+              <a:rPr/>
+              <a:t> </a:t>
+            </a:r>
+            <a:r>
+              <a:rPr/>
+              <a:t>Inferential</a:t>
+            </a:r>
+            <a:r>
+              <a:rPr/>
+              <a:t> </a:t>
+            </a:r>
+            <a:r>
+              <a:rPr/>
+              <a:t>statistics</a:t>
+            </a:r>
+            <a:r>
+              <a:rPr/>
+              <a:t> </a:t>
+            </a:r>
+            <a:r>
+              <a:rPr/>
+              <a:t>is</a:t>
+            </a:r>
+            <a:r>
+              <a:rPr/>
+              <a:t> </a:t>
+            </a:r>
+            <a:r>
+              <a:rPr/>
+              <a:t>the</a:t>
+            </a:r>
+            <a:r>
+              <a:rPr/>
+              <a:t> </a:t>
+            </a:r>
+            <a:r>
+              <a:rPr/>
+              <a:t>process</a:t>
+            </a:r>
+            <a:r>
+              <a:rPr/>
+              <a:t> </a:t>
+            </a:r>
+            <a:r>
+              <a:rPr/>
+              <a:t>by</a:t>
+            </a:r>
+            <a:r>
+              <a:rPr/>
+              <a:t> </a:t>
+            </a:r>
+            <a:r>
+              <a:rPr/>
+              <a:t>which</a:t>
+            </a:r>
+            <a:r>
+              <a:rPr/>
+              <a:t> </a:t>
+            </a:r>
+            <a:r>
+              <a:rPr/>
+              <a:t>you</a:t>
+            </a:r>
+            <a:r>
+              <a:rPr/>
+              <a:t> </a:t>
+            </a:r>
+            <a:r>
+              <a:rPr/>
+              <a:t>infer</a:t>
+            </a:r>
+            <a:r>
+              <a:rPr/>
+              <a:t> </a:t>
+            </a:r>
+            <a:r>
+              <a:rPr/>
+              <a:t>information</a:t>
+            </a:r>
+            <a:r>
+              <a:rPr/>
+              <a:t> </a:t>
+            </a:r>
+            <a:r>
+              <a:rPr/>
+              <a:t>about</a:t>
+            </a:r>
+            <a:r>
+              <a:rPr/>
+              <a:t> </a:t>
+            </a:r>
+            <a:r>
+              <a:rPr/>
+              <a:t>the</a:t>
+            </a:r>
+            <a:r>
+              <a:rPr/>
+              <a:t> </a:t>
+            </a:r>
+            <a:r>
+              <a:rPr/>
+              <a:t>population.</a:t>
+            </a:r>
+          </a:p>
+          <a:p>
+            <a:pPr lvl="0" marL="0" indent="0">
+              <a:buNone/>
+            </a:pPr>
+          </a:p>
+          <a:p>
+            <a:pPr lvl="0" marL="0" indent="0">
+              <a:buNone/>
+            </a:pPr>
+            <a:r>
+              <a:rPr/>
+              <a:t>NHST</a:t>
+            </a:r>
+            <a:r>
+              <a:rPr/>
+              <a:t> </a:t>
+            </a:r>
+            <a:r>
+              <a:rPr/>
+              <a:t>is</a:t>
+            </a:r>
+            <a:r>
+              <a:rPr/>
+              <a:t> </a:t>
+            </a:r>
+            <a:r>
+              <a:rPr/>
+              <a:t>the</a:t>
+            </a:r>
+            <a:r>
+              <a:rPr/>
+              <a:t> </a:t>
+            </a:r>
+            <a:r>
+              <a:rPr/>
+              <a:t>traditional</a:t>
+            </a:r>
+            <a:r>
+              <a:rPr/>
+              <a:t> </a:t>
+            </a:r>
+            <a:r>
+              <a:rPr/>
+              <a:t>way</a:t>
+            </a:r>
+            <a:r>
+              <a:rPr/>
+              <a:t> </a:t>
+            </a:r>
+            <a:r>
+              <a:rPr/>
+              <a:t>that</a:t>
+            </a:r>
+            <a:r>
+              <a:rPr/>
+              <a:t> </a:t>
+            </a:r>
+            <a:r>
+              <a:rPr/>
+              <a:t>a</a:t>
+            </a:r>
+            <a:r>
+              <a:rPr/>
+              <a:t> </a:t>
+            </a:r>
+            <a:r>
+              <a:rPr/>
+              <a:t>huge</a:t>
+            </a:r>
+            <a:r>
+              <a:rPr/>
+              <a:t> </a:t>
+            </a:r>
+            <a:r>
+              <a:rPr/>
+              <a:t>amount</a:t>
+            </a:r>
+            <a:r>
+              <a:rPr/>
+              <a:t> </a:t>
+            </a:r>
+            <a:r>
+              <a:rPr/>
+              <a:t>of</a:t>
+            </a:r>
+            <a:r>
+              <a:rPr/>
+              <a:t> </a:t>
+            </a:r>
+            <a:r>
+              <a:rPr/>
+              <a:t>research</a:t>
+            </a:r>
+            <a:r>
+              <a:rPr/>
+              <a:t> </a:t>
+            </a:r>
+            <a:r>
+              <a:rPr/>
+              <a:t>relies</a:t>
+            </a:r>
+            <a:r>
+              <a:rPr/>
+              <a:t> </a:t>
+            </a:r>
+            <a:r>
+              <a:rPr/>
+              <a:t>on.</a:t>
+            </a:r>
+          </a:p>
+          <a:p>
+            <a:pPr lvl="0" marL="0" indent="0">
+              <a:buNone/>
+            </a:pPr>
+          </a:p>
+          <a:p>
+            <a:pPr lvl="0" marL="0" indent="0">
+              <a:buNone/>
+            </a:pPr>
+            <a:r>
+              <a:rPr/>
+              <a:t>Null</a:t>
+            </a:r>
+            <a:r>
+              <a:rPr/>
+              <a:t> </a:t>
+            </a:r>
+            <a:r>
+              <a:rPr/>
+              <a:t>hypothesis</a:t>
+            </a:r>
+            <a:r>
+              <a:rPr/>
+              <a:t> </a:t>
+            </a:r>
+            <a:r>
+              <a:rPr/>
+              <a:t>is</a:t>
+            </a:r>
+            <a:r>
+              <a:rPr/>
+              <a:t> </a:t>
+            </a:r>
+            <a:r>
+              <a:rPr/>
+              <a:t>no</a:t>
+            </a:r>
+            <a:r>
+              <a:rPr/>
+              <a:t> </a:t>
+            </a:r>
+            <a:r>
+              <a:rPr/>
+              <a:t>difference</a:t>
+            </a:r>
+            <a:r>
+              <a:rPr/>
+              <a:t> </a:t>
+            </a:r>
+            <a:r>
+              <a:rPr/>
+              <a:t>or</a:t>
+            </a:r>
+            <a:r>
+              <a:rPr/>
+              <a:t> </a:t>
+            </a:r>
+            <a:r>
+              <a:rPr/>
+              <a:t>no</a:t>
+            </a:r>
+            <a:r>
+              <a:rPr/>
+              <a:t> </a:t>
+            </a:r>
+            <a:r>
+              <a:rPr/>
+              <a:t>relationship.</a:t>
+            </a:r>
+            <a:r>
+              <a:rPr/>
+              <a:t> </a:t>
+            </a:r>
+            <a:r>
+              <a:rPr/>
+              <a:t>The</a:t>
+            </a:r>
+            <a:r>
+              <a:rPr/>
+              <a:t> </a:t>
+            </a:r>
+            <a:r>
+              <a:rPr/>
+              <a:t>alternative</a:t>
+            </a:r>
+            <a:r>
+              <a:rPr/>
+              <a:t> </a:t>
+            </a:r>
+            <a:r>
+              <a:rPr/>
+              <a:t>is</a:t>
+            </a:r>
+            <a:r>
+              <a:rPr/>
+              <a:t> </a:t>
+            </a:r>
+            <a:r>
+              <a:rPr/>
+              <a:t>often</a:t>
+            </a:r>
+            <a:r>
+              <a:rPr/>
+              <a:t> </a:t>
+            </a:r>
+            <a:r>
+              <a:rPr/>
+              <a:t>called</a:t>
+            </a:r>
+            <a:r>
+              <a:rPr/>
+              <a:t> </a:t>
+            </a:r>
+            <a:r>
+              <a:rPr/>
+              <a:t>the</a:t>
+            </a:r>
+            <a:r>
+              <a:rPr/>
+              <a:t> </a:t>
+            </a:r>
+            <a:r>
+              <a:rPr/>
+              <a:t>research</a:t>
+            </a:r>
+            <a:r>
+              <a:rPr/>
+              <a:t> </a:t>
+            </a:r>
+            <a:r>
+              <a:rPr/>
+              <a:t>hypothesis.</a:t>
             </a:r>
           </a:p>
         </p:txBody>
@@ -830,7 +3894,7 @@
           <a:p>
             <a:fld id="{18BDFEC3-8487-43E8-A154-7C12CBC1FFF2}" type="slidenum">
               <a:rPr lang="en-US"/>
-              <a:t>16</a:t>
+              <a:t>4</a:t>
             </a:fld>
             <a:endParaRPr lang="en-US"/>
           </a:p>
@@ -885,34 +3949,568 @@
           <a:bodyPr/>
           <a:lstStyle/>
           <a:p>
-            <a:pPr lvl="1"/>
-            <a:r>
-              <a:rPr/>
-              <a:t>Determining</a:t>
-            </a:r>
-            <a:r>
-              <a:rPr/>
-              <a:t> </a:t>
-            </a:r>
-            <a:r>
-              <a:rPr/>
-              <a:t>power</a:t>
-            </a:r>
-            <a:r>
-              <a:rPr/>
-              <a:t> </a:t>
-            </a:r>
-            <a:r>
-              <a:rPr/>
-              <a:t>(Fig</a:t>
-            </a:r>
-            <a:r>
-              <a:rPr/>
-              <a:t> </a:t>
-            </a:r>
-            <a:r>
-              <a:rPr/>
-              <a:t>16.1)</a:t>
+            <a:pPr lvl="0" marL="0" indent="0">
+              <a:buNone/>
+            </a:pPr>
+            <a:r>
+              <a:rPr/>
+              <a:t>Does</a:t>
+            </a:r>
+            <a:r>
+              <a:rPr/>
+              <a:t> </a:t>
+            </a:r>
+            <a:r>
+              <a:rPr/>
+              <a:t>the</a:t>
+            </a:r>
+            <a:r>
+              <a:rPr/>
+              <a:t> </a:t>
+            </a:r>
+            <a:r>
+              <a:rPr/>
+              <a:t>data</a:t>
+            </a:r>
+            <a:r>
+              <a:rPr/>
+              <a:t> </a:t>
+            </a:r>
+            <a:r>
+              <a:rPr/>
+              <a:t>allow</a:t>
+            </a:r>
+            <a:r>
+              <a:rPr/>
+              <a:t> </a:t>
+            </a:r>
+            <a:r>
+              <a:rPr/>
+              <a:t>us</a:t>
+            </a:r>
+            <a:r>
+              <a:rPr/>
+              <a:t> </a:t>
+            </a:r>
+            <a:r>
+              <a:rPr/>
+              <a:t>to</a:t>
+            </a:r>
+            <a:r>
+              <a:rPr/>
+              <a:t> </a:t>
+            </a:r>
+            <a:r>
+              <a:rPr/>
+              <a:t>reject</a:t>
+            </a:r>
+            <a:r>
+              <a:rPr/>
+              <a:t> </a:t>
+            </a:r>
+            <a:r>
+              <a:rPr/>
+              <a:t>the</a:t>
+            </a:r>
+            <a:r>
+              <a:rPr/>
+              <a:t> </a:t>
+            </a:r>
+            <a:r>
+              <a:rPr/>
+              <a:t>null</a:t>
+            </a:r>
+            <a:r>
+              <a:rPr/>
+              <a:t> </a:t>
+            </a:r>
+            <a:r>
+              <a:rPr/>
+              <a:t>hypothesis.</a:t>
+            </a:r>
+            <a:r>
+              <a:rPr/>
+              <a:t> </a:t>
+            </a:r>
+            <a:r>
+              <a:rPr/>
+              <a:t>Rejecting</a:t>
+            </a:r>
+            <a:r>
+              <a:rPr/>
+              <a:t> </a:t>
+            </a:r>
+            <a:r>
+              <a:rPr/>
+              <a:t>means</a:t>
+            </a:r>
+            <a:r>
+              <a:rPr/>
+              <a:t> </a:t>
+            </a:r>
+            <a:r>
+              <a:rPr/>
+              <a:t>the</a:t>
+            </a:r>
+            <a:r>
+              <a:rPr/>
+              <a:t> </a:t>
+            </a:r>
+            <a:r>
+              <a:rPr/>
+              <a:t>difference</a:t>
+            </a:r>
+            <a:r>
+              <a:rPr/>
+              <a:t> </a:t>
+            </a:r>
+            <a:r>
+              <a:rPr/>
+              <a:t>or</a:t>
+            </a:r>
+            <a:r>
+              <a:rPr/>
+              <a:t> </a:t>
+            </a:r>
+            <a:r>
+              <a:rPr/>
+              <a:t>relationship</a:t>
+            </a:r>
+            <a:r>
+              <a:rPr/>
+              <a:t> </a:t>
+            </a:r>
+            <a:r>
+              <a:rPr/>
+              <a:t>is</a:t>
+            </a:r>
+            <a:r>
+              <a:rPr/>
+              <a:t> </a:t>
+            </a:r>
+            <a:r>
+              <a:rPr/>
+              <a:t>greater</a:t>
+            </a:r>
+            <a:r>
+              <a:rPr/>
+              <a:t> </a:t>
+            </a:r>
+            <a:r>
+              <a:rPr/>
+              <a:t>than</a:t>
+            </a:r>
+            <a:r>
+              <a:rPr/>
+              <a:t> </a:t>
+            </a:r>
+            <a:r>
+              <a:rPr/>
+              <a:t>what</a:t>
+            </a:r>
+            <a:r>
+              <a:rPr/>
+              <a:t> </a:t>
+            </a:r>
+            <a:r>
+              <a:rPr/>
+              <a:t>you’d</a:t>
+            </a:r>
+            <a:r>
+              <a:rPr/>
+              <a:t> </a:t>
+            </a:r>
+            <a:r>
+              <a:rPr/>
+              <a:t>expect</a:t>
+            </a:r>
+            <a:r>
+              <a:rPr/>
+              <a:t> </a:t>
+            </a:r>
+            <a:r>
+              <a:rPr/>
+              <a:t>due</a:t>
+            </a:r>
+            <a:r>
+              <a:rPr/>
+              <a:t> </a:t>
+            </a:r>
+            <a:r>
+              <a:rPr/>
+              <a:t>to</a:t>
+            </a:r>
+            <a:r>
+              <a:rPr/>
+              <a:t> </a:t>
+            </a:r>
+            <a:r>
+              <a:rPr/>
+              <a:t>sampling</a:t>
+            </a:r>
+            <a:r>
+              <a:rPr/>
+              <a:t> </a:t>
+            </a:r>
+            <a:r>
+              <a:rPr/>
+              <a:t>error.</a:t>
+            </a:r>
+          </a:p>
+          <a:p>
+            <a:pPr lvl="0" marL="0" indent="0">
+              <a:buNone/>
+            </a:pPr>
+          </a:p>
+          <a:p>
+            <a:pPr lvl="0" marL="0" indent="0">
+              <a:buNone/>
+            </a:pPr>
+            <a:r>
+              <a:rPr/>
+              <a:t>[[Directional</a:t>
+            </a:r>
+            <a:r>
+              <a:rPr/>
+              <a:t> </a:t>
+            </a:r>
+            <a:r>
+              <a:rPr/>
+              <a:t>only</a:t>
+            </a:r>
+            <a:r>
+              <a:rPr/>
+              <a:t> </a:t>
+            </a:r>
+            <a:r>
+              <a:rPr/>
+              <a:t>for</a:t>
+            </a:r>
+            <a:r>
+              <a:rPr/>
+              <a:t> </a:t>
+            </a:r>
+            <a:r>
+              <a:rPr/>
+              <a:t>two</a:t>
+            </a:r>
+            <a:r>
+              <a:rPr/>
+              <a:t> </a:t>
+            </a:r>
+            <a:r>
+              <a:rPr/>
+              <a:t>group</a:t>
+            </a:r>
+            <a:r>
+              <a:rPr/>
+              <a:t> </a:t>
+            </a:r>
+            <a:r>
+              <a:rPr/>
+              <a:t>comparisons</a:t>
+            </a:r>
+            <a:r>
+              <a:rPr/>
+              <a:t> </a:t>
+            </a:r>
+            <a:r>
+              <a:rPr/>
+              <a:t>or</a:t>
+            </a:r>
+            <a:r>
+              <a:rPr/>
+              <a:t> </a:t>
+            </a:r>
+            <a:r>
+              <a:rPr/>
+              <a:t>bivariate</a:t>
+            </a:r>
+            <a:r>
+              <a:rPr/>
+              <a:t> </a:t>
+            </a:r>
+            <a:r>
+              <a:rPr/>
+              <a:t>relationships]]</a:t>
+            </a:r>
+          </a:p>
+          <a:p>
+            <a:pPr lvl="0" marL="0" indent="0">
+              <a:buNone/>
+            </a:pPr>
+          </a:p>
+          <a:p>
+            <a:pPr lvl="0" marL="0" indent="0">
+              <a:buNone/>
+            </a:pPr>
+            <a:r>
+              <a:rPr/>
+              <a:t>never</a:t>
+            </a:r>
+            <a:r>
+              <a:rPr/>
+              <a:t> </a:t>
+            </a:r>
+            <a:r>
+              <a:rPr/>
+              <a:t>talk</a:t>
+            </a:r>
+            <a:r>
+              <a:rPr/>
+              <a:t> </a:t>
+            </a:r>
+            <a:r>
+              <a:rPr/>
+              <a:t>about</a:t>
+            </a:r>
+            <a:r>
+              <a:rPr/>
+              <a:t> </a:t>
+            </a:r>
+            <a:r>
+              <a:rPr/>
+              <a:t>proving</a:t>
+            </a:r>
+            <a:r>
+              <a:rPr/>
+              <a:t> </a:t>
+            </a:r>
+            <a:r>
+              <a:rPr/>
+              <a:t>the</a:t>
+            </a:r>
+            <a:r>
+              <a:rPr/>
+              <a:t> </a:t>
+            </a:r>
+            <a:r>
+              <a:rPr/>
+              <a:t>null</a:t>
+            </a:r>
+            <a:r>
+              <a:rPr/>
+              <a:t> </a:t>
+            </a:r>
+            <a:r>
+              <a:rPr/>
+              <a:t>hypothesis.</a:t>
+            </a:r>
+            <a:r>
+              <a:rPr/>
+              <a:t> </a:t>
+            </a:r>
+            <a:r>
+              <a:rPr/>
+              <a:t>A</a:t>
+            </a:r>
+            <a:r>
+              <a:rPr/>
+              <a:t> </a:t>
+            </a:r>
+            <a:r>
+              <a:rPr/>
+              <a:t>large</a:t>
+            </a:r>
+            <a:r>
+              <a:rPr/>
+              <a:t> </a:t>
+            </a:r>
+            <a:r>
+              <a:rPr/>
+              <a:t>p-value</a:t>
+            </a:r>
+            <a:r>
+              <a:rPr/>
+              <a:t> </a:t>
+            </a:r>
+            <a:r>
+              <a:rPr/>
+              <a:t>does</a:t>
+            </a:r>
+            <a:r>
+              <a:rPr/>
+              <a:t> </a:t>
+            </a:r>
+            <a:r>
+              <a:rPr/>
+              <a:t>not</a:t>
+            </a:r>
+            <a:r>
+              <a:rPr/>
+              <a:t> </a:t>
+            </a:r>
+            <a:r>
+              <a:rPr/>
+              <a:t>mean</a:t>
+            </a:r>
+            <a:r>
+              <a:rPr/>
+              <a:t> </a:t>
+            </a:r>
+            <a:r>
+              <a:rPr/>
+              <a:t>that</a:t>
+            </a:r>
+            <a:r>
+              <a:rPr/>
+              <a:t> </a:t>
+            </a:r>
+            <a:r>
+              <a:rPr/>
+              <a:t>you</a:t>
+            </a:r>
+            <a:r>
+              <a:rPr/>
+              <a:t> </a:t>
+            </a:r>
+            <a:r>
+              <a:rPr/>
+              <a:t>proved</a:t>
+            </a:r>
+            <a:r>
+              <a:rPr/>
+              <a:t> </a:t>
+            </a:r>
+            <a:r>
+              <a:rPr/>
+              <a:t>the</a:t>
+            </a:r>
+            <a:r>
+              <a:rPr/>
+              <a:t> </a:t>
+            </a:r>
+            <a:r>
+              <a:rPr/>
+              <a:t>null</a:t>
+            </a:r>
+            <a:r>
+              <a:rPr/>
+              <a:t> </a:t>
+            </a:r>
+            <a:r>
+              <a:rPr/>
+              <a:t>hypothesis.</a:t>
+            </a:r>
+            <a:r>
+              <a:rPr/>
+              <a:t> </a:t>
+            </a:r>
+            <a:r>
+              <a:rPr/>
+              <a:t>There</a:t>
+            </a:r>
+            <a:r>
+              <a:rPr/>
+              <a:t> </a:t>
+            </a:r>
+            <a:r>
+              <a:rPr/>
+              <a:t>might</a:t>
+            </a:r>
+            <a:r>
+              <a:rPr/>
+              <a:t> </a:t>
+            </a:r>
+            <a:r>
+              <a:rPr/>
+              <a:t>be</a:t>
+            </a:r>
+            <a:r>
+              <a:rPr/>
+              <a:t> </a:t>
+            </a:r>
+            <a:r>
+              <a:rPr/>
+              <a:t>sources</a:t>
+            </a:r>
+            <a:r>
+              <a:rPr/>
+              <a:t> </a:t>
+            </a:r>
+            <a:r>
+              <a:rPr/>
+              <a:t>of</a:t>
+            </a:r>
+            <a:r>
+              <a:rPr/>
+              <a:t> </a:t>
+            </a:r>
+            <a:r>
+              <a:rPr/>
+              <a:t>error</a:t>
+            </a:r>
+            <a:r>
+              <a:rPr/>
+              <a:t> </a:t>
+            </a:r>
+            <a:r>
+              <a:rPr/>
+              <a:t>that</a:t>
+            </a:r>
+            <a:r>
+              <a:rPr/>
+              <a:t> </a:t>
+            </a:r>
+            <a:r>
+              <a:rPr/>
+              <a:t>lead</a:t>
+            </a:r>
+            <a:r>
+              <a:rPr/>
+              <a:t> </a:t>
+            </a:r>
+            <a:r>
+              <a:rPr/>
+              <a:t>to</a:t>
+            </a:r>
+            <a:r>
+              <a:rPr/>
+              <a:t> </a:t>
+            </a:r>
+            <a:r>
+              <a:rPr/>
+              <a:t>failure</a:t>
+            </a:r>
+            <a:r>
+              <a:rPr/>
+              <a:t> </a:t>
+            </a:r>
+            <a:r>
+              <a:rPr/>
+              <a:t>to</a:t>
+            </a:r>
+            <a:r>
+              <a:rPr/>
+              <a:t> </a:t>
+            </a:r>
+            <a:r>
+              <a:rPr/>
+              <a:t>reject</a:t>
+            </a:r>
+            <a:r>
+              <a:rPr/>
+              <a:t> </a:t>
+            </a:r>
+            <a:r>
+              <a:rPr/>
+              <a:t>the</a:t>
+            </a:r>
+            <a:r>
+              <a:rPr/>
+              <a:t> </a:t>
+            </a:r>
+            <a:r>
+              <a:rPr/>
+              <a:t>null</a:t>
+            </a:r>
+            <a:r>
+              <a:rPr/>
+              <a:t> </a:t>
+            </a:r>
+            <a:r>
+              <a:rPr/>
+              <a:t>hypothesis.</a:t>
             </a:r>
           </a:p>
         </p:txBody>
@@ -934,7 +4532,7 @@
           <a:p>
             <a:fld id="{18BDFEC3-8487-43E8-A154-7C12CBC1FFF2}" type="slidenum">
               <a:rPr lang="en-US"/>
-              <a:t>23</a:t>
+              <a:t>5</a:t>
             </a:fld>
             <a:endParaRPr lang="en-US"/>
           </a:p>
@@ -989,42 +4587,538 @@
           <a:bodyPr/>
           <a:lstStyle/>
           <a:p>
-            <a:pPr lvl="1"/>
-            <a:r>
-              <a:rPr/>
-              <a:t>Interpretation</a:t>
-            </a:r>
-            <a:r>
-              <a:rPr/>
-              <a:t> </a:t>
-            </a:r>
-            <a:r>
-              <a:rPr/>
-              <a:t>of</a:t>
-            </a:r>
-            <a:r>
-              <a:rPr/>
-              <a:t> </a:t>
-            </a:r>
-            <a:r>
-              <a:rPr/>
-              <a:t>effect</a:t>
-            </a:r>
-            <a:r>
-              <a:rPr/>
-              <a:t> </a:t>
-            </a:r>
-            <a:r>
-              <a:rPr/>
-              <a:t>sizes</a:t>
-            </a:r>
-            <a:r>
-              <a:rPr/>
-              <a:t> </a:t>
-            </a:r>
-            <a:r>
-              <a:rPr/>
-              <a:t>–</a:t>
+            <a:pPr lvl="0" marL="0" indent="0">
+              <a:buNone/>
+            </a:pPr>
+            <a:r>
+              <a:rPr/>
+              <a:t>Directional</a:t>
+            </a:r>
+            <a:r>
+              <a:rPr/>
+              <a:t> </a:t>
+            </a:r>
+            <a:r>
+              <a:rPr/>
+              <a:t>is</a:t>
+            </a:r>
+            <a:r>
+              <a:rPr/>
+              <a:t> </a:t>
+            </a:r>
+            <a:r>
+              <a:rPr/>
+              <a:t>more</a:t>
+            </a:r>
+            <a:r>
+              <a:rPr/>
+              <a:t> </a:t>
+            </a:r>
+            <a:r>
+              <a:rPr/>
+              <a:t>likely</a:t>
+            </a:r>
+            <a:r>
+              <a:rPr/>
+              <a:t> </a:t>
+            </a:r>
+            <a:r>
+              <a:rPr/>
+              <a:t>when</a:t>
+            </a:r>
+            <a:r>
+              <a:rPr/>
+              <a:t> </a:t>
+            </a:r>
+            <a:r>
+              <a:rPr/>
+              <a:t>comparing</a:t>
+            </a:r>
+            <a:r>
+              <a:rPr/>
+              <a:t> </a:t>
+            </a:r>
+            <a:r>
+              <a:rPr/>
+              <a:t>a</a:t>
+            </a:r>
+            <a:r>
+              <a:rPr/>
+              <a:t> </a:t>
+            </a:r>
+            <a:r>
+              <a:rPr/>
+              <a:t>treatment</a:t>
+            </a:r>
+            <a:r>
+              <a:rPr/>
+              <a:t> </a:t>
+            </a:r>
+            <a:r>
+              <a:rPr/>
+              <a:t>to</a:t>
+            </a:r>
+            <a:r>
+              <a:rPr/>
+              <a:t> </a:t>
+            </a:r>
+            <a:r>
+              <a:rPr/>
+              <a:t>a</a:t>
+            </a:r>
+            <a:r>
+              <a:rPr/>
+              <a:t> </a:t>
+            </a:r>
+            <a:r>
+              <a:rPr/>
+              <a:t>control</a:t>
+            </a:r>
+            <a:r>
+              <a:rPr/>
+              <a:t> </a:t>
+            </a:r>
+            <a:r>
+              <a:rPr/>
+              <a:t>[[placebo]].</a:t>
+            </a:r>
+            <a:r>
+              <a:rPr/>
+              <a:t> </a:t>
+            </a:r>
+            <a:r>
+              <a:rPr/>
+              <a:t>When</a:t>
+            </a:r>
+            <a:r>
+              <a:rPr/>
+              <a:t> </a:t>
+            </a:r>
+            <a:r>
+              <a:rPr/>
+              <a:t>comparing</a:t>
+            </a:r>
+            <a:r>
+              <a:rPr/>
+              <a:t> </a:t>
+            </a:r>
+            <a:r>
+              <a:rPr/>
+              <a:t>two</a:t>
+            </a:r>
+            <a:r>
+              <a:rPr/>
+              <a:t> </a:t>
+            </a:r>
+            <a:r>
+              <a:rPr/>
+              <a:t>different</a:t>
+            </a:r>
+            <a:r>
+              <a:rPr/>
+              <a:t> </a:t>
+            </a:r>
+            <a:r>
+              <a:rPr/>
+              <a:t>treatments,</a:t>
+            </a:r>
+            <a:r>
+              <a:rPr/>
+              <a:t> </a:t>
+            </a:r>
+            <a:r>
+              <a:rPr/>
+              <a:t>you</a:t>
+            </a:r>
+            <a:r>
+              <a:rPr/>
+              <a:t> </a:t>
+            </a:r>
+            <a:r>
+              <a:rPr/>
+              <a:t>would</a:t>
+            </a:r>
+            <a:r>
+              <a:rPr/>
+              <a:t> </a:t>
+            </a:r>
+            <a:r>
+              <a:rPr/>
+              <a:t>have</a:t>
+            </a:r>
+            <a:r>
+              <a:rPr/>
+              <a:t> </a:t>
+            </a:r>
+            <a:r>
+              <a:rPr/>
+              <a:t>to</a:t>
+            </a:r>
+            <a:r>
+              <a:rPr/>
+              <a:t> </a:t>
+            </a:r>
+            <a:r>
+              <a:rPr/>
+              <a:t>use</a:t>
+            </a:r>
+            <a:r>
+              <a:rPr/>
+              <a:t> </a:t>
+            </a:r>
+            <a:r>
+              <a:rPr/>
+              <a:t>a</a:t>
+            </a:r>
+            <a:r>
+              <a:rPr/>
+              <a:t> </a:t>
+            </a:r>
+            <a:r>
+              <a:rPr/>
+              <a:t>non-directional</a:t>
+            </a:r>
+            <a:r>
+              <a:rPr/>
+              <a:t> </a:t>
+            </a:r>
+            <a:r>
+              <a:rPr/>
+              <a:t>hypothesis.</a:t>
+            </a:r>
+          </a:p>
+          <a:p>
+            <a:pPr lvl="0" marL="0" indent="0">
+              <a:buNone/>
+            </a:pPr>
+          </a:p>
+          <a:p>
+            <a:pPr lvl="0" marL="0" indent="0">
+              <a:buNone/>
+            </a:pPr>
+            <a:r>
+              <a:rPr/>
+              <a:t>Is</a:t>
+            </a:r>
+            <a:r>
+              <a:rPr/>
+              <a:t> </a:t>
+            </a:r>
+            <a:r>
+              <a:rPr/>
+              <a:t>there</a:t>
+            </a:r>
+            <a:r>
+              <a:rPr/>
+              <a:t> </a:t>
+            </a:r>
+            <a:r>
+              <a:rPr/>
+              <a:t>existing</a:t>
+            </a:r>
+            <a:r>
+              <a:rPr/>
+              <a:t> </a:t>
+            </a:r>
+            <a:r>
+              <a:rPr/>
+              <a:t>evidence</a:t>
+            </a:r>
+            <a:r>
+              <a:rPr/>
+              <a:t> </a:t>
+            </a:r>
+            <a:r>
+              <a:rPr/>
+              <a:t>to</a:t>
+            </a:r>
+            <a:r>
+              <a:rPr/>
+              <a:t> </a:t>
+            </a:r>
+            <a:r>
+              <a:rPr/>
+              <a:t>support</a:t>
+            </a:r>
+            <a:r>
+              <a:rPr/>
+              <a:t> </a:t>
+            </a:r>
+            <a:r>
+              <a:rPr/>
+              <a:t>a</a:t>
+            </a:r>
+            <a:r>
+              <a:rPr/>
+              <a:t> </a:t>
+            </a:r>
+            <a:r>
+              <a:rPr/>
+              <a:t>directional</a:t>
+            </a:r>
+            <a:r>
+              <a:rPr/>
+              <a:t> </a:t>
+            </a:r>
+            <a:r>
+              <a:rPr/>
+              <a:t>hypothesis.</a:t>
+            </a:r>
+          </a:p>
+          <a:p>
+            <a:pPr lvl="0" marL="0" indent="0">
+              <a:buNone/>
+            </a:pPr>
+          </a:p>
+          <a:p>
+            <a:pPr lvl="0" marL="0" indent="0">
+              <a:buNone/>
+            </a:pPr>
+            <a:r>
+              <a:rPr/>
+              <a:t>If</a:t>
+            </a:r>
+            <a:r>
+              <a:rPr/>
+              <a:t> </a:t>
+            </a:r>
+            <a:r>
+              <a:rPr/>
+              <a:t>you</a:t>
+            </a:r>
+            <a:r>
+              <a:rPr/>
+              <a:t> </a:t>
+            </a:r>
+            <a:r>
+              <a:rPr/>
+              <a:t>use</a:t>
+            </a:r>
+            <a:r>
+              <a:rPr/>
+              <a:t> </a:t>
+            </a:r>
+            <a:r>
+              <a:rPr/>
+              <a:t>a</a:t>
+            </a:r>
+            <a:r>
+              <a:rPr/>
+              <a:t> </a:t>
+            </a:r>
+            <a:r>
+              <a:rPr/>
+              <a:t>directional</a:t>
+            </a:r>
+            <a:r>
+              <a:rPr/>
+              <a:t> </a:t>
+            </a:r>
+            <a:r>
+              <a:rPr/>
+              <a:t>hypothesis,</a:t>
+            </a:r>
+            <a:r>
+              <a:rPr/>
+              <a:t> </a:t>
+            </a:r>
+            <a:r>
+              <a:rPr/>
+              <a:t>and</a:t>
+            </a:r>
+            <a:r>
+              <a:rPr/>
+              <a:t> </a:t>
+            </a:r>
+            <a:r>
+              <a:rPr/>
+              <a:t>you</a:t>
+            </a:r>
+            <a:r>
+              <a:rPr/>
+              <a:t> </a:t>
+            </a:r>
+            <a:r>
+              <a:rPr/>
+              <a:t>get</a:t>
+            </a:r>
+            <a:r>
+              <a:rPr/>
+              <a:t> </a:t>
+            </a:r>
+            <a:r>
+              <a:rPr/>
+              <a:t>an</a:t>
+            </a:r>
+            <a:r>
+              <a:rPr/>
+              <a:t> </a:t>
+            </a:r>
+            <a:r>
+              <a:rPr/>
+              <a:t>extreme</a:t>
+            </a:r>
+            <a:r>
+              <a:rPr/>
+              <a:t> </a:t>
+            </a:r>
+            <a:r>
+              <a:rPr/>
+              <a:t>result</a:t>
+            </a:r>
+            <a:r>
+              <a:rPr/>
+              <a:t> </a:t>
+            </a:r>
+            <a:r>
+              <a:rPr/>
+              <a:t>in</a:t>
+            </a:r>
+            <a:r>
+              <a:rPr/>
+              <a:t> </a:t>
+            </a:r>
+            <a:r>
+              <a:rPr/>
+              <a:t>the</a:t>
+            </a:r>
+            <a:r>
+              <a:rPr/>
+              <a:t> </a:t>
+            </a:r>
+            <a:r>
+              <a:rPr/>
+              <a:t>opposite</a:t>
+            </a:r>
+            <a:r>
+              <a:rPr/>
+              <a:t> </a:t>
+            </a:r>
+            <a:r>
+              <a:rPr/>
+              <a:t>direction,</a:t>
+            </a:r>
+            <a:r>
+              <a:rPr/>
+              <a:t> </a:t>
+            </a:r>
+            <a:r>
+              <a:rPr/>
+              <a:t>you</a:t>
+            </a:r>
+            <a:r>
+              <a:rPr/>
+              <a:t> </a:t>
+            </a:r>
+            <a:r>
+              <a:rPr/>
+              <a:t>can’t</a:t>
+            </a:r>
+            <a:r>
+              <a:rPr/>
+              <a:t> </a:t>
+            </a:r>
+            <a:r>
+              <a:rPr/>
+              <a:t>claim</a:t>
+            </a:r>
+            <a:r>
+              <a:rPr/>
+              <a:t> </a:t>
+            </a:r>
+            <a:r>
+              <a:rPr/>
+              <a:t>statistical</a:t>
+            </a:r>
+            <a:r>
+              <a:rPr/>
+              <a:t> </a:t>
+            </a:r>
+            <a:r>
+              <a:rPr/>
+              <a:t>significance.</a:t>
+            </a:r>
+          </a:p>
+          <a:p>
+            <a:pPr lvl="0" marL="0" indent="0">
+              <a:buNone/>
+            </a:pPr>
+          </a:p>
+          <a:p>
+            <a:pPr lvl="0" marL="0" indent="0">
+              <a:buNone/>
+            </a:pPr>
+            <a:r>
+              <a:rPr/>
+              <a:t>Some</a:t>
+            </a:r>
+            <a:r>
+              <a:rPr/>
+              <a:t> </a:t>
+            </a:r>
+            <a:r>
+              <a:rPr/>
+              <a:t>people</a:t>
+            </a:r>
+            <a:r>
+              <a:rPr/>
+              <a:t> </a:t>
+            </a:r>
+            <a:r>
+              <a:rPr/>
+              <a:t>think</a:t>
+            </a:r>
+            <a:r>
+              <a:rPr/>
+              <a:t> </a:t>
+            </a:r>
+            <a:r>
+              <a:rPr/>
+              <a:t>that</a:t>
+            </a:r>
+            <a:r>
+              <a:rPr/>
+              <a:t> </a:t>
+            </a:r>
+            <a:r>
+              <a:rPr/>
+              <a:t>directional</a:t>
+            </a:r>
+            <a:r>
+              <a:rPr/>
+              <a:t> </a:t>
+            </a:r>
+            <a:r>
+              <a:rPr/>
+              <a:t>hypotheses</a:t>
+            </a:r>
+            <a:r>
+              <a:rPr/>
+              <a:t> </a:t>
+            </a:r>
+            <a:r>
+              <a:rPr/>
+              <a:t>are</a:t>
+            </a:r>
+            <a:r>
+              <a:rPr/>
+              <a:t> </a:t>
+            </a:r>
+            <a:r>
+              <a:rPr/>
+              <a:t>“</a:t>
+            </a:r>
+            <a:r>
+              <a:rPr/>
+              <a:t>cheating</a:t>
+            </a:r>
+            <a:r>
+              <a:rPr/>
+              <a:t>”</a:t>
+            </a:r>
+            <a:r>
+              <a:rPr/>
+              <a:t>.</a:t>
             </a:r>
           </a:p>
         </p:txBody>
@@ -1046,7 +5140,7 @@
           <a:p>
             <a:fld id="{18BDFEC3-8487-43E8-A154-7C12CBC1FFF2}" type="slidenum">
               <a:rPr lang="en-US"/>
-              <a:t>43</a:t>
+              <a:t>6</a:t>
             </a:fld>
             <a:endParaRPr lang="en-US"/>
           </a:p>
@@ -1101,34 +5195,76 @@
           <a:bodyPr/>
           <a:lstStyle/>
           <a:p>
-            <a:pPr lvl="1"/>
-            <a:r>
-              <a:rPr/>
-              <a:t>Simoni</a:t>
-            </a:r>
-            <a:r>
-              <a:rPr/>
-              <a:t> </a:t>
-            </a:r>
-            <a:r>
-              <a:rPr/>
-              <a:t>et</a:t>
-            </a:r>
-            <a:r>
-              <a:rPr/>
-              <a:t> </a:t>
-            </a:r>
-            <a:r>
-              <a:rPr/>
-              <a:t>al.,</a:t>
-            </a:r>
-            <a:r>
-              <a:rPr/>
-              <a:t> </a:t>
-            </a:r>
-            <a:r>
-              <a:rPr/>
-              <a:t>2006</a:t>
+            <a:pPr lvl="0" marL="0" indent="0">
+              <a:buNone/>
+            </a:pPr>
+            <a:r>
+              <a:rPr/>
+              <a:t>So</a:t>
+            </a:r>
+            <a:r>
+              <a:rPr/>
+              <a:t> </a:t>
+            </a:r>
+            <a:r>
+              <a:rPr/>
+              <a:t>how</a:t>
+            </a:r>
+            <a:r>
+              <a:rPr/>
+              <a:t> </a:t>
+            </a:r>
+            <a:r>
+              <a:rPr/>
+              <a:t>well</a:t>
+            </a:r>
+            <a:r>
+              <a:rPr/>
+              <a:t> </a:t>
+            </a:r>
+            <a:r>
+              <a:rPr/>
+              <a:t>does</a:t>
+            </a:r>
+            <a:r>
+              <a:rPr/>
+              <a:t> </a:t>
+            </a:r>
+            <a:r>
+              <a:rPr/>
+              <a:t>your</a:t>
+            </a:r>
+            <a:r>
+              <a:rPr/>
+              <a:t> </a:t>
+            </a:r>
+            <a:r>
+              <a:rPr/>
+              <a:t>sample</a:t>
+            </a:r>
+            <a:r>
+              <a:rPr/>
+              <a:t> </a:t>
+            </a:r>
+            <a:r>
+              <a:rPr/>
+              <a:t>reflect</a:t>
+            </a:r>
+            <a:r>
+              <a:rPr/>
+              <a:t> </a:t>
+            </a:r>
+            <a:r>
+              <a:rPr/>
+              <a:t>the</a:t>
+            </a:r>
+            <a:r>
+              <a:rPr/>
+              <a:t> </a:t>
+            </a:r>
+            <a:r>
+              <a:rPr/>
+              <a:t>population?</a:t>
             </a:r>
           </a:p>
         </p:txBody>
@@ -1150,7 +5286,7 @@
           <a:p>
             <a:fld id="{18BDFEC3-8487-43E8-A154-7C12CBC1FFF2}" type="slidenum">
               <a:rPr lang="en-US"/>
-              <a:t>46</a:t>
+              <a:t>7</a:t>
             </a:fld>
             <a:endParaRPr lang="en-US"/>
           </a:p>
@@ -1208,31 +5344,251 @@
             <a:pPr lvl="1"/>
             <a:r>
               <a:rPr/>
-              <a:t>Simoni</a:t>
-            </a:r>
-            <a:r>
-              <a:rPr/>
-              <a:t> </a:t>
-            </a:r>
-            <a:r>
-              <a:rPr/>
-              <a:t>et</a:t>
-            </a:r>
-            <a:r>
-              <a:rPr/>
-              <a:t> </a:t>
-            </a:r>
-            <a:r>
-              <a:rPr/>
-              <a:t>al.,</a:t>
-            </a:r>
-            <a:r>
-              <a:rPr/>
-              <a:t> </a:t>
-            </a:r>
-            <a:r>
-              <a:rPr/>
-              <a:t>2006</a:t>
+              <a:t>Example</a:t>
+            </a:r>
+          </a:p>
+          <a:p>
+            <a:pPr lvl="0" marL="0" indent="0">
+              <a:buNone/>
+            </a:pPr>
+          </a:p>
+          <a:p>
+            <a:pPr lvl="0" marL="0" indent="0">
+              <a:buNone/>
+            </a:pPr>
+            <a:r>
+              <a:rPr/>
+              <a:t>Figure</a:t>
+            </a:r>
+            <a:r>
+              <a:rPr/>
+              <a:t> </a:t>
+            </a:r>
+            <a:r>
+              <a:rPr/>
+              <a:t>16.1</a:t>
+            </a:r>
+            <a:r>
+              <a:rPr/>
+              <a:t> </a:t>
+            </a:r>
+            <a:r>
+              <a:rPr/>
+              <a:t>from</a:t>
+            </a:r>
+            <a:r>
+              <a:rPr/>
+              <a:t> </a:t>
+            </a:r>
+            <a:r>
+              <a:rPr/>
+              <a:t>your</a:t>
+            </a:r>
+            <a:r>
+              <a:rPr/>
+              <a:t> </a:t>
+            </a:r>
+            <a:r>
+              <a:rPr/>
+              <a:t>book.</a:t>
+            </a:r>
+          </a:p>
+          <a:p>
+            <a:pPr lvl="0" marL="0" indent="0">
+              <a:buNone/>
+            </a:pPr>
+          </a:p>
+          <a:p>
+            <a:pPr lvl="0" marL="0" indent="0">
+              <a:buNone/>
+            </a:pPr>
+            <a:r>
+              <a:rPr/>
+              <a:t>Flow</a:t>
+            </a:r>
+            <a:r>
+              <a:rPr/>
+              <a:t> </a:t>
+            </a:r>
+            <a:r>
+              <a:rPr/>
+              <a:t>chart</a:t>
+            </a:r>
+            <a:r>
+              <a:rPr/>
+              <a:t> </a:t>
+            </a:r>
+            <a:r>
+              <a:rPr/>
+              <a:t>of</a:t>
+            </a:r>
+            <a:r>
+              <a:rPr/>
+              <a:t> </a:t>
+            </a:r>
+            <a:r>
+              <a:rPr/>
+              <a:t>selecting</a:t>
+            </a:r>
+            <a:r>
+              <a:rPr/>
+              <a:t> </a:t>
+            </a:r>
+            <a:r>
+              <a:rPr/>
+              <a:t>from</a:t>
+            </a:r>
+            <a:r>
+              <a:rPr/>
+              <a:t> </a:t>
+            </a:r>
+            <a:r>
+              <a:rPr/>
+              <a:t>a</a:t>
+            </a:r>
+            <a:r>
+              <a:rPr/>
+              <a:t> </a:t>
+            </a:r>
+            <a:r>
+              <a:rPr/>
+              <a:t>population,</a:t>
+            </a:r>
+            <a:r>
+              <a:rPr/>
+              <a:t> </a:t>
+            </a:r>
+            <a:r>
+              <a:rPr/>
+              <a:t>randomizing</a:t>
+            </a:r>
+            <a:r>
+              <a:rPr/>
+              <a:t> </a:t>
+            </a:r>
+            <a:r>
+              <a:rPr/>
+              <a:t>to</a:t>
+            </a:r>
+            <a:r>
+              <a:rPr/>
+              <a:t> </a:t>
+            </a:r>
+            <a:r>
+              <a:rPr/>
+              <a:t>two</a:t>
+            </a:r>
+            <a:r>
+              <a:rPr/>
+              <a:t> </a:t>
+            </a:r>
+            <a:r>
+              <a:rPr/>
+              <a:t>groups,</a:t>
+            </a:r>
+            <a:r>
+              <a:rPr/>
+              <a:t> </a:t>
+            </a:r>
+            <a:r>
+              <a:rPr/>
+              <a:t>and</a:t>
+            </a:r>
+            <a:r>
+              <a:rPr/>
+              <a:t> </a:t>
+            </a:r>
+            <a:r>
+              <a:rPr/>
+              <a:t>then</a:t>
+            </a:r>
+            <a:r>
+              <a:rPr/>
+              <a:t> </a:t>
+            </a:r>
+            <a:r>
+              <a:rPr/>
+              <a:t>comparing</a:t>
+            </a:r>
+            <a:r>
+              <a:rPr/>
+              <a:t> </a:t>
+            </a:r>
+            <a:r>
+              <a:rPr/>
+              <a:t>the</a:t>
+            </a:r>
+            <a:r>
+              <a:rPr/>
+              <a:t> </a:t>
+            </a:r>
+            <a:r>
+              <a:rPr/>
+              <a:t>results</a:t>
+            </a:r>
+            <a:r>
+              <a:rPr/>
+              <a:t> </a:t>
+            </a:r>
+            <a:r>
+              <a:rPr/>
+              <a:t>in</a:t>
+            </a:r>
+            <a:r>
+              <a:rPr/>
+              <a:t> </a:t>
+            </a:r>
+            <a:r>
+              <a:rPr/>
+              <a:t>each</a:t>
+            </a:r>
+            <a:r>
+              <a:rPr/>
+              <a:t> </a:t>
+            </a:r>
+            <a:r>
+              <a:rPr/>
+              <a:t>group,</a:t>
+            </a:r>
+            <a:r>
+              <a:rPr/>
+              <a:t> </a:t>
+            </a:r>
+            <a:r>
+              <a:rPr/>
+              <a:t>and</a:t>
+            </a:r>
+            <a:r>
+              <a:rPr/>
+              <a:t> </a:t>
+            </a:r>
+            <a:r>
+              <a:rPr/>
+              <a:t>choosing</a:t>
+            </a:r>
+            <a:r>
+              <a:rPr/>
+              <a:t> </a:t>
+            </a:r>
+            <a:r>
+              <a:rPr/>
+              <a:t>between</a:t>
+            </a:r>
+            <a:r>
+              <a:rPr/>
+              <a:t> </a:t>
+            </a:r>
+            <a:r>
+              <a:rPr/>
+              <a:t>two</a:t>
+            </a:r>
+            <a:r>
+              <a:rPr/>
+              <a:t> </a:t>
+            </a:r>
+            <a:r>
+              <a:rPr/>
+              <a:t>hypotheses.</a:t>
             </a:r>
           </a:p>
         </p:txBody>
@@ -1254,7 +5610,931 @@
           <a:p>
             <a:fld id="{18BDFEC3-8487-43E8-A154-7C12CBC1FFF2}" type="slidenum">
               <a:rPr lang="en-US"/>
-              <a:t>47</a:t>
+              <a:t>8</a:t>
+            </a:fld>
+            <a:endParaRPr lang="en-US"/>
+          </a:p>
+        </p:txBody>
+      </p:sp>
+    </p:spTree>
+  </p:cSld>
+</p:notes>
+</file>
+
+<file path=ppt/notesSlides/notesSlide8.xml><?xml version="1.0" encoding="utf-8"?>
+<p:notes xmlns:a="http://schemas.openxmlformats.org/drawingml/2006/main" xmlns:r="http://schemas.openxmlformats.org/officeDocument/2006/relationships" xmlns:p="http://schemas.openxmlformats.org/presentationml/2006/main">
+  <p:cSld>
+    <p:spTree>
+      <p:nvGrpSpPr>
+        <p:cNvPr id="1" name=""/>
+        <p:cNvGrpSpPr/>
+        <p:nvPr/>
+      </p:nvGrpSpPr>
+      <p:grpSpPr>
+        <a:xfrm>
+          <a:off x="0" y="0"/>
+          <a:ext cx="0" cy="0"/>
+          <a:chOff x="0" y="0"/>
+          <a:chExt cx="0" cy="0"/>
+        </a:xfrm>
+      </p:grpSpPr>
+      <p:sp>
+        <p:nvSpPr>
+          <p:cNvPr id="2" name="Slide Image Placeholder 1"/>
+          <p:cNvSpPr>
+            <a:spLocks noGrp="1" noRot="1" noChangeAspect="1"/>
+          </p:cNvSpPr>
+          <p:nvPr>
+            <p:ph type="sldImg"/>
+          </p:nvPr>
+        </p:nvSpPr>
+        <p:spPr/>
+      </p:sp>
+      <p:sp>
+        <p:nvSpPr>
+          <p:cNvPr id="3" name="Notes Placeholder 2"/>
+          <p:cNvSpPr>
+            <a:spLocks noGrp="1"/>
+          </p:cNvSpPr>
+          <p:nvPr>
+            <p:ph type="body" idx="1"/>
+          </p:nvPr>
+        </p:nvSpPr>
+        <p:spPr/>
+        <p:txBody>
+          <a:bodyPr/>
+          <a:lstStyle/>
+          <a:p>
+            <a:pPr lvl="0" marL="0" indent="0">
+              <a:buNone/>
+            </a:pPr>
+            <a:r>
+              <a:rPr/>
+              <a:t>[[This</a:t>
+            </a:r>
+            <a:r>
+              <a:rPr/>
+              <a:t> </a:t>
+            </a:r>
+            <a:r>
+              <a:rPr/>
+              <a:t>is</a:t>
+            </a:r>
+            <a:r>
+              <a:rPr/>
+              <a:t> </a:t>
+            </a:r>
+            <a:r>
+              <a:rPr/>
+              <a:t>a</a:t>
+            </a:r>
+            <a:r>
+              <a:rPr/>
+              <a:t> </a:t>
+            </a:r>
+            <a:r>
+              <a:rPr/>
+              <a:t>re-iteration</a:t>
+            </a:r>
+            <a:r>
+              <a:rPr/>
+              <a:t> </a:t>
+            </a:r>
+            <a:r>
+              <a:rPr/>
+              <a:t>of</a:t>
+            </a:r>
+            <a:r>
+              <a:rPr/>
+              <a:t> </a:t>
+            </a:r>
+            <a:r>
+              <a:rPr/>
+              <a:t>Figure</a:t>
+            </a:r>
+            <a:r>
+              <a:rPr/>
+              <a:t> </a:t>
+            </a:r>
+            <a:r>
+              <a:rPr/>
+              <a:t>16.1]]</a:t>
+            </a:r>
+          </a:p>
+          <a:p>
+            <a:pPr lvl="0" marL="0" indent="0">
+              <a:buNone/>
+            </a:pPr>
+          </a:p>
+          <a:p>
+            <a:pPr lvl="0" marL="0" indent="0">
+              <a:buNone/>
+            </a:pPr>
+            <a:r>
+              <a:rPr/>
+              <a:t>From</a:t>
+            </a:r>
+            <a:r>
+              <a:rPr/>
+              <a:t> </a:t>
+            </a:r>
+            <a:r>
+              <a:rPr/>
+              <a:t>your</a:t>
+            </a:r>
+            <a:r>
+              <a:rPr/>
+              <a:t> </a:t>
+            </a:r>
+            <a:r>
+              <a:rPr/>
+              <a:t>basic</a:t>
+            </a:r>
+            <a:r>
+              <a:rPr/>
+              <a:t> </a:t>
+            </a:r>
+            <a:r>
+              <a:rPr/>
+              <a:t>Statistics</a:t>
+            </a:r>
+            <a:r>
+              <a:rPr/>
+              <a:t> </a:t>
+            </a:r>
+            <a:r>
+              <a:rPr/>
+              <a:t>class,</a:t>
+            </a:r>
+            <a:r>
+              <a:rPr/>
+              <a:t> </a:t>
+            </a:r>
+            <a:r>
+              <a:rPr/>
+              <a:t>you</a:t>
+            </a:r>
+            <a:r>
+              <a:rPr/>
+              <a:t> </a:t>
+            </a:r>
+            <a:r>
+              <a:rPr/>
+              <a:t>may</a:t>
+            </a:r>
+            <a:r>
+              <a:rPr/>
+              <a:t> </a:t>
+            </a:r>
+            <a:r>
+              <a:rPr/>
+              <a:t>recognize</a:t>
+            </a:r>
+            <a:r>
+              <a:rPr/>
+              <a:t> </a:t>
+            </a:r>
+            <a:r>
+              <a:rPr/>
+              <a:t>that</a:t>
+            </a:r>
+            <a:r>
+              <a:rPr/>
+              <a:t> </a:t>
+            </a:r>
+            <a:r>
+              <a:rPr/>
+              <a:t>this</a:t>
+            </a:r>
+            <a:r>
+              <a:rPr/>
+              <a:t> </a:t>
+            </a:r>
+            <a:r>
+              <a:rPr/>
+              <a:t>setting</a:t>
+            </a:r>
+            <a:r>
+              <a:rPr/>
+              <a:t> </a:t>
+            </a:r>
+            <a:r>
+              <a:rPr/>
+              <a:t>would</a:t>
+            </a:r>
+            <a:r>
+              <a:rPr/>
+              <a:t> </a:t>
+            </a:r>
+            <a:r>
+              <a:rPr/>
+              <a:t>require</a:t>
+            </a:r>
+            <a:r>
+              <a:rPr/>
+              <a:t> </a:t>
+            </a:r>
+            <a:r>
+              <a:rPr/>
+              <a:t>a</a:t>
+            </a:r>
+            <a:r>
+              <a:rPr/>
+              <a:t> </a:t>
+            </a:r>
+            <a:r>
+              <a:rPr/>
+              <a:t>two-sample</a:t>
+            </a:r>
+            <a:r>
+              <a:rPr/>
+              <a:t> </a:t>
+            </a:r>
+            <a:r>
+              <a:rPr/>
+              <a:t>t-test.</a:t>
+            </a:r>
+          </a:p>
+          <a:p>
+            <a:pPr lvl="0" marL="0" indent="0">
+              <a:buNone/>
+            </a:pPr>
+          </a:p>
+          <a:p>
+            <a:pPr lvl="0" marL="0" indent="0">
+              <a:buNone/>
+            </a:pPr>
+            <a:r>
+              <a:rPr/>
+              <a:t>[[Knowing</a:t>
+            </a:r>
+            <a:r>
+              <a:rPr/>
+              <a:t> </a:t>
+            </a:r>
+            <a:r>
+              <a:rPr/>
+              <a:t>which</a:t>
+            </a:r>
+            <a:r>
+              <a:rPr/>
+              <a:t> </a:t>
+            </a:r>
+            <a:r>
+              <a:rPr/>
+              <a:t>statistic</a:t>
+            </a:r>
+            <a:r>
+              <a:rPr/>
+              <a:t> </a:t>
+            </a:r>
+            <a:r>
+              <a:rPr/>
+              <a:t>to</a:t>
+            </a:r>
+            <a:r>
+              <a:rPr/>
+              <a:t> </a:t>
+            </a:r>
+            <a:r>
+              <a:rPr/>
+              <a:t>use</a:t>
+            </a:r>
+            <a:r>
+              <a:rPr/>
+              <a:t> </a:t>
+            </a:r>
+            <a:r>
+              <a:rPr/>
+              <a:t>in</a:t>
+            </a:r>
+            <a:r>
+              <a:rPr/>
+              <a:t> </a:t>
+            </a:r>
+            <a:r>
+              <a:rPr/>
+              <a:t>what</a:t>
+            </a:r>
+            <a:r>
+              <a:rPr/>
+              <a:t> </a:t>
+            </a:r>
+            <a:r>
+              <a:rPr/>
+              <a:t>setting</a:t>
+            </a:r>
+            <a:r>
+              <a:rPr/>
+              <a:t> </a:t>
+            </a:r>
+            <a:r>
+              <a:rPr/>
+              <a:t>is</a:t>
+            </a:r>
+            <a:r>
+              <a:rPr/>
+              <a:t> </a:t>
+            </a:r>
+            <a:r>
+              <a:rPr/>
+              <a:t>one</a:t>
+            </a:r>
+            <a:r>
+              <a:rPr/>
+              <a:t> </a:t>
+            </a:r>
+            <a:r>
+              <a:rPr/>
+              <a:t>of</a:t>
+            </a:r>
+            <a:r>
+              <a:rPr/>
+              <a:t> </a:t>
+            </a:r>
+            <a:r>
+              <a:rPr/>
+              <a:t>the</a:t>
+            </a:r>
+            <a:r>
+              <a:rPr/>
+              <a:t> </a:t>
+            </a:r>
+            <a:r>
+              <a:rPr/>
+              <a:t>most</a:t>
+            </a:r>
+            <a:r>
+              <a:rPr/>
+              <a:t> </a:t>
+            </a:r>
+            <a:r>
+              <a:rPr/>
+              <a:t>difficult</a:t>
+            </a:r>
+            <a:r>
+              <a:rPr/>
+              <a:t> </a:t>
+            </a:r>
+            <a:r>
+              <a:rPr/>
+              <a:t>tasks</a:t>
+            </a:r>
+            <a:r>
+              <a:rPr/>
+              <a:t> </a:t>
+            </a:r>
+            <a:r>
+              <a:rPr/>
+              <a:t>that</a:t>
+            </a:r>
+            <a:r>
+              <a:rPr/>
+              <a:t> </a:t>
+            </a:r>
+            <a:r>
+              <a:rPr/>
+              <a:t>you</a:t>
+            </a:r>
+            <a:r>
+              <a:rPr/>
+              <a:t> </a:t>
+            </a:r>
+            <a:r>
+              <a:rPr/>
+              <a:t>will</a:t>
+            </a:r>
+            <a:r>
+              <a:rPr/>
+              <a:t> </a:t>
+            </a:r>
+            <a:r>
+              <a:rPr/>
+              <a:t>encounter.]]</a:t>
+            </a:r>
+          </a:p>
+        </p:txBody>
+      </p:sp>
+      <p:sp>
+        <p:nvSpPr>
+          <p:cNvPr id="4" name="Slide Number Placeholder 3"/>
+          <p:cNvSpPr>
+            <a:spLocks noGrp="1"/>
+          </p:cNvSpPr>
+          <p:nvPr>
+            <p:ph type="sldNum" sz="quarter" idx="10"/>
+          </p:nvPr>
+        </p:nvSpPr>
+        <p:spPr/>
+        <p:txBody>
+          <a:bodyPr/>
+          <a:lstStyle/>
+          <a:p>
+            <a:fld id="{18BDFEC3-8487-43E8-A154-7C12CBC1FFF2}" type="slidenum">
+              <a:rPr lang="en-US"/>
+              <a:t>9</a:t>
+            </a:fld>
+            <a:endParaRPr lang="en-US"/>
+          </a:p>
+        </p:txBody>
+      </p:sp>
+    </p:spTree>
+  </p:cSld>
+</p:notes>
+</file>
+
+<file path=ppt/notesSlides/notesSlide9.xml><?xml version="1.0" encoding="utf-8"?>
+<p:notes xmlns:a="http://schemas.openxmlformats.org/drawingml/2006/main" xmlns:r="http://schemas.openxmlformats.org/officeDocument/2006/relationships" xmlns:p="http://schemas.openxmlformats.org/presentationml/2006/main">
+  <p:cSld>
+    <p:spTree>
+      <p:nvGrpSpPr>
+        <p:cNvPr id="1" name=""/>
+        <p:cNvGrpSpPr/>
+        <p:nvPr/>
+      </p:nvGrpSpPr>
+      <p:grpSpPr>
+        <a:xfrm>
+          <a:off x="0" y="0"/>
+          <a:ext cx="0" cy="0"/>
+          <a:chOff x="0" y="0"/>
+          <a:chExt cx="0" cy="0"/>
+        </a:xfrm>
+      </p:grpSpPr>
+      <p:sp>
+        <p:nvSpPr>
+          <p:cNvPr id="2" name="Slide Image Placeholder 1"/>
+          <p:cNvSpPr>
+            <a:spLocks noGrp="1" noRot="1" noChangeAspect="1"/>
+          </p:cNvSpPr>
+          <p:nvPr>
+            <p:ph type="sldImg"/>
+          </p:nvPr>
+        </p:nvSpPr>
+        <p:spPr/>
+      </p:sp>
+      <p:sp>
+        <p:nvSpPr>
+          <p:cNvPr id="3" name="Notes Placeholder 2"/>
+          <p:cNvSpPr>
+            <a:spLocks noGrp="1"/>
+          </p:cNvSpPr>
+          <p:nvPr>
+            <p:ph type="body" idx="1"/>
+          </p:nvPr>
+        </p:nvSpPr>
+        <p:spPr/>
+        <p:txBody>
+          <a:bodyPr/>
+          <a:lstStyle/>
+          <a:p>
+            <a:pPr lvl="0" marL="0" indent="0">
+              <a:buNone/>
+            </a:pPr>
+            <a:r>
+              <a:rPr/>
+              <a:t>[[If</a:t>
+            </a:r>
+            <a:r>
+              <a:rPr/>
+              <a:t> </a:t>
+            </a:r>
+            <a:r>
+              <a:rPr/>
+              <a:t>a</a:t>
+            </a:r>
+            <a:r>
+              <a:rPr/>
+              <a:t> </a:t>
+            </a:r>
+            <a:r>
+              <a:rPr/>
+              <a:t>particular</a:t>
+            </a:r>
+            <a:r>
+              <a:rPr/>
+              <a:t> </a:t>
+            </a:r>
+            <a:r>
+              <a:rPr/>
+              <a:t>sample</a:t>
+            </a:r>
+            <a:r>
+              <a:rPr/>
+              <a:t> </a:t>
+            </a:r>
+            <a:r>
+              <a:rPr/>
+              <a:t>result</a:t>
+            </a:r>
+            <a:r>
+              <a:rPr/>
+              <a:t> </a:t>
+            </a:r>
+            <a:r>
+              <a:rPr/>
+              <a:t>is</a:t>
+            </a:r>
+            <a:r>
+              <a:rPr/>
+              <a:t> </a:t>
+            </a:r>
+            <a:r>
+              <a:rPr/>
+              <a:t>unlikely</a:t>
+            </a:r>
+            <a:r>
+              <a:rPr/>
+              <a:t> </a:t>
+            </a:r>
+            <a:r>
+              <a:rPr/>
+              <a:t>under</a:t>
+            </a:r>
+            <a:r>
+              <a:rPr/>
+              <a:t> </a:t>
+            </a:r>
+            <a:r>
+              <a:rPr/>
+              <a:t>the</a:t>
+            </a:r>
+            <a:r>
+              <a:rPr/>
+              <a:t> </a:t>
+            </a:r>
+            <a:r>
+              <a:rPr/>
+              <a:t>null</a:t>
+            </a:r>
+            <a:r>
+              <a:rPr/>
+              <a:t> </a:t>
+            </a:r>
+            <a:r>
+              <a:rPr/>
+              <a:t>hypothesis,</a:t>
+            </a:r>
+            <a:r>
+              <a:rPr/>
+              <a:t> </a:t>
+            </a:r>
+            <a:r>
+              <a:rPr/>
+              <a:t>this</a:t>
+            </a:r>
+            <a:r>
+              <a:rPr/>
+              <a:t> </a:t>
+            </a:r>
+            <a:r>
+              <a:rPr/>
+              <a:t>causes</a:t>
+            </a:r>
+            <a:r>
+              <a:rPr/>
+              <a:t> </a:t>
+            </a:r>
+            <a:r>
+              <a:rPr/>
+              <a:t>you</a:t>
+            </a:r>
+            <a:r>
+              <a:rPr/>
+              <a:t> </a:t>
+            </a:r>
+            <a:r>
+              <a:rPr/>
+              <a:t>to</a:t>
+            </a:r>
+            <a:r>
+              <a:rPr/>
+              <a:t> </a:t>
+            </a:r>
+            <a:r>
+              <a:rPr/>
+              <a:t>question</a:t>
+            </a:r>
+            <a:r>
+              <a:rPr/>
+              <a:t> </a:t>
+            </a:r>
+            <a:r>
+              <a:rPr/>
+              <a:t>the</a:t>
+            </a:r>
+            <a:r>
+              <a:rPr/>
+              <a:t> </a:t>
+            </a:r>
+            <a:r>
+              <a:rPr/>
+              <a:t>null</a:t>
+            </a:r>
+            <a:r>
+              <a:rPr/>
+              <a:t> </a:t>
+            </a:r>
+            <a:r>
+              <a:rPr/>
+              <a:t>hypothesis.]]</a:t>
+            </a:r>
+          </a:p>
+          <a:p>
+            <a:pPr lvl="0" marL="0" indent="0">
+              <a:buNone/>
+            </a:pPr>
+          </a:p>
+          <a:p>
+            <a:pPr lvl="0" marL="0" indent="0">
+              <a:buNone/>
+            </a:pPr>
+            <a:r>
+              <a:rPr/>
+              <a:t>Reasons</a:t>
+            </a:r>
+            <a:r>
+              <a:rPr/>
+              <a:t> </a:t>
+            </a:r>
+            <a:r>
+              <a:rPr/>
+              <a:t>why</a:t>
+            </a:r>
+            <a:r>
+              <a:rPr/>
+              <a:t> </a:t>
+            </a:r>
+            <a:r>
+              <a:rPr/>
+              <a:t>you</a:t>
+            </a:r>
+            <a:r>
+              <a:rPr/>
+              <a:t> </a:t>
+            </a:r>
+            <a:r>
+              <a:rPr/>
+              <a:t>failed</a:t>
+            </a:r>
+            <a:r>
+              <a:rPr/>
+              <a:t> </a:t>
+            </a:r>
+            <a:r>
+              <a:rPr/>
+              <a:t>to</a:t>
+            </a:r>
+            <a:r>
+              <a:rPr/>
+              <a:t> </a:t>
+            </a:r>
+            <a:r>
+              <a:rPr/>
+              <a:t>reject</a:t>
+            </a:r>
+            <a:r>
+              <a:rPr/>
+              <a:t> </a:t>
+            </a:r>
+            <a:r>
+              <a:rPr/>
+              <a:t>the</a:t>
+            </a:r>
+            <a:r>
+              <a:rPr/>
+              <a:t> </a:t>
+            </a:r>
+            <a:r>
+              <a:rPr/>
+              <a:t>null</a:t>
+            </a:r>
+            <a:r>
+              <a:rPr/>
+              <a:t> </a:t>
+            </a:r>
+            <a:r>
+              <a:rPr/>
+              <a:t>hypothesis.</a:t>
+            </a:r>
+            <a:r>
+              <a:rPr/>
+              <a:t> </a:t>
+            </a:r>
+            <a:r>
+              <a:rPr/>
+              <a:t>A</a:t>
+            </a:r>
+            <a:r>
+              <a:rPr/>
+              <a:t> </a:t>
+            </a:r>
+            <a:r>
+              <a:rPr/>
+              <a:t>poorly</a:t>
+            </a:r>
+            <a:r>
+              <a:rPr/>
+              <a:t> </a:t>
+            </a:r>
+            <a:r>
+              <a:rPr/>
+              <a:t>implemented</a:t>
+            </a:r>
+            <a:r>
+              <a:rPr/>
+              <a:t> </a:t>
+            </a:r>
+            <a:r>
+              <a:rPr/>
+              <a:t>intervention,</a:t>
+            </a:r>
+            <a:r>
+              <a:rPr/>
+              <a:t> </a:t>
+            </a:r>
+            <a:r>
+              <a:rPr/>
+              <a:t>failure</a:t>
+            </a:r>
+            <a:r>
+              <a:rPr/>
+              <a:t> </a:t>
+            </a:r>
+            <a:r>
+              <a:rPr/>
+              <a:t>to</a:t>
+            </a:r>
+            <a:r>
+              <a:rPr/>
+              <a:t> </a:t>
+            </a:r>
+            <a:r>
+              <a:rPr/>
+              <a:t>use</a:t>
+            </a:r>
+            <a:r>
+              <a:rPr/>
+              <a:t> </a:t>
+            </a:r>
+            <a:r>
+              <a:rPr/>
+              <a:t>valid</a:t>
+            </a:r>
+            <a:r>
+              <a:rPr/>
+              <a:t> </a:t>
+            </a:r>
+            <a:r>
+              <a:rPr/>
+              <a:t>and</a:t>
+            </a:r>
+            <a:r>
+              <a:rPr/>
+              <a:t> </a:t>
+            </a:r>
+            <a:r>
+              <a:rPr/>
+              <a:t>reliabile</a:t>
+            </a:r>
+            <a:r>
+              <a:rPr/>
+              <a:t> </a:t>
+            </a:r>
+            <a:r>
+              <a:rPr/>
+              <a:t>measures,</a:t>
+            </a:r>
+            <a:r>
+              <a:rPr/>
+              <a:t> </a:t>
+            </a:r>
+            <a:r>
+              <a:rPr/>
+              <a:t>quality</a:t>
+            </a:r>
+            <a:r>
+              <a:rPr/>
+              <a:t> </a:t>
+            </a:r>
+            <a:r>
+              <a:rPr/>
+              <a:t>problems</a:t>
+            </a:r>
+            <a:r>
+              <a:rPr/>
+              <a:t> </a:t>
+            </a:r>
+            <a:r>
+              <a:rPr/>
+              <a:t>during</a:t>
+            </a:r>
+            <a:r>
+              <a:rPr/>
+              <a:t> </a:t>
+            </a:r>
+            <a:r>
+              <a:rPr/>
+              <a:t>the</a:t>
+            </a:r>
+            <a:r>
+              <a:rPr/>
+              <a:t> </a:t>
+            </a:r>
+            <a:r>
+              <a:rPr/>
+              <a:t>study.</a:t>
+            </a:r>
+          </a:p>
+          <a:p>
+            <a:pPr lvl="0" marL="0" indent="0">
+              <a:buNone/>
+            </a:pPr>
+          </a:p>
+          <a:p>
+            <a:pPr lvl="0" marL="0" indent="0">
+              <a:buNone/>
+            </a:pPr>
+            <a:r>
+              <a:rPr/>
+              <a:t>Why</a:t>
+            </a:r>
+            <a:r>
+              <a:rPr/>
+              <a:t> </a:t>
+            </a:r>
+            <a:r>
+              <a:rPr/>
+              <a:t>never</a:t>
+            </a:r>
+            <a:r>
+              <a:rPr/>
+              <a:t> </a:t>
+            </a:r>
+            <a:r>
+              <a:rPr/>
+              <a:t>say</a:t>
+            </a:r>
+            <a:r>
+              <a:rPr/>
+              <a:t> </a:t>
+            </a:r>
+            <a:r>
+              <a:rPr/>
+              <a:t>that</a:t>
+            </a:r>
+            <a:r>
+              <a:rPr/>
+              <a:t> </a:t>
+            </a:r>
+            <a:r>
+              <a:rPr/>
+              <a:t>we</a:t>
+            </a:r>
+            <a:r>
+              <a:rPr/>
+              <a:t> </a:t>
+            </a:r>
+            <a:r>
+              <a:rPr/>
+              <a:t>accept</a:t>
+            </a:r>
+            <a:r>
+              <a:rPr/>
+              <a:t> </a:t>
+            </a:r>
+            <a:r>
+              <a:rPr/>
+              <a:t>the</a:t>
+            </a:r>
+            <a:r>
+              <a:rPr/>
+              <a:t> </a:t>
+            </a:r>
+            <a:r>
+              <a:rPr/>
+              <a:t>null.</a:t>
+            </a:r>
+          </a:p>
+        </p:txBody>
+      </p:sp>
+      <p:sp>
+        <p:nvSpPr>
+          <p:cNvPr id="4" name="Slide Number Placeholder 3"/>
+          <p:cNvSpPr>
+            <a:spLocks noGrp="1"/>
+          </p:cNvSpPr>
+          <p:nvPr>
+            <p:ph type="sldNum" sz="quarter" idx="10"/>
+          </p:nvPr>
+        </p:nvSpPr>
+        <p:spPr/>
+        <p:txBody>
+          <a:bodyPr/>
+          <a:lstStyle/>
+          <a:p>
+            <a:fld id="{18BDFEC3-8487-43E8-A154-7C12CBC1FFF2}" type="slidenum">
+              <a:rPr lang="en-US"/>
+              <a:t>10</a:t>
             </a:fld>
             <a:endParaRPr lang="en-US"/>
           </a:p>
@@ -4437,7 +9717,7 @@
             <a:pPr lvl="1"/>
             <a:r>
               <a:rPr/>
-              <a:t>Reject the null &lt;U+F0E8&gt;</a:t>
+              <a:t>Reject the null -&gt;</a:t>
             </a:r>
           </a:p>
           <a:p>
@@ -4451,7 +9731,7 @@
             <a:pPr lvl="1"/>
             <a:r>
               <a:rPr/>
-              <a:t>Fail to reject the null &lt;U+F0E8&gt;</a:t>
+              <a:t>Fail to reject the null -&gt;</a:t>
             </a:r>
           </a:p>
           <a:p>
@@ -4560,15 +9840,6 @@
             <a:r>
               <a:rPr/>
               <a:t>( Portney &amp; Watkins, 2009)</a:t>
-            </a:r>
-          </a:p>
-          <a:p>
-            <a:pPr lvl="0" marL="0" indent="0">
-              <a:buNone/>
-            </a:pPr>
-            <a:r>
-              <a:rPr/>
-              <a:t>.footnote[Statistical testing – possible outcomes]</a:t>
             </a:r>
           </a:p>
         </p:txBody>
@@ -4754,7 +10025,7 @@
           <p:nvPr/>
         </p:nvPicPr>
         <p:blipFill>
-          <a:blip r:embed="rId2"/>
+          <a:blip r:embed="rId3"/>
           <a:stretch>
             <a:fillRect/>
           </a:stretch>
@@ -4799,6 +10070,55 @@
       </p:grpSpPr>
       <p:sp>
         <p:nvSpPr>
+          <p:cNvPr id="2" name="Title 1"/>
+          <p:cNvSpPr>
+            <a:spLocks noGrp="1"/>
+          </p:cNvSpPr>
+          <p:nvPr>
+            <p:ph type="title"/>
+          </p:nvPr>
+        </p:nvSpPr>
+        <p:spPr/>
+        <p:txBody>
+          <a:bodyPr/>
+          <a:lstStyle/>
+          <a:p>
+            <a:pPr lvl="0" marL="0" indent="0">
+              <a:buNone/>
+            </a:pPr>
+            <a:r>
+              <a:rPr/>
+              <a:t>Making</a:t>
+            </a:r>
+            <a:r>
+              <a:rPr/>
+              <a:t> </a:t>
+            </a:r>
+            <a:r>
+              <a:rPr/>
+              <a:t>Inferences</a:t>
+            </a:r>
+            <a:r>
+              <a:rPr/>
+              <a:t> </a:t>
+            </a:r>
+            <a:r>
+              <a:rPr/>
+              <a:t>-</a:t>
+            </a:r>
+            <a:r>
+              <a:rPr/>
+              <a:t> </a:t>
+            </a:r>
+            <a:r>
+              <a:rPr/>
+              <a:t>NHST</a:t>
+            </a:r>
+          </a:p>
+        </p:txBody>
+      </p:sp>
+      <p:sp>
+        <p:nvSpPr>
           <p:cNvPr id="3" name="Content Placeholder 2"/>
           <p:cNvSpPr>
             <a:spLocks noGrp="1"/>
@@ -4815,7 +10135,28 @@
             <a:pPr lvl="1"/>
             <a:r>
               <a:rPr/>
-              <a:t>Statistical testing – possible outcomes</a:t>
+              <a:t>Statistical testing</a:t>
+            </a:r>
+          </a:p>
+          <a:p>
+            <a:pPr lvl="2"/>
+            <a:r>
+              <a:rPr/>
+              <a:t>Fig 16.3 – Directional negative</a:t>
+            </a:r>
+          </a:p>
+          <a:p>
+            <a:pPr lvl="3"/>
+            <a:r>
+              <a:rPr/>
+              <a:t>Example – hypothesize that intervention will result in reduction of symptoms</a:t>
+            </a:r>
+          </a:p>
+          <a:p>
+            <a:pPr lvl="2"/>
+            <a:r>
+              <a:rPr/>
+              <a:t>If you made a directional positive alternative hypothesis …. ?</a:t>
             </a:r>
           </a:p>
         </p:txBody>
@@ -4826,121 +10167,6 @@
 </file>
 
 <file path=ppt/slides/slide15.xml><?xml version="1.0" encoding="utf-8"?>
-<p:sld xmlns:a="http://schemas.openxmlformats.org/drawingml/2006/main" xmlns:r="http://schemas.openxmlformats.org/officeDocument/2006/relationships" xmlns:p="http://schemas.openxmlformats.org/presentationml/2006/main">
-  <p:cSld>
-    <p:spTree>
-      <p:nvGrpSpPr>
-        <p:cNvPr id="1" name=""/>
-        <p:cNvGrpSpPr/>
-        <p:nvPr/>
-      </p:nvGrpSpPr>
-      <p:grpSpPr>
-        <a:xfrm>
-          <a:off x="0" y="0"/>
-          <a:ext cx="0" cy="0"/>
-          <a:chOff x="0" y="0"/>
-          <a:chExt cx="0" cy="0"/>
-        </a:xfrm>
-      </p:grpSpPr>
-      <p:sp>
-        <p:nvSpPr>
-          <p:cNvPr id="2" name="Title 1"/>
-          <p:cNvSpPr>
-            <a:spLocks noGrp="1"/>
-          </p:cNvSpPr>
-          <p:nvPr>
-            <p:ph type="title"/>
-          </p:nvPr>
-        </p:nvSpPr>
-        <p:spPr/>
-        <p:txBody>
-          <a:bodyPr/>
-          <a:lstStyle/>
-          <a:p>
-            <a:pPr lvl="0" marL="0" indent="0">
-              <a:buNone/>
-            </a:pPr>
-            <a:r>
-              <a:rPr/>
-              <a:t>Making</a:t>
-            </a:r>
-            <a:r>
-              <a:rPr/>
-              <a:t> </a:t>
-            </a:r>
-            <a:r>
-              <a:rPr/>
-              <a:t>Inferences</a:t>
-            </a:r>
-            <a:r>
-              <a:rPr/>
-              <a:t> </a:t>
-            </a:r>
-            <a:r>
-              <a:rPr/>
-              <a:t>-</a:t>
-            </a:r>
-            <a:r>
-              <a:rPr/>
-              <a:t> </a:t>
-            </a:r>
-            <a:r>
-              <a:rPr/>
-              <a:t>NHST</a:t>
-            </a:r>
-          </a:p>
-        </p:txBody>
-      </p:sp>
-      <p:sp>
-        <p:nvSpPr>
-          <p:cNvPr id="3" name="Content Placeholder 2"/>
-          <p:cNvSpPr>
-            <a:spLocks noGrp="1"/>
-          </p:cNvSpPr>
-          <p:nvPr>
-            <p:ph idx="1"/>
-          </p:nvPr>
-        </p:nvSpPr>
-        <p:spPr/>
-        <p:txBody>
-          <a:bodyPr/>
-          <a:lstStyle/>
-          <a:p>
-            <a:pPr lvl="1"/>
-            <a:r>
-              <a:rPr/>
-              <a:t>Statistical testing</a:t>
-            </a:r>
-          </a:p>
-          <a:p>
-            <a:pPr lvl="2"/>
-            <a:r>
-              <a:rPr/>
-              <a:t>Fig 16.3 – Directional negative</a:t>
-            </a:r>
-          </a:p>
-          <a:p>
-            <a:pPr lvl="3"/>
-            <a:r>
-              <a:rPr/>
-              <a:t>Example – hypothesize that intervention will result in reduction of symptoms</a:t>
-            </a:r>
-          </a:p>
-          <a:p>
-            <a:pPr lvl="2"/>
-            <a:r>
-              <a:rPr/>
-              <a:t>If you made a directional positive alternative hypothesis …. ?</a:t>
-            </a:r>
-          </a:p>
-        </p:txBody>
-      </p:sp>
-    </p:spTree>
-  </p:cSld>
-</p:sld>
-</file>
-
-<file path=ppt/slides/slide16.xml><?xml version="1.0" encoding="utf-8"?>
 <p:sld xmlns:a="http://schemas.openxmlformats.org/drawingml/2006/main" xmlns:r="http://schemas.openxmlformats.org/officeDocument/2006/relationships" xmlns:p="http://schemas.openxmlformats.org/presentationml/2006/main">
   <p:cSld>
     <p:spTree>
@@ -5041,6 +10267,91 @@
 </p:sld>
 </file>
 
+<file path=ppt/slides/slide16.xml><?xml version="1.0" encoding="utf-8"?>
+<p:sld xmlns:a="http://schemas.openxmlformats.org/drawingml/2006/main" xmlns:r="http://schemas.openxmlformats.org/officeDocument/2006/relationships" xmlns:p="http://schemas.openxmlformats.org/presentationml/2006/main">
+  <p:cSld>
+    <p:spTree>
+      <p:nvGrpSpPr>
+        <p:cNvPr id="1" name=""/>
+        <p:cNvGrpSpPr/>
+        <p:nvPr/>
+      </p:nvGrpSpPr>
+      <p:grpSpPr>
+        <a:xfrm>
+          <a:off x="0" y="0"/>
+          <a:ext cx="0" cy="0"/>
+          <a:chOff x="0" y="0"/>
+          <a:chExt cx="0" cy="0"/>
+        </a:xfrm>
+      </p:grpSpPr>
+      <p:sp>
+        <p:nvSpPr>
+          <p:cNvPr id="2" name="Title 1"/>
+          <p:cNvSpPr>
+            <a:spLocks noGrp="1"/>
+          </p:cNvSpPr>
+          <p:nvPr>
+            <p:ph type="title"/>
+          </p:nvPr>
+        </p:nvSpPr>
+        <p:spPr/>
+        <p:txBody>
+          <a:bodyPr/>
+          <a:lstStyle/>
+          <a:p>
+            <a:pPr lvl="0" marL="0" indent="0">
+              <a:buNone/>
+            </a:pPr>
+            <a:r>
+              <a:rPr/>
+              <a:t>Null</a:t>
+            </a:r>
+            <a:r>
+              <a:rPr/>
+              <a:t> </a:t>
+            </a:r>
+            <a:r>
+              <a:rPr/>
+              <a:t>value</a:t>
+            </a:r>
+          </a:p>
+        </p:txBody>
+      </p:sp>
+      <p:pic>
+        <p:nvPicPr>
+          <p:cNvPr descr="video-12-data-analysis_files/figure-pptx/null-value-1.png" id="0" name="Picture 1"/>
+          <p:cNvPicPr>
+            <a:picLocks noGrp="1" noChangeAspect="1"/>
+          </p:cNvPicPr>
+          <p:nvPr/>
+        </p:nvPicPr>
+        <p:blipFill>
+          <a:blip r:embed="rId2"/>
+          <a:stretch>
+            <a:fillRect/>
+          </a:stretch>
+        </p:blipFill>
+        <p:spPr bwMode="auto">
+          <a:xfrm>
+            <a:off x="1752600" y="1600200"/>
+            <a:ext cx="5651500" cy="4521200"/>
+          </a:xfrm>
+          <a:prstGeom prst="rect">
+            <a:avLst/>
+          </a:prstGeom>
+          <a:noFill/>
+          <a:ln w="9525">
+            <a:noFill/>
+            <a:headEnd/>
+            <a:tailEnd/>
+          </a:ln>
+        </p:spPr>
+      </p:pic>
+    </p:spTree>
+  </p:cSld>
+</p:sld>
+</file>
+
 <file path=ppt/slides/slide17.xml><?xml version="1.0" encoding="utf-8"?>
 <p:sld xmlns:a="http://schemas.openxmlformats.org/drawingml/2006/main" xmlns:r="http://schemas.openxmlformats.org/officeDocument/2006/relationships" xmlns:p="http://schemas.openxmlformats.org/presentationml/2006/main">
   <p:cSld>
@@ -5078,70 +10389,49 @@
             </a:pPr>
             <a:r>
               <a:rPr/>
-              <a:t>Power</a:t>
-            </a:r>
-            <a:r>
-              <a:rPr/>
-              <a:t> </a:t>
-            </a:r>
-            <a:r>
-              <a:rPr/>
-              <a:t>Analysis</a:t>
-            </a:r>
-          </a:p>
-        </p:txBody>
-      </p:sp>
-      <p:sp>
-        <p:nvSpPr>
-          <p:cNvPr id="3" name="Content Placeholder 2"/>
-          <p:cNvSpPr>
-            <a:spLocks noGrp="1"/>
-          </p:cNvSpPr>
-          <p:nvPr>
-            <p:ph idx="1"/>
-          </p:nvPr>
-        </p:nvSpPr>
-        <p:spPr/>
-        <p:txBody>
-          <a:bodyPr/>
-          <a:lstStyle/>
-          <a:p>
-            <a:pPr lvl="1"/>
-            <a:r>
-              <a:rPr/>
-              <a:t>Probability of rejecting a false H 0</a:t>
-            </a:r>
-          </a:p>
-          <a:p>
-            <a:pPr lvl="2"/>
-            <a:r>
-              <a:rPr/>
-              <a:t>This is a GOOD thing!</a:t>
-            </a:r>
-          </a:p>
-          <a:p>
-            <a:pPr lvl="2"/>
-            <a:r>
-              <a:rPr/>
-              <a:t>Want to maximize this (within reasonable limits!)</a:t>
-            </a:r>
-          </a:p>
-          <a:p>
-            <a:pPr lvl="2"/>
-            <a:r>
-              <a:rPr/>
-              <a:t>What is power analysis</a:t>
-            </a:r>
-          </a:p>
-          <a:p>
-            <a:pPr lvl="2"/>
-            <a:r>
-              <a:rPr/>
-              <a:t>“… the probability that his investigation would lead to statistically significant results.”</a:t>
-            </a:r>
-          </a:p>
-        </p:txBody>
-      </p:sp>
+              <a:t>Critical</a:t>
+            </a:r>
+            <a:r>
+              <a:rPr/>
+              <a:t> </a:t>
+            </a:r>
+            <a:r>
+              <a:rPr/>
+              <a:t>value</a:t>
+            </a:r>
+          </a:p>
+        </p:txBody>
+      </p:sp>
+      <p:pic>
+        <p:nvPicPr>
+          <p:cNvPr descr="video-12-data-analysis_files/figure-pptx/critical-value-1.png" id="0" name="Picture 1"/>
+          <p:cNvPicPr>
+            <a:picLocks noGrp="1" noChangeAspect="1"/>
+          </p:cNvPicPr>
+          <p:nvPr/>
+        </p:nvPicPr>
+        <p:blipFill>
+          <a:blip r:embed="rId2"/>
+          <a:stretch>
+            <a:fillRect/>
+          </a:stretch>
+        </p:blipFill>
+        <p:spPr bwMode="auto">
+          <a:xfrm>
+            <a:off x="1752600" y="1600200"/>
+            <a:ext cx="5651500" cy="4521200"/>
+          </a:xfrm>
+          <a:prstGeom prst="rect">
+            <a:avLst/>
+          </a:prstGeom>
+          <a:noFill/>
+          <a:ln w="9525">
+            <a:noFill/>
+            <a:headEnd/>
+            <a:tailEnd/>
+          </a:ln>
+        </p:spPr>
+      </p:pic>
     </p:spTree>
   </p:cSld>
 </p:sld>
@@ -5184,51 +10474,49 @@
             </a:pPr>
             <a:r>
               <a:rPr/>
-              <a:t>Power</a:t>
-            </a:r>
-            <a:r>
-              <a:rPr/>
-              <a:t> </a:t>
-            </a:r>
-            <a:r>
-              <a:rPr/>
-              <a:t>Analysis</a:t>
-            </a:r>
-          </a:p>
-        </p:txBody>
-      </p:sp>
-      <p:sp>
-        <p:nvSpPr>
-          <p:cNvPr id="3" name="Content Placeholder 2"/>
-          <p:cNvSpPr>
-            <a:spLocks noGrp="1"/>
-          </p:cNvSpPr>
-          <p:nvPr>
-            <p:ph idx="1"/>
-          </p:nvPr>
-        </p:nvSpPr>
-        <p:spPr/>
-        <p:txBody>
-          <a:bodyPr/>
-          <a:lstStyle/>
-          <a:p>
-            <a:pPr lvl="1"/>
-            <a:r>
-              <a:rPr/>
-              <a:t>( Portney &amp; Watkins, 2009)</a:t>
-            </a:r>
-          </a:p>
-          <a:p>
-            <a:pPr lvl="0" marL="0" indent="0">
-              <a:buNone/>
-            </a:pPr>
-            <a:r>
-              <a:rPr/>
-              <a:t>.footnote[Power of a study]</a:t>
-            </a:r>
-          </a:p>
-        </p:txBody>
-      </p:sp>
+              <a:t>Alpha</a:t>
+            </a:r>
+            <a:r>
+              <a:rPr/>
+              <a:t> </a:t>
+            </a:r>
+            <a:r>
+              <a:rPr/>
+              <a:t>level</a:t>
+            </a:r>
+          </a:p>
+        </p:txBody>
+      </p:sp>
+      <p:pic>
+        <p:nvPicPr>
+          <p:cNvPr descr="video-12-data-analysis_files/figure-pptx/alpha-level-1.png" id="0" name="Picture 1"/>
+          <p:cNvPicPr>
+            <a:picLocks noGrp="1" noChangeAspect="1"/>
+          </p:cNvPicPr>
+          <p:nvPr/>
+        </p:nvPicPr>
+        <p:blipFill>
+          <a:blip r:embed="rId2"/>
+          <a:stretch>
+            <a:fillRect/>
+          </a:stretch>
+        </p:blipFill>
+        <p:spPr bwMode="auto">
+          <a:xfrm>
+            <a:off x="1752600" y="1600200"/>
+            <a:ext cx="5651500" cy="4521200"/>
+          </a:xfrm>
+          <a:prstGeom prst="rect">
+            <a:avLst/>
+          </a:prstGeom>
+          <a:noFill/>
+          <a:ln w="9525">
+            <a:noFill/>
+            <a:headEnd/>
+            <a:tailEnd/>
+          </a:ln>
+        </p:spPr>
+      </p:pic>
     </p:spTree>
   </p:cSld>
 </p:sld>
@@ -5251,42 +10539,9 @@
           <a:chExt cx="0" cy="0"/>
         </a:xfrm>
       </p:grpSpPr>
-      <p:sp>
-        <p:nvSpPr>
-          <p:cNvPr id="2" name="Title 1"/>
-          <p:cNvSpPr>
-            <a:spLocks noGrp="1"/>
-          </p:cNvSpPr>
-          <p:nvPr>
-            <p:ph type="title"/>
-          </p:nvPr>
-        </p:nvSpPr>
-        <p:spPr/>
-        <p:txBody>
-          <a:bodyPr/>
-          <a:lstStyle/>
-          <a:p>
-            <a:pPr lvl="0" marL="0" indent="0">
-              <a:buNone/>
-            </a:pPr>
-            <a:r>
-              <a:rPr/>
-              <a:t>Power</a:t>
-            </a:r>
-            <a:r>
-              <a:rPr/>
-              <a:t> </a:t>
-            </a:r>
-            <a:r>
-              <a:rPr/>
-              <a:t>Analysis</a:t>
-            </a:r>
-          </a:p>
-        </p:txBody>
-      </p:sp>
       <p:pic>
         <p:nvPicPr>
-          <p:cNvPr descr="../images/image-12-05.png" id="0" name="Picture 1"/>
+          <p:cNvPr descr="video-12-data-analysis_files/figure-pptx/beta-level-1.png" id="0" name="Picture 1"/>
           <p:cNvPicPr>
             <a:picLocks noGrp="1" noChangeAspect="1"/>
           </p:cNvPicPr>
@@ -5300,8 +10555,8 @@
         </p:blipFill>
         <p:spPr bwMode="auto">
           <a:xfrm>
-            <a:off x="1231900" y="1600200"/>
-            <a:ext cx="6680200" cy="4521200"/>
+            <a:off x="1752600" y="1600200"/>
+            <a:ext cx="5651500" cy="4521200"/>
           </a:xfrm>
           <a:prstGeom prst="rect">
             <a:avLst/>
@@ -5436,6 +10691,39 @@
       </p:grpSpPr>
       <p:sp>
         <p:nvSpPr>
+          <p:cNvPr id="2" name="Title 1"/>
+          <p:cNvSpPr>
+            <a:spLocks noGrp="1"/>
+          </p:cNvSpPr>
+          <p:nvPr>
+            <p:ph type="title"/>
+          </p:nvPr>
+        </p:nvSpPr>
+        <p:spPr/>
+        <p:txBody>
+          <a:bodyPr/>
+          <a:lstStyle/>
+          <a:p>
+            <a:pPr lvl="0" marL="0" indent="0">
+              <a:buNone/>
+            </a:pPr>
+            <a:r>
+              <a:rPr/>
+              <a:t>Power</a:t>
+            </a:r>
+            <a:r>
+              <a:rPr/>
+              <a:t> </a:t>
+            </a:r>
+            <a:r>
+              <a:rPr/>
+              <a:t>Analysis</a:t>
+            </a:r>
+          </a:p>
+        </p:txBody>
+      </p:sp>
+      <p:sp>
+        <p:nvSpPr>
           <p:cNvPr id="3" name="Content Placeholder 2"/>
           <p:cNvSpPr>
             <a:spLocks noGrp="1"/>
@@ -5452,7 +10740,35 @@
             <a:pPr lvl="1"/>
             <a:r>
               <a:rPr/>
-              <a:t>Power of a study – probability of rejecting a false null hypothesis</a:t>
+              <a:t>Probability of rejecting a false H 0</a:t>
+            </a:r>
+          </a:p>
+          <a:p>
+            <a:pPr lvl="2"/>
+            <a:r>
+              <a:rPr/>
+              <a:t>This is a GOOD thing!</a:t>
+            </a:r>
+          </a:p>
+          <a:p>
+            <a:pPr lvl="2"/>
+            <a:r>
+              <a:rPr/>
+              <a:t>Want to maximize this (within reasonable limits!)</a:t>
+            </a:r>
+          </a:p>
+          <a:p>
+            <a:pPr lvl="2"/>
+            <a:r>
+              <a:rPr/>
+              <a:t>What is power analysis</a:t>
+            </a:r>
+          </a:p>
+          <a:p>
+            <a:pPr lvl="2"/>
+            <a:r>
+              <a:rPr/>
+              <a:t>“… the probability that his investigation would lead to statistically significant results.”</a:t>
             </a:r>
           </a:p>
         </p:txBody>
@@ -5530,42 +10846,7 @@
             <a:pPr lvl="1"/>
             <a:r>
               <a:rPr/>
-              <a:t>Statistical power analysis concepts (Cohen)</a:t>
-            </a:r>
-          </a:p>
-          <a:p>
-            <a:pPr lvl="2"/>
-            <a:r>
-              <a:rPr/>
-              <a:t>Significance criterion – alpha</a:t>
-            </a:r>
-          </a:p>
-          <a:p>
-            <a:pPr lvl="2"/>
-            <a:r>
-              <a:rPr/>
-              <a:t>Power – desired level</a:t>
-            </a:r>
-          </a:p>
-          <a:p>
-            <a:pPr lvl="2"/>
-            <a:r>
-              <a:rPr/>
-              <a:t>Sample size</a:t>
-            </a:r>
-          </a:p>
-          <a:p>
-            <a:pPr lvl="2"/>
-            <a:r>
-              <a:rPr/>
-              <a:t>Effect size</a:t>
-            </a:r>
-          </a:p>
-          <a:p>
-            <a:pPr lvl="1"/>
-            <a:r>
-              <a:rPr/>
-              <a:t>Power analysis method depends on research design</a:t>
+              <a:t>( Portney &amp; Watkins, 2009)</a:t>
             </a:r>
           </a:p>
         </p:txBody>
@@ -5625,63 +10906,261 @@
           </a:p>
         </p:txBody>
       </p:sp>
-      <p:sp>
-        <p:nvSpPr>
-          <p:cNvPr id="3" name="Content Placeholder 2"/>
-          <p:cNvSpPr>
-            <a:spLocks noGrp="1"/>
-          </p:cNvSpPr>
-          <p:nvPr>
-            <p:ph idx="1"/>
-          </p:nvPr>
-        </p:nvSpPr>
-        <p:spPr/>
-        <p:txBody>
-          <a:bodyPr/>
-          <a:lstStyle/>
-          <a:p>
-            <a:pPr lvl="1"/>
-            <a:r>
-              <a:rPr/>
-              <a:t>Performing a power analysis when planning a study</a:t>
-            </a:r>
-          </a:p>
-          <a:p>
-            <a:pPr lvl="2"/>
-            <a:r>
-              <a:rPr/>
-              <a:t>What is the study design?</a:t>
-            </a:r>
-          </a:p>
-          <a:p>
-            <a:pPr lvl="2"/>
-            <a:r>
-              <a:rPr/>
-              <a:t>What do you already know about the measure you are interested in?</a:t>
-            </a:r>
-          </a:p>
-          <a:p>
-            <a:pPr lvl="2"/>
-            <a:r>
-              <a:rPr/>
-              <a:t>What significance level to you want to use for hypothesis testing?</a:t>
-            </a:r>
-          </a:p>
-          <a:p>
-            <a:pPr lvl="2"/>
-            <a:r>
-              <a:rPr/>
-              <a:t>What level of power do you want to achieve?</a:t>
-            </a:r>
-          </a:p>
-        </p:txBody>
-      </p:sp>
+      <p:pic>
+        <p:nvPicPr>
+          <p:cNvPr descr="../images/image-12-05.png" id="0" name="Picture 1"/>
+          <p:cNvPicPr>
+            <a:picLocks noGrp="1" noChangeAspect="1"/>
+          </p:cNvPicPr>
+          <p:nvPr/>
+        </p:nvPicPr>
+        <p:blipFill>
+          <a:blip r:embed="rId3"/>
+          <a:stretch>
+            <a:fillRect/>
+          </a:stretch>
+        </p:blipFill>
+        <p:spPr bwMode="auto">
+          <a:xfrm>
+            <a:off x="1231900" y="1600200"/>
+            <a:ext cx="6680200" cy="4521200"/>
+          </a:xfrm>
+          <a:prstGeom prst="rect">
+            <a:avLst/>
+          </a:prstGeom>
+          <a:noFill/>
+          <a:ln w="9525">
+            <a:noFill/>
+            <a:headEnd/>
+            <a:tailEnd/>
+          </a:ln>
+        </p:spPr>
+      </p:pic>
     </p:spTree>
   </p:cSld>
 </p:sld>
 </file>
 
 <file path=ppt/slides/slide23.xml><?xml version="1.0" encoding="utf-8"?>
+<p:sld xmlns:a="http://schemas.openxmlformats.org/drawingml/2006/main" xmlns:r="http://schemas.openxmlformats.org/officeDocument/2006/relationships" xmlns:p="http://schemas.openxmlformats.org/presentationml/2006/main">
+  <p:cSld>
+    <p:spTree>
+      <p:nvGrpSpPr>
+        <p:cNvPr id="1" name=""/>
+        <p:cNvGrpSpPr/>
+        <p:nvPr/>
+      </p:nvGrpSpPr>
+      <p:grpSpPr>
+        <a:xfrm>
+          <a:off x="0" y="0"/>
+          <a:ext cx="0" cy="0"/>
+          <a:chOff x="0" y="0"/>
+          <a:chExt cx="0" cy="0"/>
+        </a:xfrm>
+      </p:grpSpPr>
+      <p:sp>
+        <p:nvSpPr>
+          <p:cNvPr id="2" name="Title 1"/>
+          <p:cNvSpPr>
+            <a:spLocks noGrp="1"/>
+          </p:cNvSpPr>
+          <p:nvPr>
+            <p:ph type="title"/>
+          </p:nvPr>
+        </p:nvSpPr>
+        <p:spPr/>
+        <p:txBody>
+          <a:bodyPr/>
+          <a:lstStyle/>
+          <a:p>
+            <a:pPr lvl="0" marL="0" indent="0">
+              <a:buNone/>
+            </a:pPr>
+            <a:r>
+              <a:rPr/>
+              <a:t>Power</a:t>
+            </a:r>
+            <a:r>
+              <a:rPr/>
+              <a:t> </a:t>
+            </a:r>
+            <a:r>
+              <a:rPr/>
+              <a:t>Analysis</a:t>
+            </a:r>
+          </a:p>
+        </p:txBody>
+      </p:sp>
+      <p:sp>
+        <p:nvSpPr>
+          <p:cNvPr id="3" name="Content Placeholder 2"/>
+          <p:cNvSpPr>
+            <a:spLocks noGrp="1"/>
+          </p:cNvSpPr>
+          <p:nvPr>
+            <p:ph idx="1"/>
+          </p:nvPr>
+        </p:nvSpPr>
+        <p:spPr/>
+        <p:txBody>
+          <a:bodyPr/>
+          <a:lstStyle/>
+          <a:p>
+            <a:pPr lvl="1"/>
+            <a:r>
+              <a:rPr/>
+              <a:t>Statistical power analysis concepts (Cohen)</a:t>
+            </a:r>
+          </a:p>
+          <a:p>
+            <a:pPr lvl="2"/>
+            <a:r>
+              <a:rPr/>
+              <a:t>Significance criterion – alpha</a:t>
+            </a:r>
+          </a:p>
+          <a:p>
+            <a:pPr lvl="2"/>
+            <a:r>
+              <a:rPr/>
+              <a:t>Power – desired level</a:t>
+            </a:r>
+          </a:p>
+          <a:p>
+            <a:pPr lvl="2"/>
+            <a:r>
+              <a:rPr/>
+              <a:t>Sample size</a:t>
+            </a:r>
+          </a:p>
+          <a:p>
+            <a:pPr lvl="2"/>
+            <a:r>
+              <a:rPr/>
+              <a:t>Effect size</a:t>
+            </a:r>
+          </a:p>
+          <a:p>
+            <a:pPr lvl="1"/>
+            <a:r>
+              <a:rPr/>
+              <a:t>Power analysis method depends on research design</a:t>
+            </a:r>
+          </a:p>
+        </p:txBody>
+      </p:sp>
+    </p:spTree>
+  </p:cSld>
+</p:sld>
+</file>
+
+<file path=ppt/slides/slide24.xml><?xml version="1.0" encoding="utf-8"?>
+<p:sld xmlns:a="http://schemas.openxmlformats.org/drawingml/2006/main" xmlns:r="http://schemas.openxmlformats.org/officeDocument/2006/relationships" xmlns:p="http://schemas.openxmlformats.org/presentationml/2006/main">
+  <p:cSld>
+    <p:spTree>
+      <p:nvGrpSpPr>
+        <p:cNvPr id="1" name=""/>
+        <p:cNvGrpSpPr/>
+        <p:nvPr/>
+      </p:nvGrpSpPr>
+      <p:grpSpPr>
+        <a:xfrm>
+          <a:off x="0" y="0"/>
+          <a:ext cx="0" cy="0"/>
+          <a:chOff x="0" y="0"/>
+          <a:chExt cx="0" cy="0"/>
+        </a:xfrm>
+      </p:grpSpPr>
+      <p:sp>
+        <p:nvSpPr>
+          <p:cNvPr id="2" name="Title 1"/>
+          <p:cNvSpPr>
+            <a:spLocks noGrp="1"/>
+          </p:cNvSpPr>
+          <p:nvPr>
+            <p:ph type="title"/>
+          </p:nvPr>
+        </p:nvSpPr>
+        <p:spPr/>
+        <p:txBody>
+          <a:bodyPr/>
+          <a:lstStyle/>
+          <a:p>
+            <a:pPr lvl="0" marL="0" indent="0">
+              <a:buNone/>
+            </a:pPr>
+            <a:r>
+              <a:rPr/>
+              <a:t>Power</a:t>
+            </a:r>
+            <a:r>
+              <a:rPr/>
+              <a:t> </a:t>
+            </a:r>
+            <a:r>
+              <a:rPr/>
+              <a:t>Analysis</a:t>
+            </a:r>
+          </a:p>
+        </p:txBody>
+      </p:sp>
+      <p:sp>
+        <p:nvSpPr>
+          <p:cNvPr id="3" name="Content Placeholder 2"/>
+          <p:cNvSpPr>
+            <a:spLocks noGrp="1"/>
+          </p:cNvSpPr>
+          <p:nvPr>
+            <p:ph idx="1"/>
+          </p:nvPr>
+        </p:nvSpPr>
+        <p:spPr/>
+        <p:txBody>
+          <a:bodyPr/>
+          <a:lstStyle/>
+          <a:p>
+            <a:pPr lvl="1"/>
+            <a:r>
+              <a:rPr/>
+              <a:t>Performing a power analysis when planning a study</a:t>
+            </a:r>
+          </a:p>
+          <a:p>
+            <a:pPr lvl="2"/>
+            <a:r>
+              <a:rPr/>
+              <a:t>What is the study design?</a:t>
+            </a:r>
+          </a:p>
+          <a:p>
+            <a:pPr lvl="2"/>
+            <a:r>
+              <a:rPr/>
+              <a:t>What do you already know about the measure you are interested in?</a:t>
+            </a:r>
+          </a:p>
+          <a:p>
+            <a:pPr lvl="2"/>
+            <a:r>
+              <a:rPr/>
+              <a:t>What significance level to you want to use for hypothesis testing?</a:t>
+            </a:r>
+          </a:p>
+          <a:p>
+            <a:pPr lvl="2"/>
+            <a:r>
+              <a:rPr/>
+              <a:t>What level of power do you want to achieve?</a:t>
+            </a:r>
+          </a:p>
+        </p:txBody>
+      </p:sp>
+    </p:spTree>
+  </p:cSld>
+</p:sld>
+</file>
+
+<file path=ppt/slides/slide25.xml><?xml version="1.0" encoding="utf-8"?>
 <p:sld xmlns:a="http://schemas.openxmlformats.org/drawingml/2006/main" xmlns:r="http://schemas.openxmlformats.org/officeDocument/2006/relationships" xmlns:p="http://schemas.openxmlformats.org/presentationml/2006/main">
   <p:cSld>
     <p:spTree>
@@ -5766,7 +11245,7 @@
 </p:sld>
 </file>
 
-<file path=ppt/slides/slide24.xml><?xml version="1.0" encoding="utf-8"?>
+<file path=ppt/slides/slide26.xml><?xml version="1.0" encoding="utf-8"?>
 <p:sld xmlns:a="http://schemas.openxmlformats.org/drawingml/2006/main" xmlns:r="http://schemas.openxmlformats.org/officeDocument/2006/relationships" xmlns:p="http://schemas.openxmlformats.org/presentationml/2006/main">
   <p:cSld>
     <p:spTree>
@@ -5886,7 +11365,7 @@
 </p:sld>
 </file>
 
-<file path=ppt/slides/slide25.xml><?xml version="1.0" encoding="utf-8"?>
+<file path=ppt/slides/slide27.xml><?xml version="1.0" encoding="utf-8"?>
 <p:sld xmlns:a="http://schemas.openxmlformats.org/drawingml/2006/main" xmlns:r="http://schemas.openxmlformats.org/officeDocument/2006/relationships" xmlns:p="http://schemas.openxmlformats.org/presentationml/2006/main">
   <p:cSld>
     <p:spTree>
@@ -5971,7 +11450,7 @@
 </p:sld>
 </file>
 
-<file path=ppt/slides/slide26.xml><?xml version="1.0" encoding="utf-8"?>
+<file path=ppt/slides/slide28.xml><?xml version="1.0" encoding="utf-8"?>
 <p:sld xmlns:a="http://schemas.openxmlformats.org/drawingml/2006/main" xmlns:r="http://schemas.openxmlformats.org/officeDocument/2006/relationships" xmlns:p="http://schemas.openxmlformats.org/presentationml/2006/main">
   <p:cSld>
     <p:spTree>
@@ -6056,240 +11535,6 @@
 </p:sld>
 </file>
 
-<file path=ppt/slides/slide27.xml><?xml version="1.0" encoding="utf-8"?>
-<p:sld xmlns:a="http://schemas.openxmlformats.org/drawingml/2006/main" xmlns:r="http://schemas.openxmlformats.org/officeDocument/2006/relationships" xmlns:p="http://schemas.openxmlformats.org/presentationml/2006/main">
-  <p:cSld>
-    <p:spTree>
-      <p:nvGrpSpPr>
-        <p:cNvPr id="1" name=""/>
-        <p:cNvGrpSpPr/>
-        <p:nvPr/>
-      </p:nvGrpSpPr>
-      <p:grpSpPr>
-        <a:xfrm>
-          <a:off x="0" y="0"/>
-          <a:ext cx="0" cy="0"/>
-          <a:chOff x="0" y="0"/>
-          <a:chExt cx="0" cy="0"/>
-        </a:xfrm>
-      </p:grpSpPr>
-      <p:sp>
-        <p:nvSpPr>
-          <p:cNvPr id="2" name="Title 1"/>
-          <p:cNvSpPr>
-            <a:spLocks noGrp="1"/>
-          </p:cNvSpPr>
-          <p:nvPr>
-            <p:ph type="title"/>
-          </p:nvPr>
-        </p:nvSpPr>
-        <p:spPr/>
-        <p:txBody>
-          <a:bodyPr/>
-          <a:lstStyle/>
-          <a:p>
-            <a:pPr lvl="0" marL="0" indent="0">
-              <a:buNone/>
-            </a:pPr>
-            <a:r>
-              <a:rPr/>
-              <a:t>Problems</a:t>
-            </a:r>
-            <a:r>
-              <a:rPr/>
-              <a:t> </a:t>
-            </a:r>
-            <a:r>
-              <a:rPr/>
-              <a:t>with</a:t>
-            </a:r>
-            <a:r>
-              <a:rPr/>
-              <a:t> </a:t>
-            </a:r>
-            <a:r>
-              <a:rPr/>
-              <a:t>NHST</a:t>
-            </a:r>
-          </a:p>
-        </p:txBody>
-      </p:sp>
-      <p:sp>
-        <p:nvSpPr>
-          <p:cNvPr id="3" name="Content Placeholder 2"/>
-          <p:cNvSpPr>
-            <a:spLocks noGrp="1"/>
-          </p:cNvSpPr>
-          <p:nvPr>
-            <p:ph idx="1"/>
-          </p:nvPr>
-        </p:nvSpPr>
-        <p:spPr/>
-        <p:txBody>
-          <a:bodyPr/>
-          <a:lstStyle/>
-          <a:p>
-            <a:pPr lvl="1"/>
-            <a:r>
-              <a:rPr/>
-              <a:t>Knowledge based on outcome of single study</a:t>
-            </a:r>
-          </a:p>
-          <a:p>
-            <a:pPr lvl="1"/>
-            <a:r>
-              <a:rPr/>
-              <a:t>Interpretation of statistical significance</a:t>
-            </a:r>
-          </a:p>
-          <a:p>
-            <a:pPr lvl="1"/>
-            <a:r>
-              <a:rPr/>
-              <a:t>Complications</a:t>
-            </a:r>
-          </a:p>
-          <a:p>
-            <a:pPr lvl="2"/>
-            <a:r>
-              <a:rPr/>
-              <a:t>H 0 is rarely true – in a strict sense</a:t>
-            </a:r>
-          </a:p>
-          <a:p>
-            <a:pPr lvl="2"/>
-            <a:r>
-              <a:rPr/>
-              <a:t>Too large of a sample size – hard NOT to get statistical significance</a:t>
-            </a:r>
-          </a:p>
-          <a:p>
-            <a:pPr lvl="2"/>
-            <a:r>
-              <a:rPr/>
-              <a:t>Significance testing as a dichotomous decision</a:t>
-            </a:r>
-          </a:p>
-          <a:p>
-            <a:pPr lvl="2"/>
-            <a:r>
-              <a:rPr/>
-              <a:t>Interpretation of changes in the p value</a:t>
-            </a:r>
-          </a:p>
-          <a:p>
-            <a:pPr lvl="2"/>
-            <a:r>
-              <a:rPr/>
-              <a:t>Statistical significant versus clinical/ substative meaningfulness</a:t>
-            </a:r>
-          </a:p>
-        </p:txBody>
-      </p:sp>
-    </p:spTree>
-  </p:cSld>
-</p:sld>
-</file>
-
-<file path=ppt/slides/slide28.xml><?xml version="1.0" encoding="utf-8"?>
-<p:sld xmlns:a="http://schemas.openxmlformats.org/drawingml/2006/main" xmlns:r="http://schemas.openxmlformats.org/officeDocument/2006/relationships" xmlns:p="http://schemas.openxmlformats.org/presentationml/2006/main">
-  <p:cSld>
-    <p:spTree>
-      <p:nvGrpSpPr>
-        <p:cNvPr id="1" name=""/>
-        <p:cNvGrpSpPr/>
-        <p:nvPr/>
-      </p:nvGrpSpPr>
-      <p:grpSpPr>
-        <a:xfrm>
-          <a:off x="0" y="0"/>
-          <a:ext cx="0" cy="0"/>
-          <a:chOff x="0" y="0"/>
-          <a:chExt cx="0" cy="0"/>
-        </a:xfrm>
-      </p:grpSpPr>
-      <p:sp>
-        <p:nvSpPr>
-          <p:cNvPr id="2" name="Title 1"/>
-          <p:cNvSpPr>
-            <a:spLocks noGrp="1"/>
-          </p:cNvSpPr>
-          <p:nvPr>
-            <p:ph type="title"/>
-          </p:nvPr>
-        </p:nvSpPr>
-        <p:spPr/>
-        <p:txBody>
-          <a:bodyPr/>
-          <a:lstStyle/>
-          <a:p>
-            <a:pPr lvl="0" marL="0" indent="0">
-              <a:buNone/>
-            </a:pPr>
-            <a:r>
-              <a:rPr/>
-              <a:t>Improving</a:t>
-            </a:r>
-            <a:r>
-              <a:rPr/>
-              <a:t> </a:t>
-            </a:r>
-            <a:r>
-              <a:rPr/>
-              <a:t>NHST</a:t>
-            </a:r>
-          </a:p>
-        </p:txBody>
-      </p:sp>
-      <p:sp>
-        <p:nvSpPr>
-          <p:cNvPr id="3" name="Content Placeholder 2"/>
-          <p:cNvSpPr>
-            <a:spLocks noGrp="1"/>
-          </p:cNvSpPr>
-          <p:nvPr>
-            <p:ph idx="1"/>
-          </p:nvPr>
-        </p:nvSpPr>
-        <p:spPr/>
-        <p:txBody>
-          <a:bodyPr/>
-          <a:lstStyle/>
-          <a:p>
-            <a:pPr lvl="1"/>
-            <a:r>
-              <a:rPr/>
-              <a:t>Propose specific alternative hypotheses</a:t>
-            </a:r>
-          </a:p>
-          <a:p>
-            <a:pPr lvl="1"/>
-            <a:r>
-              <a:rPr/>
-              <a:t>Use a random sample if possible</a:t>
-            </a:r>
-          </a:p>
-          <a:p>
-            <a:pPr lvl="1"/>
-            <a:r>
-              <a:rPr/>
-              <a:t>Use an outcome variable that has good reliability and validity</a:t>
-            </a:r>
-          </a:p>
-          <a:p>
-            <a:pPr lvl="1"/>
-            <a:r>
-              <a:rPr/>
-              <a:t>Have a good idea of the level of difference that will be clinically important</a:t>
-            </a:r>
-          </a:p>
-        </p:txBody>
-      </p:sp>
-    </p:spTree>
-  </p:cSld>
-</p:sld>
-</file>
-
 <file path=ppt/slides/slide29.xml><?xml version="1.0" encoding="utf-8"?>
 <p:sld xmlns:a="http://schemas.openxmlformats.org/drawingml/2006/main" xmlns:r="http://schemas.openxmlformats.org/officeDocument/2006/relationships" xmlns:p="http://schemas.openxmlformats.org/presentationml/2006/main">
   <p:cSld>
@@ -6327,31 +11572,23 @@
             </a:pPr>
             <a:r>
               <a:rPr/>
-              <a:t>Making</a:t>
-            </a:r>
-            <a:r>
-              <a:rPr/>
-              <a:t> </a:t>
-            </a:r>
-            <a:r>
-              <a:rPr/>
-              <a:t>Inferences</a:t>
-            </a:r>
-            <a:r>
-              <a:rPr/>
-              <a:t> </a:t>
-            </a:r>
-            <a:r>
-              <a:rPr/>
-              <a:t>-</a:t>
-            </a:r>
-            <a:r>
-              <a:rPr/>
-              <a:t> </a:t>
-            </a:r>
-            <a:r>
-              <a:rPr/>
-              <a:t>EBA</a:t>
+              <a:t>Problems</a:t>
+            </a:r>
+            <a:r>
+              <a:rPr/>
+              <a:t> </a:t>
+            </a:r>
+            <a:r>
+              <a:rPr/>
+              <a:t>with</a:t>
+            </a:r>
+            <a:r>
+              <a:rPr/>
+              <a:t> </a:t>
+            </a:r>
+            <a:r>
+              <a:rPr/>
+              <a:t>NHST</a:t>
             </a:r>
           </a:p>
         </p:txBody>
@@ -6374,56 +11611,56 @@
             <a:pPr lvl="1"/>
             <a:r>
               <a:rPr/>
-              <a:t>EBA – Evidence-Based Approach</a:t>
+              <a:t>Knowledge based on outcome of single study</a:t>
+            </a:r>
+          </a:p>
+          <a:p>
+            <a:pPr lvl="1"/>
+            <a:r>
+              <a:rPr/>
+              <a:t>Interpretation of statistical significance</a:t>
+            </a:r>
+          </a:p>
+          <a:p>
+            <a:pPr lvl="1"/>
+            <a:r>
+              <a:rPr/>
+              <a:t>Complications</a:t>
             </a:r>
           </a:p>
           <a:p>
             <a:pPr lvl="2"/>
             <a:r>
               <a:rPr/>
-              <a:t>Reliability of findings</a:t>
+              <a:t>H 0 is rarely true – in a strict sense</a:t>
             </a:r>
           </a:p>
           <a:p>
             <a:pPr lvl="2"/>
             <a:r>
               <a:rPr/>
-              <a:t>Accumulation of evidence</a:t>
-            </a:r>
-          </a:p>
-          <a:p>
-            <a:pPr lvl="1"/>
-            <a:r>
-              <a:rPr/>
-              <a:t>Premise – “… a single study is not sufficient to use as evidence to substantiate a hypothesis or theory.”</a:t>
-            </a:r>
-          </a:p>
-          <a:p>
-            <a:pPr lvl="1"/>
-            <a:r>
-              <a:rPr/>
-              <a:t>Methods</a:t>
+              <a:t>Too large of a sample size – hard NOT to get statistical significance</a:t>
             </a:r>
           </a:p>
           <a:p>
             <a:pPr lvl="2"/>
             <a:r>
               <a:rPr/>
-              <a:t>Confidence intervals</a:t>
+              <a:t>Significance testing as a dichotomous decision</a:t>
             </a:r>
           </a:p>
           <a:p>
             <a:pPr lvl="2"/>
             <a:r>
               <a:rPr/>
-              <a:t>Effect sizes</a:t>
+              <a:t>Interpretation of changes in the p value</a:t>
             </a:r>
           </a:p>
           <a:p>
             <a:pPr lvl="2"/>
             <a:r>
               <a:rPr/>
-              <a:t>Meta-analysis</a:t>
+              <a:t>Statistical significant versus clinical/ substative meaningfulness</a:t>
             </a:r>
           </a:p>
         </p:txBody>
@@ -6559,31 +11796,15 @@
             </a:pPr>
             <a:r>
               <a:rPr/>
-              <a:t>Making</a:t>
-            </a:r>
-            <a:r>
-              <a:rPr/>
-              <a:t> </a:t>
-            </a:r>
-            <a:r>
-              <a:rPr/>
-              <a:t>Inferences</a:t>
-            </a:r>
-            <a:r>
-              <a:rPr/>
-              <a:t> </a:t>
-            </a:r>
-            <a:r>
-              <a:rPr/>
-              <a:t>-</a:t>
-            </a:r>
-            <a:r>
-              <a:rPr/>
-              <a:t> </a:t>
-            </a:r>
-            <a:r>
-              <a:rPr/>
-              <a:t>EBA</a:t>
+              <a:t>Improving</a:t>
+            </a:r>
+            <a:r>
+              <a:rPr/>
+              <a:t> </a:t>
+            </a:r>
+            <a:r>
+              <a:rPr/>
+              <a:t>NHST</a:t>
             </a:r>
           </a:p>
         </p:txBody>
@@ -6606,43 +11827,28 @@
             <a:pPr lvl="1"/>
             <a:r>
               <a:rPr/>
-              <a:t>Confidence Intervals (CI)</a:t>
-            </a:r>
-          </a:p>
-          <a:p>
-            <a:pPr lvl="2"/>
-            <a:r>
-              <a:rPr/>
-              <a:t>Range of scores that should contain the true population score</a:t>
+              <a:t>Propose specific alternative hypotheses</a:t>
             </a:r>
           </a:p>
           <a:p>
             <a:pPr lvl="1"/>
             <a:r>
               <a:rPr/>
-              <a:t>CI &lt;U+F0E8&gt; An interval around the point estimate</a:t>
+              <a:t>Use a random sample if possible</a:t>
             </a:r>
           </a:p>
           <a:p>
             <a:pPr lvl="1"/>
             <a:r>
               <a:rPr/>
-              <a:t>CI &lt;U+F0E8&gt; “… range of the dependent variable scores that </a:t>
-            </a:r>
-            <a:r>
-              <a:rPr i="1"/>
-              <a:t>should contain the true population difference between means</a:t>
-            </a:r>
-            <a:r>
-              <a:rPr/>
-              <a:t> .”</a:t>
+              <a:t>Use an outcome variable that has good reliability and validity</a:t>
             </a:r>
           </a:p>
           <a:p>
             <a:pPr lvl="1"/>
             <a:r>
               <a:rPr/>
-              <a:t>CI computed using sample mean and standard deviation</a:t>
+              <a:t>Have a good idea of the level of difference that will be clinically important</a:t>
             </a:r>
           </a:p>
         </p:txBody>
@@ -6736,43 +11942,56 @@
             <a:pPr lvl="1"/>
             <a:r>
               <a:rPr/>
-              <a:t>Interpretation of CI –</a:t>
+              <a:t>EBA – Evidence-Based Approach</a:t>
             </a:r>
           </a:p>
           <a:p>
             <a:pPr lvl="2"/>
             <a:r>
               <a:rPr/>
-              <a:t>95% CI most common</a:t>
+              <a:t>Reliability of findings</a:t>
             </a:r>
           </a:p>
           <a:p>
             <a:pPr lvl="2"/>
             <a:r>
               <a:rPr/>
-              <a:t>95% CI – with infinite studies and computed CI, the true population difference would be found within 95% of the intervals</a:t>
+              <a:t>Accumulation of evidence</a:t>
+            </a:r>
+          </a:p>
+          <a:p>
+            <a:pPr lvl="1"/>
+            <a:r>
+              <a:rPr/>
+              <a:t>Premise – “… a single study is not sufficient to use as evidence to substantiate a hypothesis or theory.”</a:t>
+            </a:r>
+          </a:p>
+          <a:p>
+            <a:pPr lvl="1"/>
+            <a:r>
+              <a:rPr/>
+              <a:t>Methods</a:t>
             </a:r>
           </a:p>
           <a:p>
             <a:pPr lvl="2"/>
             <a:r>
               <a:rPr/>
-              <a:t>NOT – .95 probability that true population difference is within the CI computed from our single study</a:t>
+              <a:t>Confidence intervals</a:t>
             </a:r>
           </a:p>
           <a:p>
             <a:pPr lvl="2"/>
             <a:r>
               <a:rPr/>
-              <a:t>Option – 95% CI for a given study “… </a:t>
-            </a:r>
-            <a:r>
-              <a:rPr i="1"/>
-              <a:t>estimates</a:t>
-            </a:r>
-            <a:r>
-              <a:rPr/>
-              <a:t> the population mean difference with 95% confidence.”</a:t>
+              <a:t>Effect sizes</a:t>
+            </a:r>
+          </a:p>
+          <a:p>
+            <a:pPr lvl="2"/>
+            <a:r>
+              <a:rPr/>
+              <a:t>Meta-analysis</a:t>
             </a:r>
           </a:p>
         </p:txBody>
@@ -6866,21 +12085,43 @@
             <a:pPr lvl="1"/>
             <a:r>
               <a:rPr/>
-              <a:t>Why compute and report CI?</a:t>
+              <a:t>Confidence Intervals (CI)</a:t>
             </a:r>
           </a:p>
           <a:p>
             <a:pPr lvl="2"/>
             <a:r>
               <a:rPr/>
-              <a:t>Part of philosophy to encourage replication</a:t>
-            </a:r>
-          </a:p>
-          <a:p>
-            <a:pPr lvl="2"/>
-            <a:r>
-              <a:rPr/>
-              <a:t>Size of interval – “… how much of the estimate might be due to sampling error.”</a:t>
+              <a:t>Range of scores that should contain the true population score</a:t>
+            </a:r>
+          </a:p>
+          <a:p>
+            <a:pPr lvl="1"/>
+            <a:r>
+              <a:rPr/>
+              <a:t>CI &lt;U+F0E8&gt; An interval around the point estimate</a:t>
+            </a:r>
+          </a:p>
+          <a:p>
+            <a:pPr lvl="1"/>
+            <a:r>
+              <a:rPr/>
+              <a:t>CI &lt;U+F0E8&gt; “… range of the dependent variable scores that </a:t>
+            </a:r>
+            <a:r>
+              <a:rPr i="1"/>
+              <a:t>should contain the true population difference between means</a:t>
+            </a:r>
+            <a:r>
+              <a:rPr/>
+              <a:t> .”</a:t>
+            </a:r>
+          </a:p>
+          <a:p>
+            <a:pPr lvl="1"/>
+            <a:r>
+              <a:rPr/>
+              <a:t>CI computed using sample mean and standard deviation</a:t>
             </a:r>
           </a:p>
         </p:txBody>
@@ -6956,6 +12197,244 @@
           </a:p>
         </p:txBody>
       </p:sp>
+      <p:sp>
+        <p:nvSpPr>
+          <p:cNvPr id="3" name="Content Placeholder 2"/>
+          <p:cNvSpPr>
+            <a:spLocks noGrp="1"/>
+          </p:cNvSpPr>
+          <p:nvPr>
+            <p:ph idx="1"/>
+          </p:nvPr>
+        </p:nvSpPr>
+        <p:spPr/>
+        <p:txBody>
+          <a:bodyPr/>
+          <a:lstStyle/>
+          <a:p>
+            <a:pPr lvl="1"/>
+            <a:r>
+              <a:rPr/>
+              <a:t>Interpretation of CI –</a:t>
+            </a:r>
+          </a:p>
+          <a:p>
+            <a:pPr lvl="2"/>
+            <a:r>
+              <a:rPr/>
+              <a:t>95% CI most common</a:t>
+            </a:r>
+          </a:p>
+          <a:p>
+            <a:pPr lvl="2"/>
+            <a:r>
+              <a:rPr/>
+              <a:t>95% CI – with infinite studies and computed CI, the true population difference would be found within 95% of the intervals</a:t>
+            </a:r>
+          </a:p>
+          <a:p>
+            <a:pPr lvl="2"/>
+            <a:r>
+              <a:rPr/>
+              <a:t>NOT – .95 probability that true population difference is within the CI computed from our single study</a:t>
+            </a:r>
+          </a:p>
+          <a:p>
+            <a:pPr lvl="2"/>
+            <a:r>
+              <a:rPr/>
+              <a:t>Option – 95% CI for a given study “… </a:t>
+            </a:r>
+            <a:r>
+              <a:rPr i="1"/>
+              <a:t>estimates</a:t>
+            </a:r>
+            <a:r>
+              <a:rPr/>
+              <a:t> the population mean difference with 95% confidence.”</a:t>
+            </a:r>
+          </a:p>
+        </p:txBody>
+      </p:sp>
+    </p:spTree>
+  </p:cSld>
+</p:sld>
+</file>
+
+<file path=ppt/slides/slide34.xml><?xml version="1.0" encoding="utf-8"?>
+<p:sld xmlns:a="http://schemas.openxmlformats.org/drawingml/2006/main" xmlns:r="http://schemas.openxmlformats.org/officeDocument/2006/relationships" xmlns:p="http://schemas.openxmlformats.org/presentationml/2006/main">
+  <p:cSld>
+    <p:spTree>
+      <p:nvGrpSpPr>
+        <p:cNvPr id="1" name=""/>
+        <p:cNvGrpSpPr/>
+        <p:nvPr/>
+      </p:nvGrpSpPr>
+      <p:grpSpPr>
+        <a:xfrm>
+          <a:off x="0" y="0"/>
+          <a:ext cx="0" cy="0"/>
+          <a:chOff x="0" y="0"/>
+          <a:chExt cx="0" cy="0"/>
+        </a:xfrm>
+      </p:grpSpPr>
+      <p:sp>
+        <p:nvSpPr>
+          <p:cNvPr id="2" name="Title 1"/>
+          <p:cNvSpPr>
+            <a:spLocks noGrp="1"/>
+          </p:cNvSpPr>
+          <p:nvPr>
+            <p:ph type="title"/>
+          </p:nvPr>
+        </p:nvSpPr>
+        <p:spPr/>
+        <p:txBody>
+          <a:bodyPr/>
+          <a:lstStyle/>
+          <a:p>
+            <a:pPr lvl="0" marL="0" indent="0">
+              <a:buNone/>
+            </a:pPr>
+            <a:r>
+              <a:rPr/>
+              <a:t>Making</a:t>
+            </a:r>
+            <a:r>
+              <a:rPr/>
+              <a:t> </a:t>
+            </a:r>
+            <a:r>
+              <a:rPr/>
+              <a:t>Inferences</a:t>
+            </a:r>
+            <a:r>
+              <a:rPr/>
+              <a:t> </a:t>
+            </a:r>
+            <a:r>
+              <a:rPr/>
+              <a:t>-</a:t>
+            </a:r>
+            <a:r>
+              <a:rPr/>
+              <a:t> </a:t>
+            </a:r>
+            <a:r>
+              <a:rPr/>
+              <a:t>EBA</a:t>
+            </a:r>
+          </a:p>
+        </p:txBody>
+      </p:sp>
+      <p:sp>
+        <p:nvSpPr>
+          <p:cNvPr id="3" name="Content Placeholder 2"/>
+          <p:cNvSpPr>
+            <a:spLocks noGrp="1"/>
+          </p:cNvSpPr>
+          <p:nvPr>
+            <p:ph idx="1"/>
+          </p:nvPr>
+        </p:nvSpPr>
+        <p:spPr/>
+        <p:txBody>
+          <a:bodyPr/>
+          <a:lstStyle/>
+          <a:p>
+            <a:pPr lvl="1"/>
+            <a:r>
+              <a:rPr/>
+              <a:t>Why compute and report CI?</a:t>
+            </a:r>
+          </a:p>
+          <a:p>
+            <a:pPr lvl="2"/>
+            <a:r>
+              <a:rPr/>
+              <a:t>Part of philosophy to encourage replication</a:t>
+            </a:r>
+          </a:p>
+          <a:p>
+            <a:pPr lvl="2"/>
+            <a:r>
+              <a:rPr/>
+              <a:t>Size of interval – “… how much of the estimate might be due to sampling error.”</a:t>
+            </a:r>
+          </a:p>
+        </p:txBody>
+      </p:sp>
+    </p:spTree>
+  </p:cSld>
+</p:sld>
+</file>
+
+<file path=ppt/slides/slide35.xml><?xml version="1.0" encoding="utf-8"?>
+<p:sld xmlns:a="http://schemas.openxmlformats.org/drawingml/2006/main" xmlns:r="http://schemas.openxmlformats.org/officeDocument/2006/relationships" xmlns:p="http://schemas.openxmlformats.org/presentationml/2006/main">
+  <p:cSld>
+    <p:spTree>
+      <p:nvGrpSpPr>
+        <p:cNvPr id="1" name=""/>
+        <p:cNvGrpSpPr/>
+        <p:nvPr/>
+      </p:nvGrpSpPr>
+      <p:grpSpPr>
+        <a:xfrm>
+          <a:off x="0" y="0"/>
+          <a:ext cx="0" cy="0"/>
+          <a:chOff x="0" y="0"/>
+          <a:chExt cx="0" cy="0"/>
+        </a:xfrm>
+      </p:grpSpPr>
+      <p:sp>
+        <p:nvSpPr>
+          <p:cNvPr id="2" name="Title 1"/>
+          <p:cNvSpPr>
+            <a:spLocks noGrp="1"/>
+          </p:cNvSpPr>
+          <p:nvPr>
+            <p:ph type="title"/>
+          </p:nvPr>
+        </p:nvSpPr>
+        <p:spPr/>
+        <p:txBody>
+          <a:bodyPr/>
+          <a:lstStyle/>
+          <a:p>
+            <a:pPr lvl="0" marL="0" indent="0">
+              <a:buNone/>
+            </a:pPr>
+            <a:r>
+              <a:rPr/>
+              <a:t>Making</a:t>
+            </a:r>
+            <a:r>
+              <a:rPr/>
+              <a:t> </a:t>
+            </a:r>
+            <a:r>
+              <a:rPr/>
+              <a:t>Inferences</a:t>
+            </a:r>
+            <a:r>
+              <a:rPr/>
+              <a:t> </a:t>
+            </a:r>
+            <a:r>
+              <a:rPr/>
+              <a:t>-</a:t>
+            </a:r>
+            <a:r>
+              <a:rPr/>
+              <a:t> </a:t>
+            </a:r>
+            <a:r>
+              <a:rPr/>
+              <a:t>EBA</a:t>
+            </a:r>
+          </a:p>
+        </p:txBody>
+      </p:sp>
       <p:pic>
         <p:nvPicPr>
           <p:cNvPr descr="../images/image-12-09.png" id="0" name="Picture 1"/>
@@ -6965,7 +12444,7 @@
           <p:nvPr/>
         </p:nvPicPr>
         <p:blipFill>
-          <a:blip r:embed="rId2"/>
+          <a:blip r:embed="rId3"/>
           <a:stretch>
             <a:fillRect/>
           </a:stretch>
@@ -6991,187 +12470,6 @@
 </p:sld>
 </file>
 
-<file path=ppt/slides/slide34.xml><?xml version="1.0" encoding="utf-8"?>
-<p:sld xmlns:a="http://schemas.openxmlformats.org/drawingml/2006/main" xmlns:r="http://schemas.openxmlformats.org/officeDocument/2006/relationships" xmlns:p="http://schemas.openxmlformats.org/presentationml/2006/main">
-  <p:cSld>
-    <p:spTree>
-      <p:nvGrpSpPr>
-        <p:cNvPr id="1" name=""/>
-        <p:cNvGrpSpPr/>
-        <p:nvPr/>
-      </p:nvGrpSpPr>
-      <p:grpSpPr>
-        <a:xfrm>
-          <a:off x="0" y="0"/>
-          <a:ext cx="0" cy="0"/>
-          <a:chOff x="0" y="0"/>
-          <a:chExt cx="0" cy="0"/>
-        </a:xfrm>
-      </p:grpSpPr>
-      <p:sp>
-        <p:nvSpPr>
-          <p:cNvPr id="3" name="Content Placeholder 2"/>
-          <p:cNvSpPr>
-            <a:spLocks noGrp="1"/>
-          </p:cNvSpPr>
-          <p:nvPr>
-            <p:ph idx="1"/>
-          </p:nvPr>
-        </p:nvSpPr>
-        <p:spPr/>
-        <p:txBody>
-          <a:bodyPr/>
-          <a:lstStyle/>
-          <a:p>
-            <a:pPr lvl="1"/>
-            <a:r>
-              <a:rPr/>
-              <a:t>Interpreting 95% CI (Fig 17.1)</a:t>
-            </a:r>
-          </a:p>
-        </p:txBody>
-      </p:sp>
-    </p:spTree>
-  </p:cSld>
-</p:sld>
-</file>
-
-<file path=ppt/slides/slide35.xml><?xml version="1.0" encoding="utf-8"?>
-<p:sld xmlns:a="http://schemas.openxmlformats.org/drawingml/2006/main" xmlns:r="http://schemas.openxmlformats.org/officeDocument/2006/relationships" xmlns:p="http://schemas.openxmlformats.org/presentationml/2006/main">
-  <p:cSld>
-    <p:spTree>
-      <p:nvGrpSpPr>
-        <p:cNvPr id="1" name=""/>
-        <p:cNvGrpSpPr/>
-        <p:nvPr/>
-      </p:nvGrpSpPr>
-      <p:grpSpPr>
-        <a:xfrm>
-          <a:off x="0" y="0"/>
-          <a:ext cx="0" cy="0"/>
-          <a:chOff x="0" y="0"/>
-          <a:chExt cx="0" cy="0"/>
-        </a:xfrm>
-      </p:grpSpPr>
-      <p:sp>
-        <p:nvSpPr>
-          <p:cNvPr id="2" name="Title 1"/>
-          <p:cNvSpPr>
-            <a:spLocks noGrp="1"/>
-          </p:cNvSpPr>
-          <p:nvPr>
-            <p:ph type="title"/>
-          </p:nvPr>
-        </p:nvSpPr>
-        <p:spPr/>
-        <p:txBody>
-          <a:bodyPr/>
-          <a:lstStyle/>
-          <a:p>
-            <a:pPr lvl="0" marL="0" indent="0">
-              <a:buNone/>
-            </a:pPr>
-            <a:r>
-              <a:rPr/>
-              <a:t>Making</a:t>
-            </a:r>
-            <a:r>
-              <a:rPr/>
-              <a:t> </a:t>
-            </a:r>
-            <a:r>
-              <a:rPr/>
-              <a:t>Inferences</a:t>
-            </a:r>
-            <a:r>
-              <a:rPr/>
-              <a:t> </a:t>
-            </a:r>
-            <a:r>
-              <a:rPr/>
-              <a:t>–</a:t>
-            </a:r>
-            <a:r>
-              <a:rPr/>
-              <a:t> </a:t>
-            </a:r>
-            <a:r>
-              <a:rPr/>
-              <a:t>EBA</a:t>
-            </a:r>
-          </a:p>
-        </p:txBody>
-      </p:sp>
-      <p:sp>
-        <p:nvSpPr>
-          <p:cNvPr id="3" name="Content Placeholder 2"/>
-          <p:cNvSpPr>
-            <a:spLocks noGrp="1"/>
-          </p:cNvSpPr>
-          <p:nvPr>
-            <p:ph idx="1"/>
-          </p:nvPr>
-        </p:nvSpPr>
-        <p:spPr/>
-        <p:txBody>
-          <a:bodyPr/>
-          <a:lstStyle/>
-          <a:p>
-            <a:pPr lvl="1"/>
-            <a:r>
-              <a:rPr/>
-              <a:t>Effect size –</a:t>
-            </a:r>
-          </a:p>
-          <a:p>
-            <a:pPr lvl="2"/>
-            <a:r>
-              <a:rPr/>
-              <a:t>Strength of relationship between IV &amp; DV</a:t>
-            </a:r>
-          </a:p>
-          <a:p>
-            <a:pPr lvl="2"/>
-            <a:r>
-              <a:rPr/>
-              <a:t>Magnitude of the difference between levels of the IV with respect to the DV</a:t>
-            </a:r>
-          </a:p>
-          <a:p>
-            <a:pPr lvl="2"/>
-            <a:r>
-              <a:rPr/>
-              <a:t>3 types of effect size measures</a:t>
-            </a:r>
-          </a:p>
-          <a:p>
-            <a:pPr lvl="3"/>
-            <a:r>
-              <a:rPr/>
-              <a:t>r family</a:t>
-            </a:r>
-          </a:p>
-          <a:p>
-            <a:pPr lvl="3"/>
-            <a:r>
-              <a:rPr/>
-              <a:t>d family</a:t>
-            </a:r>
-          </a:p>
-          <a:p>
-            <a:pPr lvl="3"/>
-            <a:r>
-              <a:rPr/>
-              <a:t>Measures of risk potency</a:t>
-            </a:r>
-          </a:p>
-        </p:txBody>
-      </p:sp>
-    </p:spTree>
-  </p:cSld>
-</p:sld>
-</file>
-
 <file path=ppt/slides/slide36.xml><?xml version="1.0" encoding="utf-8"?>
 <p:sld xmlns:a="http://schemas.openxmlformats.org/drawingml/2006/main" xmlns:r="http://schemas.openxmlformats.org/officeDocument/2006/relationships" xmlns:p="http://schemas.openxmlformats.org/presentationml/2006/main">
   <p:cSld>
@@ -7238,36 +12536,71 @@
           </a:p>
         </p:txBody>
       </p:sp>
-      <p:pic>
-        <p:nvPicPr>
-          <p:cNvPr descr="../images/image-12-10.png" id="0" name="Picture 1"/>
-          <p:cNvPicPr>
-            <a:picLocks noGrp="1" noChangeAspect="1"/>
-          </p:cNvPicPr>
-          <p:nvPr/>
-        </p:nvPicPr>
-        <p:blipFill>
-          <a:blip r:embed="rId2"/>
-          <a:stretch>
-            <a:fillRect/>
-          </a:stretch>
-        </p:blipFill>
-        <p:spPr bwMode="auto">
-          <a:xfrm>
-            <a:off x="1752600" y="1600200"/>
-            <a:ext cx="5638800" cy="4521200"/>
-          </a:xfrm>
-          <a:prstGeom prst="rect">
-            <a:avLst/>
-          </a:prstGeom>
-          <a:noFill/>
-          <a:ln w="9525">
-            <a:noFill/>
-            <a:headEnd/>
-            <a:tailEnd/>
-          </a:ln>
-        </p:spPr>
-      </p:pic>
+      <p:sp>
+        <p:nvSpPr>
+          <p:cNvPr id="3" name="Content Placeholder 2"/>
+          <p:cNvSpPr>
+            <a:spLocks noGrp="1"/>
+          </p:cNvSpPr>
+          <p:nvPr>
+            <p:ph idx="1"/>
+          </p:nvPr>
+        </p:nvSpPr>
+        <p:spPr/>
+        <p:txBody>
+          <a:bodyPr/>
+          <a:lstStyle/>
+          <a:p>
+            <a:pPr lvl="1"/>
+            <a:r>
+              <a:rPr/>
+              <a:t>Effect size –</a:t>
+            </a:r>
+          </a:p>
+          <a:p>
+            <a:pPr lvl="2"/>
+            <a:r>
+              <a:rPr/>
+              <a:t>Strength of relationship between IV &amp; DV</a:t>
+            </a:r>
+          </a:p>
+          <a:p>
+            <a:pPr lvl="2"/>
+            <a:r>
+              <a:rPr/>
+              <a:t>Magnitude of the difference between levels of the IV with respect to the DV</a:t>
+            </a:r>
+          </a:p>
+          <a:p>
+            <a:pPr lvl="2"/>
+            <a:r>
+              <a:rPr/>
+              <a:t>3 types of effect size measures</a:t>
+            </a:r>
+          </a:p>
+          <a:p>
+            <a:pPr lvl="3"/>
+            <a:r>
+              <a:rPr/>
+              <a:t>r family</a:t>
+            </a:r>
+          </a:p>
+          <a:p>
+            <a:pPr lvl="3"/>
+            <a:r>
+              <a:rPr/>
+              <a:t>d family</a:t>
+            </a:r>
+          </a:p>
+          <a:p>
+            <a:pPr lvl="3"/>
+            <a:r>
+              <a:rPr/>
+              <a:t>Measures of risk potency</a:t>
+            </a:r>
+          </a:p>
+        </p:txBody>
+      </p:sp>
     </p:spTree>
   </p:cSld>
 </p:sld>
@@ -7292,34 +12625,83 @@
       </p:grpSpPr>
       <p:sp>
         <p:nvSpPr>
-          <p:cNvPr id="3" name="Content Placeholder 2"/>
-          <p:cNvSpPr>
-            <a:spLocks noGrp="1"/>
-          </p:cNvSpPr>
-          <p:nvPr>
-            <p:ph idx="1"/>
-          </p:nvPr>
-        </p:nvSpPr>
-        <p:spPr/>
-        <p:txBody>
-          <a:bodyPr/>
-          <a:lstStyle/>
-          <a:p>
-            <a:pPr lvl="1"/>
-            <a:r>
-              <a:rPr/>
-              <a:t>Why is effect size at least as important as significance level?</a:t>
-            </a:r>
-          </a:p>
-          <a:p>
-            <a:pPr lvl="2"/>
-            <a:r>
-              <a:rPr/>
-              <a:t>Influence of sample size on results</a:t>
-            </a:r>
-          </a:p>
-        </p:txBody>
-      </p:sp>
+          <p:cNvPr id="2" name="Title 1"/>
+          <p:cNvSpPr>
+            <a:spLocks noGrp="1"/>
+          </p:cNvSpPr>
+          <p:nvPr>
+            <p:ph type="title"/>
+          </p:nvPr>
+        </p:nvSpPr>
+        <p:spPr/>
+        <p:txBody>
+          <a:bodyPr/>
+          <a:lstStyle/>
+          <a:p>
+            <a:pPr lvl="0" marL="0" indent="0">
+              <a:buNone/>
+            </a:pPr>
+            <a:r>
+              <a:rPr/>
+              <a:t>Making</a:t>
+            </a:r>
+            <a:r>
+              <a:rPr/>
+              <a:t> </a:t>
+            </a:r>
+            <a:r>
+              <a:rPr/>
+              <a:t>Inferences</a:t>
+            </a:r>
+            <a:r>
+              <a:rPr/>
+              <a:t> </a:t>
+            </a:r>
+            <a:r>
+              <a:rPr/>
+              <a:t>–</a:t>
+            </a:r>
+            <a:r>
+              <a:rPr/>
+              <a:t> </a:t>
+            </a:r>
+            <a:r>
+              <a:rPr/>
+              <a:t>EBA</a:t>
+            </a:r>
+          </a:p>
+        </p:txBody>
+      </p:sp>
+      <p:pic>
+        <p:nvPicPr>
+          <p:cNvPr descr="../images/image-12-10.png" id="0" name="Picture 1"/>
+          <p:cNvPicPr>
+            <a:picLocks noGrp="1" noChangeAspect="1"/>
+          </p:cNvPicPr>
+          <p:nvPr/>
+        </p:nvPicPr>
+        <p:blipFill>
+          <a:blip r:embed="rId3"/>
+          <a:stretch>
+            <a:fillRect/>
+          </a:stretch>
+        </p:blipFill>
+        <p:spPr bwMode="auto">
+          <a:xfrm>
+            <a:off x="1752600" y="1600200"/>
+            <a:ext cx="5638800" cy="4521200"/>
+          </a:xfrm>
+          <a:prstGeom prst="rect">
+            <a:avLst/>
+          </a:prstGeom>
+          <a:noFill/>
+          <a:ln w="9525">
+            <a:noFill/>
+            <a:headEnd/>
+            <a:tailEnd/>
+          </a:ln>
+        </p:spPr>
+      </p:pic>
     </p:spTree>
   </p:cSld>
 </p:sld>
@@ -9693,7 +15075,7 @@
             <a:pPr lvl="1"/>
             <a:r>
               <a:rPr/>
-              <a:t>Accessible population &lt;U+F0E8&gt; Sample</a:t>
+              <a:t>Accessible population -&gt; Sample</a:t>
             </a:r>
           </a:p>
           <a:p>
